--- a/documentations/imageMaker.pptx
+++ b/documentations/imageMaker.pptx
@@ -2,18 +2,19 @@
 <file path=ppt/presentation.xml><?xml version="1.0" encoding="utf-8"?>
 <p:presentation xmlns:a="http://schemas.openxmlformats.org/drawingml/2006/main" xmlns:r="http://schemas.openxmlformats.org/officeDocument/2006/relationships" xmlns:p="http://schemas.openxmlformats.org/presentationml/2006/main" saveSubsetFonts="1">
   <p:sldMasterIdLst>
-    <p:sldMasterId id="2147483648" r:id="rId1"/>
+    <p:sldMasterId id="2147483660" r:id="rId1"/>
   </p:sldMasterIdLst>
   <p:sldIdLst>
-    <p:sldId id="257" r:id="rId2"/>
+    <p:sldId id="258" r:id="rId2"/>
+    <p:sldId id="257" r:id="rId3"/>
   </p:sldIdLst>
-  <p:sldSz cx="12192000" cy="6858000"/>
+  <p:sldSz cx="9906000" cy="6858000" type="A4"/>
   <p:notesSz cx="6858000" cy="9144000"/>
   <p:defaultTextStyle>
     <a:defPPr>
       <a:defRPr lang="en-US"/>
     </a:defPPr>
-    <a:lvl1pPr marL="0" algn="l" defTabSz="914400" rtl="0" eaLnBrk="1" latinLnBrk="0" hangingPunct="1">
+    <a:lvl1pPr marL="0" algn="l" defTabSz="457200" rtl="0" eaLnBrk="1" latinLnBrk="0" hangingPunct="1">
       <a:defRPr sz="1800" kern="1200">
         <a:solidFill>
           <a:schemeClr val="tx1"/>
@@ -23,7 +24,7 @@
         <a:cs typeface="+mn-cs"/>
       </a:defRPr>
     </a:lvl1pPr>
-    <a:lvl2pPr marL="457200" algn="l" defTabSz="914400" rtl="0" eaLnBrk="1" latinLnBrk="0" hangingPunct="1">
+    <a:lvl2pPr marL="457200" algn="l" defTabSz="457200" rtl="0" eaLnBrk="1" latinLnBrk="0" hangingPunct="1">
       <a:defRPr sz="1800" kern="1200">
         <a:solidFill>
           <a:schemeClr val="tx1"/>
@@ -33,7 +34,7 @@
         <a:cs typeface="+mn-cs"/>
       </a:defRPr>
     </a:lvl2pPr>
-    <a:lvl3pPr marL="914400" algn="l" defTabSz="914400" rtl="0" eaLnBrk="1" latinLnBrk="0" hangingPunct="1">
+    <a:lvl3pPr marL="914400" algn="l" defTabSz="457200" rtl="0" eaLnBrk="1" latinLnBrk="0" hangingPunct="1">
       <a:defRPr sz="1800" kern="1200">
         <a:solidFill>
           <a:schemeClr val="tx1"/>
@@ -43,7 +44,7 @@
         <a:cs typeface="+mn-cs"/>
       </a:defRPr>
     </a:lvl3pPr>
-    <a:lvl4pPr marL="1371600" algn="l" defTabSz="914400" rtl="0" eaLnBrk="1" latinLnBrk="0" hangingPunct="1">
+    <a:lvl4pPr marL="1371600" algn="l" defTabSz="457200" rtl="0" eaLnBrk="1" latinLnBrk="0" hangingPunct="1">
       <a:defRPr sz="1800" kern="1200">
         <a:solidFill>
           <a:schemeClr val="tx1"/>
@@ -53,7 +54,7 @@
         <a:cs typeface="+mn-cs"/>
       </a:defRPr>
     </a:lvl4pPr>
-    <a:lvl5pPr marL="1828800" algn="l" defTabSz="914400" rtl="0" eaLnBrk="1" latinLnBrk="0" hangingPunct="1">
+    <a:lvl5pPr marL="1828800" algn="l" defTabSz="457200" rtl="0" eaLnBrk="1" latinLnBrk="0" hangingPunct="1">
       <a:defRPr sz="1800" kern="1200">
         <a:solidFill>
           <a:schemeClr val="tx1"/>
@@ -63,7 +64,7 @@
         <a:cs typeface="+mn-cs"/>
       </a:defRPr>
     </a:lvl5pPr>
-    <a:lvl6pPr marL="2286000" algn="l" defTabSz="914400" rtl="0" eaLnBrk="1" latinLnBrk="0" hangingPunct="1">
+    <a:lvl6pPr marL="2286000" algn="l" defTabSz="457200" rtl="0" eaLnBrk="1" latinLnBrk="0" hangingPunct="1">
       <a:defRPr sz="1800" kern="1200">
         <a:solidFill>
           <a:schemeClr val="tx1"/>
@@ -73,7 +74,7 @@
         <a:cs typeface="+mn-cs"/>
       </a:defRPr>
     </a:lvl6pPr>
-    <a:lvl7pPr marL="2743200" algn="l" defTabSz="914400" rtl="0" eaLnBrk="1" latinLnBrk="0" hangingPunct="1">
+    <a:lvl7pPr marL="2743200" algn="l" defTabSz="457200" rtl="0" eaLnBrk="1" latinLnBrk="0" hangingPunct="1">
       <a:defRPr sz="1800" kern="1200">
         <a:solidFill>
           <a:schemeClr val="tx1"/>
@@ -83,7 +84,7 @@
         <a:cs typeface="+mn-cs"/>
       </a:defRPr>
     </a:lvl7pPr>
-    <a:lvl8pPr marL="3200400" algn="l" defTabSz="914400" rtl="0" eaLnBrk="1" latinLnBrk="0" hangingPunct="1">
+    <a:lvl8pPr marL="3200400" algn="l" defTabSz="457200" rtl="0" eaLnBrk="1" latinLnBrk="0" hangingPunct="1">
       <a:defRPr sz="1800" kern="1200">
         <a:solidFill>
           <a:schemeClr val="tx1"/>
@@ -93,7 +94,7 @@
         <a:cs typeface="+mn-cs"/>
       </a:defRPr>
     </a:lvl8pPr>
-    <a:lvl9pPr marL="3657600" algn="l" defTabSz="914400" rtl="0" eaLnBrk="1" latinLnBrk="0" hangingPunct="1">
+    <a:lvl9pPr marL="3657600" algn="l" defTabSz="457200" rtl="0" eaLnBrk="1" latinLnBrk="0" hangingPunct="1">
       <a:defRPr sz="1800" kern="1200">
         <a:solidFill>
           <a:schemeClr val="tx1"/>
@@ -131,13 +132,7 @@
       </p:grpSpPr>
       <p:sp>
         <p:nvSpPr>
-          <p:cNvPr id="2" name="Title 1">
-            <a:extLst>
-              <a:ext uri="{FF2B5EF4-FFF2-40B4-BE49-F238E27FC236}">
-                <a16:creationId xmlns:a16="http://schemas.microsoft.com/office/drawing/2014/main" id="{E16A0697-E42A-226D-34EA-F58DA59471CD}"/>
-              </a:ext>
-            </a:extLst>
-          </p:cNvPr>
+          <p:cNvPr id="2" name="Title 1"/>
           <p:cNvSpPr>
             <a:spLocks noGrp="1"/>
           </p:cNvSpPr>
@@ -147,8 +142,8 @@
         </p:nvSpPr>
         <p:spPr>
           <a:xfrm>
-            <a:off x="1524000" y="1122363"/>
-            <a:ext cx="9144000" cy="2387600"/>
+            <a:off x="742950" y="1122363"/>
+            <a:ext cx="8420100" cy="2387600"/>
           </a:xfrm>
         </p:spPr>
         <p:txBody>
@@ -160,22 +155,16 @@
           </a:lstStyle>
           <a:p>
             <a:r>
-              <a:rPr lang="en-US"/>
+              <a:rPr lang="en-GB"/>
               <a:t>Click to edit Master title style</a:t>
             </a:r>
-            <a:endParaRPr lang="en-AU"/>
-          </a:p>
-        </p:txBody>
-      </p:sp>
-      <p:sp>
-        <p:nvSpPr>
-          <p:cNvPr id="3" name="Subtitle 2">
-            <a:extLst>
-              <a:ext uri="{FF2B5EF4-FFF2-40B4-BE49-F238E27FC236}">
-                <a16:creationId xmlns:a16="http://schemas.microsoft.com/office/drawing/2014/main" id="{634A2F9D-A232-B1AB-1DE6-9BA421863A57}"/>
-              </a:ext>
-            </a:extLst>
-          </p:cNvPr>
+            <a:endParaRPr lang="en-US" dirty="0"/>
+          </a:p>
+        </p:txBody>
+      </p:sp>
+      <p:sp>
+        <p:nvSpPr>
+          <p:cNvPr id="3" name="Subtitle 2"/>
           <p:cNvSpPr>
             <a:spLocks noGrp="1"/>
           </p:cNvSpPr>
@@ -185,8 +174,8 @@
         </p:nvSpPr>
         <p:spPr>
           <a:xfrm>
-            <a:off x="1524000" y="3602038"/>
-            <a:ext cx="9144000" cy="1655762"/>
+            <a:off x="1238250" y="3602038"/>
+            <a:ext cx="7429500" cy="1655762"/>
           </a:xfrm>
         </p:spPr>
         <p:txBody>
@@ -231,22 +220,16 @@
           </a:lstStyle>
           <a:p>
             <a:r>
-              <a:rPr lang="en-US"/>
+              <a:rPr lang="en-GB"/>
               <a:t>Click to edit Master subtitle style</a:t>
             </a:r>
-            <a:endParaRPr lang="en-AU"/>
-          </a:p>
-        </p:txBody>
-      </p:sp>
-      <p:sp>
-        <p:nvSpPr>
-          <p:cNvPr id="4" name="Date Placeholder 3">
-            <a:extLst>
-              <a:ext uri="{FF2B5EF4-FFF2-40B4-BE49-F238E27FC236}">
-                <a16:creationId xmlns:a16="http://schemas.microsoft.com/office/drawing/2014/main" id="{C6B84353-642F-551B-D4A9-8AD0EBE2CD6E}"/>
-              </a:ext>
-            </a:extLst>
-          </p:cNvPr>
+            <a:endParaRPr lang="en-US" dirty="0"/>
+          </a:p>
+        </p:txBody>
+      </p:sp>
+      <p:sp>
+        <p:nvSpPr>
+          <p:cNvPr id="4" name="Date Placeholder 3"/>
           <p:cNvSpPr>
             <a:spLocks noGrp="1"/>
           </p:cNvSpPr>
@@ -261,7 +244,7 @@
           <a:p>
             <a:fld id="{4BC6EA22-CCE4-4220-8B4C-68A9C409F945}" type="datetimeFigureOut">
               <a:rPr lang="en-AU" smtClean="0"/>
-              <a:t>13/06/2024</a:t>
+              <a:t>15/6/2024</a:t>
             </a:fld>
             <a:endParaRPr lang="en-AU"/>
           </a:p>
@@ -269,13 +252,7 @@
       </p:sp>
       <p:sp>
         <p:nvSpPr>
-          <p:cNvPr id="5" name="Footer Placeholder 4">
-            <a:extLst>
-              <a:ext uri="{FF2B5EF4-FFF2-40B4-BE49-F238E27FC236}">
-                <a16:creationId xmlns:a16="http://schemas.microsoft.com/office/drawing/2014/main" id="{22056AA1-A45A-8BD2-E301-A30B59BF3869}"/>
-              </a:ext>
-            </a:extLst>
-          </p:cNvPr>
+          <p:cNvPr id="5" name="Footer Placeholder 4"/>
           <p:cNvSpPr>
             <a:spLocks noGrp="1"/>
           </p:cNvSpPr>
@@ -294,13 +271,7 @@
       </p:sp>
       <p:sp>
         <p:nvSpPr>
-          <p:cNvPr id="6" name="Slide Number Placeholder 5">
-            <a:extLst>
-              <a:ext uri="{FF2B5EF4-FFF2-40B4-BE49-F238E27FC236}">
-                <a16:creationId xmlns:a16="http://schemas.microsoft.com/office/drawing/2014/main" id="{EABA0FD8-3396-7093-3EFA-2D45356222E9}"/>
-              </a:ext>
-            </a:extLst>
-          </p:cNvPr>
+          <p:cNvPr id="6" name="Slide Number Placeholder 5"/>
           <p:cNvSpPr>
             <a:spLocks noGrp="1"/>
           </p:cNvSpPr>
@@ -324,7 +295,7 @@
     </p:spTree>
     <p:extLst>
       <p:ext uri="{BB962C8B-B14F-4D97-AF65-F5344CB8AC3E}">
-        <p14:creationId xmlns:p14="http://schemas.microsoft.com/office/powerpoint/2010/main" val="2872821151"/>
+        <p14:creationId xmlns:p14="http://schemas.microsoft.com/office/powerpoint/2010/main" val="2163646943"/>
       </p:ext>
     </p:extLst>
   </p:cSld>
@@ -353,13 +324,7 @@
       </p:grpSpPr>
       <p:sp>
         <p:nvSpPr>
-          <p:cNvPr id="2" name="Title 1">
-            <a:extLst>
-              <a:ext uri="{FF2B5EF4-FFF2-40B4-BE49-F238E27FC236}">
-                <a16:creationId xmlns:a16="http://schemas.microsoft.com/office/drawing/2014/main" id="{5F37B512-2DDC-4B15-708B-009EA9486D08}"/>
-              </a:ext>
-            </a:extLst>
-          </p:cNvPr>
+          <p:cNvPr id="2" name="Title 1"/>
           <p:cNvSpPr>
             <a:spLocks noGrp="1"/>
           </p:cNvSpPr>
@@ -373,22 +338,16 @@
           <a:lstStyle/>
           <a:p>
             <a:r>
-              <a:rPr lang="en-US"/>
+              <a:rPr lang="en-GB"/>
               <a:t>Click to edit Master title style</a:t>
             </a:r>
-            <a:endParaRPr lang="en-AU"/>
-          </a:p>
-        </p:txBody>
-      </p:sp>
-      <p:sp>
-        <p:nvSpPr>
-          <p:cNvPr id="3" name="Vertical Text Placeholder 2">
-            <a:extLst>
-              <a:ext uri="{FF2B5EF4-FFF2-40B4-BE49-F238E27FC236}">
-                <a16:creationId xmlns:a16="http://schemas.microsoft.com/office/drawing/2014/main" id="{0A507961-C193-6B2D-2919-2516490C375B}"/>
-              </a:ext>
-            </a:extLst>
-          </p:cNvPr>
+            <a:endParaRPr lang="en-US" dirty="0"/>
+          </a:p>
+        </p:txBody>
+      </p:sp>
+      <p:sp>
+        <p:nvSpPr>
+          <p:cNvPr id="3" name="Vertical Text Placeholder 2"/>
           <p:cNvSpPr>
             <a:spLocks noGrp="1"/>
           </p:cNvSpPr>
@@ -403,50 +362,44 @@
           <a:p>
             <a:pPr lvl="0"/>
             <a:r>
-              <a:rPr lang="en-US"/>
+              <a:rPr lang="en-GB"/>
               <a:t>Click to edit Master text styles</a:t>
             </a:r>
           </a:p>
           <a:p>
             <a:pPr lvl="1"/>
             <a:r>
-              <a:rPr lang="en-US"/>
+              <a:rPr lang="en-GB"/>
               <a:t>Second level</a:t>
             </a:r>
           </a:p>
           <a:p>
             <a:pPr lvl="2"/>
             <a:r>
-              <a:rPr lang="en-US"/>
+              <a:rPr lang="en-GB"/>
               <a:t>Third level</a:t>
             </a:r>
           </a:p>
           <a:p>
             <a:pPr lvl="3"/>
             <a:r>
-              <a:rPr lang="en-US"/>
+              <a:rPr lang="en-GB"/>
               <a:t>Fourth level</a:t>
             </a:r>
           </a:p>
           <a:p>
             <a:pPr lvl="4"/>
             <a:r>
-              <a:rPr lang="en-US"/>
+              <a:rPr lang="en-GB"/>
               <a:t>Fifth level</a:t>
             </a:r>
-            <a:endParaRPr lang="en-AU"/>
-          </a:p>
-        </p:txBody>
-      </p:sp>
-      <p:sp>
-        <p:nvSpPr>
-          <p:cNvPr id="4" name="Date Placeholder 3">
-            <a:extLst>
-              <a:ext uri="{FF2B5EF4-FFF2-40B4-BE49-F238E27FC236}">
-                <a16:creationId xmlns:a16="http://schemas.microsoft.com/office/drawing/2014/main" id="{C0853F2A-28FA-BE96-F30F-BDA3DB600A11}"/>
-              </a:ext>
-            </a:extLst>
-          </p:cNvPr>
+            <a:endParaRPr lang="en-US" dirty="0"/>
+          </a:p>
+        </p:txBody>
+      </p:sp>
+      <p:sp>
+        <p:nvSpPr>
+          <p:cNvPr id="4" name="Date Placeholder 3"/>
           <p:cNvSpPr>
             <a:spLocks noGrp="1"/>
           </p:cNvSpPr>
@@ -461,7 +414,7 @@
           <a:p>
             <a:fld id="{4BC6EA22-CCE4-4220-8B4C-68A9C409F945}" type="datetimeFigureOut">
               <a:rPr lang="en-AU" smtClean="0"/>
-              <a:t>13/06/2024</a:t>
+              <a:t>15/6/2024</a:t>
             </a:fld>
             <a:endParaRPr lang="en-AU"/>
           </a:p>
@@ -469,13 +422,7 @@
       </p:sp>
       <p:sp>
         <p:nvSpPr>
-          <p:cNvPr id="5" name="Footer Placeholder 4">
-            <a:extLst>
-              <a:ext uri="{FF2B5EF4-FFF2-40B4-BE49-F238E27FC236}">
-                <a16:creationId xmlns:a16="http://schemas.microsoft.com/office/drawing/2014/main" id="{45EA6D4C-A8F6-AE01-128F-CA3D875D9280}"/>
-              </a:ext>
-            </a:extLst>
-          </p:cNvPr>
+          <p:cNvPr id="5" name="Footer Placeholder 4"/>
           <p:cNvSpPr>
             <a:spLocks noGrp="1"/>
           </p:cNvSpPr>
@@ -494,13 +441,7 @@
       </p:sp>
       <p:sp>
         <p:nvSpPr>
-          <p:cNvPr id="6" name="Slide Number Placeholder 5">
-            <a:extLst>
-              <a:ext uri="{FF2B5EF4-FFF2-40B4-BE49-F238E27FC236}">
-                <a16:creationId xmlns:a16="http://schemas.microsoft.com/office/drawing/2014/main" id="{98B4B226-500F-1460-4958-DBA29D7B01F7}"/>
-              </a:ext>
-            </a:extLst>
-          </p:cNvPr>
+          <p:cNvPr id="6" name="Slide Number Placeholder 5"/>
           <p:cNvSpPr>
             <a:spLocks noGrp="1"/>
           </p:cNvSpPr>
@@ -524,7 +465,7 @@
     </p:spTree>
     <p:extLst>
       <p:ext uri="{BB962C8B-B14F-4D97-AF65-F5344CB8AC3E}">
-        <p14:creationId xmlns:p14="http://schemas.microsoft.com/office/powerpoint/2010/main" val="1389982448"/>
+        <p14:creationId xmlns:p14="http://schemas.microsoft.com/office/powerpoint/2010/main" val="2665239079"/>
       </p:ext>
     </p:extLst>
   </p:cSld>
@@ -553,13 +494,7 @@
       </p:grpSpPr>
       <p:sp>
         <p:nvSpPr>
-          <p:cNvPr id="2" name="Vertical Title 1">
-            <a:extLst>
-              <a:ext uri="{FF2B5EF4-FFF2-40B4-BE49-F238E27FC236}">
-                <a16:creationId xmlns:a16="http://schemas.microsoft.com/office/drawing/2014/main" id="{05078FA6-B5DF-984F-8A2B-A7B7D6205497}"/>
-              </a:ext>
-            </a:extLst>
-          </p:cNvPr>
+          <p:cNvPr id="2" name="Vertical Title 1"/>
           <p:cNvSpPr>
             <a:spLocks noGrp="1"/>
           </p:cNvSpPr>
@@ -569,8 +504,8 @@
         </p:nvSpPr>
         <p:spPr>
           <a:xfrm>
-            <a:off x="8724900" y="365125"/>
-            <a:ext cx="2628900" cy="5811838"/>
+            <a:off x="7088982" y="365125"/>
+            <a:ext cx="2135981" cy="5811838"/>
           </a:xfrm>
         </p:spPr>
         <p:txBody>
@@ -578,22 +513,16 @@
           <a:lstStyle/>
           <a:p>
             <a:r>
-              <a:rPr lang="en-US"/>
+              <a:rPr lang="en-GB"/>
               <a:t>Click to edit Master title style</a:t>
             </a:r>
-            <a:endParaRPr lang="en-AU"/>
-          </a:p>
-        </p:txBody>
-      </p:sp>
-      <p:sp>
-        <p:nvSpPr>
-          <p:cNvPr id="3" name="Vertical Text Placeholder 2">
-            <a:extLst>
-              <a:ext uri="{FF2B5EF4-FFF2-40B4-BE49-F238E27FC236}">
-                <a16:creationId xmlns:a16="http://schemas.microsoft.com/office/drawing/2014/main" id="{00CCB0EB-56D9-0795-5BD3-838A37BBBA70}"/>
-              </a:ext>
-            </a:extLst>
-          </p:cNvPr>
+            <a:endParaRPr lang="en-US" dirty="0"/>
+          </a:p>
+        </p:txBody>
+      </p:sp>
+      <p:sp>
+        <p:nvSpPr>
+          <p:cNvPr id="3" name="Vertical Text Placeholder 2"/>
           <p:cNvSpPr>
             <a:spLocks noGrp="1"/>
           </p:cNvSpPr>
@@ -603,8 +532,8 @@
         </p:nvSpPr>
         <p:spPr>
           <a:xfrm>
-            <a:off x="838200" y="365125"/>
-            <a:ext cx="7734300" cy="5811838"/>
+            <a:off x="681038" y="365125"/>
+            <a:ext cx="6284119" cy="5811838"/>
           </a:xfrm>
         </p:spPr>
         <p:txBody>
@@ -613,50 +542,44 @@
           <a:p>
             <a:pPr lvl="0"/>
             <a:r>
-              <a:rPr lang="en-US"/>
+              <a:rPr lang="en-GB"/>
               <a:t>Click to edit Master text styles</a:t>
             </a:r>
           </a:p>
           <a:p>
             <a:pPr lvl="1"/>
             <a:r>
-              <a:rPr lang="en-US"/>
+              <a:rPr lang="en-GB"/>
               <a:t>Second level</a:t>
             </a:r>
           </a:p>
           <a:p>
             <a:pPr lvl="2"/>
             <a:r>
-              <a:rPr lang="en-US"/>
+              <a:rPr lang="en-GB"/>
               <a:t>Third level</a:t>
             </a:r>
           </a:p>
           <a:p>
             <a:pPr lvl="3"/>
             <a:r>
-              <a:rPr lang="en-US"/>
+              <a:rPr lang="en-GB"/>
               <a:t>Fourth level</a:t>
             </a:r>
           </a:p>
           <a:p>
             <a:pPr lvl="4"/>
             <a:r>
-              <a:rPr lang="en-US"/>
+              <a:rPr lang="en-GB"/>
               <a:t>Fifth level</a:t>
             </a:r>
-            <a:endParaRPr lang="en-AU"/>
-          </a:p>
-        </p:txBody>
-      </p:sp>
-      <p:sp>
-        <p:nvSpPr>
-          <p:cNvPr id="4" name="Date Placeholder 3">
-            <a:extLst>
-              <a:ext uri="{FF2B5EF4-FFF2-40B4-BE49-F238E27FC236}">
-                <a16:creationId xmlns:a16="http://schemas.microsoft.com/office/drawing/2014/main" id="{99041B50-8A09-190A-561F-989CCDCBAEE9}"/>
-              </a:ext>
-            </a:extLst>
-          </p:cNvPr>
+            <a:endParaRPr lang="en-US" dirty="0"/>
+          </a:p>
+        </p:txBody>
+      </p:sp>
+      <p:sp>
+        <p:nvSpPr>
+          <p:cNvPr id="4" name="Date Placeholder 3"/>
           <p:cNvSpPr>
             <a:spLocks noGrp="1"/>
           </p:cNvSpPr>
@@ -671,7 +594,7 @@
           <a:p>
             <a:fld id="{4BC6EA22-CCE4-4220-8B4C-68A9C409F945}" type="datetimeFigureOut">
               <a:rPr lang="en-AU" smtClean="0"/>
-              <a:t>13/06/2024</a:t>
+              <a:t>15/6/2024</a:t>
             </a:fld>
             <a:endParaRPr lang="en-AU"/>
           </a:p>
@@ -679,13 +602,7 @@
       </p:sp>
       <p:sp>
         <p:nvSpPr>
-          <p:cNvPr id="5" name="Footer Placeholder 4">
-            <a:extLst>
-              <a:ext uri="{FF2B5EF4-FFF2-40B4-BE49-F238E27FC236}">
-                <a16:creationId xmlns:a16="http://schemas.microsoft.com/office/drawing/2014/main" id="{3B9CB4B3-C1C0-82B6-7968-C1A737F9731F}"/>
-              </a:ext>
-            </a:extLst>
-          </p:cNvPr>
+          <p:cNvPr id="5" name="Footer Placeholder 4"/>
           <p:cNvSpPr>
             <a:spLocks noGrp="1"/>
           </p:cNvSpPr>
@@ -704,13 +621,7 @@
       </p:sp>
       <p:sp>
         <p:nvSpPr>
-          <p:cNvPr id="6" name="Slide Number Placeholder 5">
-            <a:extLst>
-              <a:ext uri="{FF2B5EF4-FFF2-40B4-BE49-F238E27FC236}">
-                <a16:creationId xmlns:a16="http://schemas.microsoft.com/office/drawing/2014/main" id="{A9D175A6-583B-52D5-E6E1-65F092FFBC83}"/>
-              </a:ext>
-            </a:extLst>
-          </p:cNvPr>
+          <p:cNvPr id="6" name="Slide Number Placeholder 5"/>
           <p:cNvSpPr>
             <a:spLocks noGrp="1"/>
           </p:cNvSpPr>
@@ -734,7 +645,7 @@
     </p:spTree>
     <p:extLst>
       <p:ext uri="{BB962C8B-B14F-4D97-AF65-F5344CB8AC3E}">
-        <p14:creationId xmlns:p14="http://schemas.microsoft.com/office/powerpoint/2010/main" val="4156673080"/>
+        <p14:creationId xmlns:p14="http://schemas.microsoft.com/office/powerpoint/2010/main" val="2764631348"/>
       </p:ext>
     </p:extLst>
   </p:cSld>
@@ -763,13 +674,7 @@
       </p:grpSpPr>
       <p:sp>
         <p:nvSpPr>
-          <p:cNvPr id="2" name="Title 1">
-            <a:extLst>
-              <a:ext uri="{FF2B5EF4-FFF2-40B4-BE49-F238E27FC236}">
-                <a16:creationId xmlns:a16="http://schemas.microsoft.com/office/drawing/2014/main" id="{84413A0E-4799-A269-B73E-489E52B4BC81}"/>
-              </a:ext>
-            </a:extLst>
-          </p:cNvPr>
+          <p:cNvPr id="2" name="Title 1"/>
           <p:cNvSpPr>
             <a:spLocks noGrp="1"/>
           </p:cNvSpPr>
@@ -783,22 +688,16 @@
           <a:lstStyle/>
           <a:p>
             <a:r>
-              <a:rPr lang="en-US"/>
+              <a:rPr lang="en-GB"/>
               <a:t>Click to edit Master title style</a:t>
             </a:r>
-            <a:endParaRPr lang="en-AU"/>
-          </a:p>
-        </p:txBody>
-      </p:sp>
-      <p:sp>
-        <p:nvSpPr>
-          <p:cNvPr id="3" name="Content Placeholder 2">
-            <a:extLst>
-              <a:ext uri="{FF2B5EF4-FFF2-40B4-BE49-F238E27FC236}">
-                <a16:creationId xmlns:a16="http://schemas.microsoft.com/office/drawing/2014/main" id="{3325EFFD-3264-627C-9695-E3773E766A0A}"/>
-              </a:ext>
-            </a:extLst>
-          </p:cNvPr>
+            <a:endParaRPr lang="en-US" dirty="0"/>
+          </a:p>
+        </p:txBody>
+      </p:sp>
+      <p:sp>
+        <p:nvSpPr>
+          <p:cNvPr id="3" name="Content Placeholder 2"/>
           <p:cNvSpPr>
             <a:spLocks noGrp="1"/>
           </p:cNvSpPr>
@@ -813,50 +712,44 @@
           <a:p>
             <a:pPr lvl="0"/>
             <a:r>
-              <a:rPr lang="en-US"/>
+              <a:rPr lang="en-GB"/>
               <a:t>Click to edit Master text styles</a:t>
             </a:r>
           </a:p>
           <a:p>
             <a:pPr lvl="1"/>
             <a:r>
-              <a:rPr lang="en-US"/>
+              <a:rPr lang="en-GB"/>
               <a:t>Second level</a:t>
             </a:r>
           </a:p>
           <a:p>
             <a:pPr lvl="2"/>
             <a:r>
-              <a:rPr lang="en-US"/>
+              <a:rPr lang="en-GB"/>
               <a:t>Third level</a:t>
             </a:r>
           </a:p>
           <a:p>
             <a:pPr lvl="3"/>
             <a:r>
-              <a:rPr lang="en-US"/>
+              <a:rPr lang="en-GB"/>
               <a:t>Fourth level</a:t>
             </a:r>
           </a:p>
           <a:p>
             <a:pPr lvl="4"/>
             <a:r>
-              <a:rPr lang="en-US"/>
+              <a:rPr lang="en-GB"/>
               <a:t>Fifth level</a:t>
             </a:r>
-            <a:endParaRPr lang="en-AU"/>
-          </a:p>
-        </p:txBody>
-      </p:sp>
-      <p:sp>
-        <p:nvSpPr>
-          <p:cNvPr id="4" name="Date Placeholder 3">
-            <a:extLst>
-              <a:ext uri="{FF2B5EF4-FFF2-40B4-BE49-F238E27FC236}">
-                <a16:creationId xmlns:a16="http://schemas.microsoft.com/office/drawing/2014/main" id="{EBB7E549-66CC-869A-F368-3914BF0C5058}"/>
-              </a:ext>
-            </a:extLst>
-          </p:cNvPr>
+            <a:endParaRPr lang="en-US" dirty="0"/>
+          </a:p>
+        </p:txBody>
+      </p:sp>
+      <p:sp>
+        <p:nvSpPr>
+          <p:cNvPr id="4" name="Date Placeholder 3"/>
           <p:cNvSpPr>
             <a:spLocks noGrp="1"/>
           </p:cNvSpPr>
@@ -871,7 +764,7 @@
           <a:p>
             <a:fld id="{4BC6EA22-CCE4-4220-8B4C-68A9C409F945}" type="datetimeFigureOut">
               <a:rPr lang="en-AU" smtClean="0"/>
-              <a:t>13/06/2024</a:t>
+              <a:t>15/6/2024</a:t>
             </a:fld>
             <a:endParaRPr lang="en-AU"/>
           </a:p>
@@ -879,13 +772,7 @@
       </p:sp>
       <p:sp>
         <p:nvSpPr>
-          <p:cNvPr id="5" name="Footer Placeholder 4">
-            <a:extLst>
-              <a:ext uri="{FF2B5EF4-FFF2-40B4-BE49-F238E27FC236}">
-                <a16:creationId xmlns:a16="http://schemas.microsoft.com/office/drawing/2014/main" id="{44FC991B-81A1-AA01-99A1-B4BE9D3B4226}"/>
-              </a:ext>
-            </a:extLst>
-          </p:cNvPr>
+          <p:cNvPr id="5" name="Footer Placeholder 4"/>
           <p:cNvSpPr>
             <a:spLocks noGrp="1"/>
           </p:cNvSpPr>
@@ -904,13 +791,7 @@
       </p:sp>
       <p:sp>
         <p:nvSpPr>
-          <p:cNvPr id="6" name="Slide Number Placeholder 5">
-            <a:extLst>
-              <a:ext uri="{FF2B5EF4-FFF2-40B4-BE49-F238E27FC236}">
-                <a16:creationId xmlns:a16="http://schemas.microsoft.com/office/drawing/2014/main" id="{BA38C2BD-C1BB-0A9E-C3F8-99C2DC2D673D}"/>
-              </a:ext>
-            </a:extLst>
-          </p:cNvPr>
+          <p:cNvPr id="6" name="Slide Number Placeholder 5"/>
           <p:cNvSpPr>
             <a:spLocks noGrp="1"/>
           </p:cNvSpPr>
@@ -934,7 +815,7 @@
     </p:spTree>
     <p:extLst>
       <p:ext uri="{BB962C8B-B14F-4D97-AF65-F5344CB8AC3E}">
-        <p14:creationId xmlns:p14="http://schemas.microsoft.com/office/powerpoint/2010/main" val="775750687"/>
+        <p14:creationId xmlns:p14="http://schemas.microsoft.com/office/powerpoint/2010/main" val="3979870010"/>
       </p:ext>
     </p:extLst>
   </p:cSld>
@@ -963,13 +844,7 @@
       </p:grpSpPr>
       <p:sp>
         <p:nvSpPr>
-          <p:cNvPr id="2" name="Title 1">
-            <a:extLst>
-              <a:ext uri="{FF2B5EF4-FFF2-40B4-BE49-F238E27FC236}">
-                <a16:creationId xmlns:a16="http://schemas.microsoft.com/office/drawing/2014/main" id="{D397B375-ADB1-474E-0312-3BB4095AD2A4}"/>
-              </a:ext>
-            </a:extLst>
-          </p:cNvPr>
+          <p:cNvPr id="2" name="Title 1"/>
           <p:cNvSpPr>
             <a:spLocks noGrp="1"/>
           </p:cNvSpPr>
@@ -979,8 +854,8 @@
         </p:nvSpPr>
         <p:spPr>
           <a:xfrm>
-            <a:off x="831850" y="1709738"/>
-            <a:ext cx="10515600" cy="2852737"/>
+            <a:off x="675879" y="1709740"/>
+            <a:ext cx="8543925" cy="2852737"/>
           </a:xfrm>
         </p:spPr>
         <p:txBody>
@@ -992,22 +867,16 @@
           </a:lstStyle>
           <a:p>
             <a:r>
-              <a:rPr lang="en-US"/>
+              <a:rPr lang="en-GB"/>
               <a:t>Click to edit Master title style</a:t>
             </a:r>
-            <a:endParaRPr lang="en-AU"/>
-          </a:p>
-        </p:txBody>
-      </p:sp>
-      <p:sp>
-        <p:nvSpPr>
-          <p:cNvPr id="3" name="Text Placeholder 2">
-            <a:extLst>
-              <a:ext uri="{FF2B5EF4-FFF2-40B4-BE49-F238E27FC236}">
-                <a16:creationId xmlns:a16="http://schemas.microsoft.com/office/drawing/2014/main" id="{A46B8F30-B294-2C7E-B4E4-88CA447D9777}"/>
-              </a:ext>
-            </a:extLst>
-          </p:cNvPr>
+            <a:endParaRPr lang="en-US" dirty="0"/>
+          </a:p>
+        </p:txBody>
+      </p:sp>
+      <p:sp>
+        <p:nvSpPr>
+          <p:cNvPr id="3" name="Text Placeholder 2"/>
           <p:cNvSpPr>
             <a:spLocks noGrp="1"/>
           </p:cNvSpPr>
@@ -1017,8 +886,8 @@
         </p:nvSpPr>
         <p:spPr>
           <a:xfrm>
-            <a:off x="831850" y="4589463"/>
-            <a:ext cx="10515600" cy="1500187"/>
+            <a:off x="675879" y="4589465"/>
+            <a:ext cx="8543925" cy="1500187"/>
           </a:xfrm>
         </p:spPr>
         <p:txBody>
@@ -1118,7 +987,7 @@
           <a:p>
             <a:pPr lvl="0"/>
             <a:r>
-              <a:rPr lang="en-US"/>
+              <a:rPr lang="en-GB"/>
               <a:t>Click to edit Master text styles</a:t>
             </a:r>
           </a:p>
@@ -1126,13 +995,7 @@
       </p:sp>
       <p:sp>
         <p:nvSpPr>
-          <p:cNvPr id="4" name="Date Placeholder 3">
-            <a:extLst>
-              <a:ext uri="{FF2B5EF4-FFF2-40B4-BE49-F238E27FC236}">
-                <a16:creationId xmlns:a16="http://schemas.microsoft.com/office/drawing/2014/main" id="{32169833-CDD5-3EF6-D1A8-D55471F36512}"/>
-              </a:ext>
-            </a:extLst>
-          </p:cNvPr>
+          <p:cNvPr id="4" name="Date Placeholder 3"/>
           <p:cNvSpPr>
             <a:spLocks noGrp="1"/>
           </p:cNvSpPr>
@@ -1147,7 +1010,7 @@
           <a:p>
             <a:fld id="{4BC6EA22-CCE4-4220-8B4C-68A9C409F945}" type="datetimeFigureOut">
               <a:rPr lang="en-AU" smtClean="0"/>
-              <a:t>13/06/2024</a:t>
+              <a:t>15/6/2024</a:t>
             </a:fld>
             <a:endParaRPr lang="en-AU"/>
           </a:p>
@@ -1155,13 +1018,7 @@
       </p:sp>
       <p:sp>
         <p:nvSpPr>
-          <p:cNvPr id="5" name="Footer Placeholder 4">
-            <a:extLst>
-              <a:ext uri="{FF2B5EF4-FFF2-40B4-BE49-F238E27FC236}">
-                <a16:creationId xmlns:a16="http://schemas.microsoft.com/office/drawing/2014/main" id="{1F998CB2-5085-81D3-FBF1-87B86BE56A00}"/>
-              </a:ext>
-            </a:extLst>
-          </p:cNvPr>
+          <p:cNvPr id="5" name="Footer Placeholder 4"/>
           <p:cNvSpPr>
             <a:spLocks noGrp="1"/>
           </p:cNvSpPr>
@@ -1180,13 +1037,7 @@
       </p:sp>
       <p:sp>
         <p:nvSpPr>
-          <p:cNvPr id="6" name="Slide Number Placeholder 5">
-            <a:extLst>
-              <a:ext uri="{FF2B5EF4-FFF2-40B4-BE49-F238E27FC236}">
-                <a16:creationId xmlns:a16="http://schemas.microsoft.com/office/drawing/2014/main" id="{938C97CD-29A4-52B2-8FF5-8DD240272970}"/>
-              </a:ext>
-            </a:extLst>
-          </p:cNvPr>
+          <p:cNvPr id="6" name="Slide Number Placeholder 5"/>
           <p:cNvSpPr>
             <a:spLocks noGrp="1"/>
           </p:cNvSpPr>
@@ -1210,7 +1061,7 @@
     </p:spTree>
     <p:extLst>
       <p:ext uri="{BB962C8B-B14F-4D97-AF65-F5344CB8AC3E}">
-        <p14:creationId xmlns:p14="http://schemas.microsoft.com/office/powerpoint/2010/main" val="383765854"/>
+        <p14:creationId xmlns:p14="http://schemas.microsoft.com/office/powerpoint/2010/main" val="3083741329"/>
       </p:ext>
     </p:extLst>
   </p:cSld>
@@ -1239,13 +1090,7 @@
       </p:grpSpPr>
       <p:sp>
         <p:nvSpPr>
-          <p:cNvPr id="2" name="Title 1">
-            <a:extLst>
-              <a:ext uri="{FF2B5EF4-FFF2-40B4-BE49-F238E27FC236}">
-                <a16:creationId xmlns:a16="http://schemas.microsoft.com/office/drawing/2014/main" id="{A286CCC5-FA25-4868-A74E-435B20C3CA41}"/>
-              </a:ext>
-            </a:extLst>
-          </p:cNvPr>
+          <p:cNvPr id="2" name="Title 1"/>
           <p:cNvSpPr>
             <a:spLocks noGrp="1"/>
           </p:cNvSpPr>
@@ -1259,22 +1104,16 @@
           <a:lstStyle/>
           <a:p>
             <a:r>
-              <a:rPr lang="en-US"/>
+              <a:rPr lang="en-GB"/>
               <a:t>Click to edit Master title style</a:t>
             </a:r>
-            <a:endParaRPr lang="en-AU"/>
-          </a:p>
-        </p:txBody>
-      </p:sp>
-      <p:sp>
-        <p:nvSpPr>
-          <p:cNvPr id="3" name="Content Placeholder 2">
-            <a:extLst>
-              <a:ext uri="{FF2B5EF4-FFF2-40B4-BE49-F238E27FC236}">
-                <a16:creationId xmlns:a16="http://schemas.microsoft.com/office/drawing/2014/main" id="{FE94A2BC-90CA-CBF3-99B4-E72D6E9CF1D2}"/>
-              </a:ext>
-            </a:extLst>
-          </p:cNvPr>
+            <a:endParaRPr lang="en-US" dirty="0"/>
+          </a:p>
+        </p:txBody>
+      </p:sp>
+      <p:sp>
+        <p:nvSpPr>
+          <p:cNvPr id="3" name="Content Placeholder 2"/>
           <p:cNvSpPr>
             <a:spLocks noGrp="1"/>
           </p:cNvSpPr>
@@ -1284,8 +1123,8 @@
         </p:nvSpPr>
         <p:spPr>
           <a:xfrm>
-            <a:off x="838200" y="1825625"/>
-            <a:ext cx="5181600" cy="4351338"/>
+            <a:off x="681038" y="1825625"/>
+            <a:ext cx="4210050" cy="4351338"/>
           </a:xfrm>
         </p:spPr>
         <p:txBody>
@@ -1294,50 +1133,44 @@
           <a:p>
             <a:pPr lvl="0"/>
             <a:r>
-              <a:rPr lang="en-US"/>
+              <a:rPr lang="en-GB"/>
               <a:t>Click to edit Master text styles</a:t>
             </a:r>
           </a:p>
           <a:p>
             <a:pPr lvl="1"/>
             <a:r>
-              <a:rPr lang="en-US"/>
+              <a:rPr lang="en-GB"/>
               <a:t>Second level</a:t>
             </a:r>
           </a:p>
           <a:p>
             <a:pPr lvl="2"/>
             <a:r>
-              <a:rPr lang="en-US"/>
+              <a:rPr lang="en-GB"/>
               <a:t>Third level</a:t>
             </a:r>
           </a:p>
           <a:p>
             <a:pPr lvl="3"/>
             <a:r>
-              <a:rPr lang="en-US"/>
+              <a:rPr lang="en-GB"/>
               <a:t>Fourth level</a:t>
             </a:r>
           </a:p>
           <a:p>
             <a:pPr lvl="4"/>
             <a:r>
-              <a:rPr lang="en-US"/>
+              <a:rPr lang="en-GB"/>
               <a:t>Fifth level</a:t>
             </a:r>
-            <a:endParaRPr lang="en-AU"/>
-          </a:p>
-        </p:txBody>
-      </p:sp>
-      <p:sp>
-        <p:nvSpPr>
-          <p:cNvPr id="4" name="Content Placeholder 3">
-            <a:extLst>
-              <a:ext uri="{FF2B5EF4-FFF2-40B4-BE49-F238E27FC236}">
-                <a16:creationId xmlns:a16="http://schemas.microsoft.com/office/drawing/2014/main" id="{C1348C8C-F8D5-180E-FF4B-B1535F1F2343}"/>
-              </a:ext>
-            </a:extLst>
-          </p:cNvPr>
+            <a:endParaRPr lang="en-US" dirty="0"/>
+          </a:p>
+        </p:txBody>
+      </p:sp>
+      <p:sp>
+        <p:nvSpPr>
+          <p:cNvPr id="4" name="Content Placeholder 3"/>
           <p:cNvSpPr>
             <a:spLocks noGrp="1"/>
           </p:cNvSpPr>
@@ -1347,8 +1180,8 @@
         </p:nvSpPr>
         <p:spPr>
           <a:xfrm>
-            <a:off x="6172200" y="1825625"/>
-            <a:ext cx="5181600" cy="4351338"/>
+            <a:off x="5014913" y="1825625"/>
+            <a:ext cx="4210050" cy="4351338"/>
           </a:xfrm>
         </p:spPr>
         <p:txBody>
@@ -1357,50 +1190,44 @@
           <a:p>
             <a:pPr lvl="0"/>
             <a:r>
-              <a:rPr lang="en-US"/>
+              <a:rPr lang="en-GB"/>
               <a:t>Click to edit Master text styles</a:t>
             </a:r>
           </a:p>
           <a:p>
             <a:pPr lvl="1"/>
             <a:r>
-              <a:rPr lang="en-US"/>
+              <a:rPr lang="en-GB"/>
               <a:t>Second level</a:t>
             </a:r>
           </a:p>
           <a:p>
             <a:pPr lvl="2"/>
             <a:r>
-              <a:rPr lang="en-US"/>
+              <a:rPr lang="en-GB"/>
               <a:t>Third level</a:t>
             </a:r>
           </a:p>
           <a:p>
             <a:pPr lvl="3"/>
             <a:r>
-              <a:rPr lang="en-US"/>
+              <a:rPr lang="en-GB"/>
               <a:t>Fourth level</a:t>
             </a:r>
           </a:p>
           <a:p>
             <a:pPr lvl="4"/>
             <a:r>
-              <a:rPr lang="en-US"/>
+              <a:rPr lang="en-GB"/>
               <a:t>Fifth level</a:t>
             </a:r>
-            <a:endParaRPr lang="en-AU"/>
-          </a:p>
-        </p:txBody>
-      </p:sp>
-      <p:sp>
-        <p:nvSpPr>
-          <p:cNvPr id="5" name="Date Placeholder 4">
-            <a:extLst>
-              <a:ext uri="{FF2B5EF4-FFF2-40B4-BE49-F238E27FC236}">
-                <a16:creationId xmlns:a16="http://schemas.microsoft.com/office/drawing/2014/main" id="{E50D7811-6697-7CDF-FB29-B8DE88413DA6}"/>
-              </a:ext>
-            </a:extLst>
-          </p:cNvPr>
+            <a:endParaRPr lang="en-US" dirty="0"/>
+          </a:p>
+        </p:txBody>
+      </p:sp>
+      <p:sp>
+        <p:nvSpPr>
+          <p:cNvPr id="5" name="Date Placeholder 4"/>
           <p:cNvSpPr>
             <a:spLocks noGrp="1"/>
           </p:cNvSpPr>
@@ -1415,7 +1242,7 @@
           <a:p>
             <a:fld id="{4BC6EA22-CCE4-4220-8B4C-68A9C409F945}" type="datetimeFigureOut">
               <a:rPr lang="en-AU" smtClean="0"/>
-              <a:t>13/06/2024</a:t>
+              <a:t>15/6/2024</a:t>
             </a:fld>
             <a:endParaRPr lang="en-AU"/>
           </a:p>
@@ -1423,13 +1250,7 @@
       </p:sp>
       <p:sp>
         <p:nvSpPr>
-          <p:cNvPr id="6" name="Footer Placeholder 5">
-            <a:extLst>
-              <a:ext uri="{FF2B5EF4-FFF2-40B4-BE49-F238E27FC236}">
-                <a16:creationId xmlns:a16="http://schemas.microsoft.com/office/drawing/2014/main" id="{88C4B515-F136-5619-03FD-3A1632085CC9}"/>
-              </a:ext>
-            </a:extLst>
-          </p:cNvPr>
+          <p:cNvPr id="6" name="Footer Placeholder 5"/>
           <p:cNvSpPr>
             <a:spLocks noGrp="1"/>
           </p:cNvSpPr>
@@ -1448,13 +1269,7 @@
       </p:sp>
       <p:sp>
         <p:nvSpPr>
-          <p:cNvPr id="7" name="Slide Number Placeholder 6">
-            <a:extLst>
-              <a:ext uri="{FF2B5EF4-FFF2-40B4-BE49-F238E27FC236}">
-                <a16:creationId xmlns:a16="http://schemas.microsoft.com/office/drawing/2014/main" id="{6796B3E6-A68E-62E6-BDF8-5BB813A23017}"/>
-              </a:ext>
-            </a:extLst>
-          </p:cNvPr>
+          <p:cNvPr id="7" name="Slide Number Placeholder 6"/>
           <p:cNvSpPr>
             <a:spLocks noGrp="1"/>
           </p:cNvSpPr>
@@ -1478,7 +1293,7 @@
     </p:spTree>
     <p:extLst>
       <p:ext uri="{BB962C8B-B14F-4D97-AF65-F5344CB8AC3E}">
-        <p14:creationId xmlns:p14="http://schemas.microsoft.com/office/powerpoint/2010/main" val="3396782663"/>
+        <p14:creationId xmlns:p14="http://schemas.microsoft.com/office/powerpoint/2010/main" val="1861034079"/>
       </p:ext>
     </p:extLst>
   </p:cSld>
@@ -1507,13 +1322,7 @@
       </p:grpSpPr>
       <p:sp>
         <p:nvSpPr>
-          <p:cNvPr id="2" name="Title 1">
-            <a:extLst>
-              <a:ext uri="{FF2B5EF4-FFF2-40B4-BE49-F238E27FC236}">
-                <a16:creationId xmlns:a16="http://schemas.microsoft.com/office/drawing/2014/main" id="{66BBA505-0D0E-4E0D-A932-87F80F0F2E1E}"/>
-              </a:ext>
-            </a:extLst>
-          </p:cNvPr>
+          <p:cNvPr id="2" name="Title 1"/>
           <p:cNvSpPr>
             <a:spLocks noGrp="1"/>
           </p:cNvSpPr>
@@ -1523,8 +1332,8 @@
         </p:nvSpPr>
         <p:spPr>
           <a:xfrm>
-            <a:off x="839788" y="365125"/>
-            <a:ext cx="10515600" cy="1325563"/>
+            <a:off x="682328" y="365127"/>
+            <a:ext cx="8543925" cy="1325563"/>
           </a:xfrm>
         </p:spPr>
         <p:txBody>
@@ -1532,22 +1341,16 @@
           <a:lstStyle/>
           <a:p>
             <a:r>
-              <a:rPr lang="en-US"/>
+              <a:rPr lang="en-GB"/>
               <a:t>Click to edit Master title style</a:t>
             </a:r>
-            <a:endParaRPr lang="en-AU"/>
-          </a:p>
-        </p:txBody>
-      </p:sp>
-      <p:sp>
-        <p:nvSpPr>
-          <p:cNvPr id="3" name="Text Placeholder 2">
-            <a:extLst>
-              <a:ext uri="{FF2B5EF4-FFF2-40B4-BE49-F238E27FC236}">
-                <a16:creationId xmlns:a16="http://schemas.microsoft.com/office/drawing/2014/main" id="{FE0DB2D1-2856-13AE-1804-DDCEFEFB32AC}"/>
-              </a:ext>
-            </a:extLst>
-          </p:cNvPr>
+            <a:endParaRPr lang="en-US" dirty="0"/>
+          </a:p>
+        </p:txBody>
+      </p:sp>
+      <p:sp>
+        <p:nvSpPr>
+          <p:cNvPr id="3" name="Text Placeholder 2"/>
           <p:cNvSpPr>
             <a:spLocks noGrp="1"/>
           </p:cNvSpPr>
@@ -1557,8 +1360,8 @@
         </p:nvSpPr>
         <p:spPr>
           <a:xfrm>
-            <a:off x="839788" y="1681163"/>
-            <a:ext cx="5157787" cy="823912"/>
+            <a:off x="682329" y="1681163"/>
+            <a:ext cx="4190702" cy="823912"/>
           </a:xfrm>
         </p:spPr>
         <p:txBody>
@@ -1604,7 +1407,7 @@
           <a:p>
             <a:pPr lvl="0"/>
             <a:r>
-              <a:rPr lang="en-US"/>
+              <a:rPr lang="en-GB"/>
               <a:t>Click to edit Master text styles</a:t>
             </a:r>
           </a:p>
@@ -1612,13 +1415,7 @@
       </p:sp>
       <p:sp>
         <p:nvSpPr>
-          <p:cNvPr id="4" name="Content Placeholder 3">
-            <a:extLst>
-              <a:ext uri="{FF2B5EF4-FFF2-40B4-BE49-F238E27FC236}">
-                <a16:creationId xmlns:a16="http://schemas.microsoft.com/office/drawing/2014/main" id="{27FB13CE-9DD7-C23B-486A-5BFD61F7698B}"/>
-              </a:ext>
-            </a:extLst>
-          </p:cNvPr>
+          <p:cNvPr id="4" name="Content Placeholder 3"/>
           <p:cNvSpPr>
             <a:spLocks noGrp="1"/>
           </p:cNvSpPr>
@@ -1628,8 +1425,8 @@
         </p:nvSpPr>
         <p:spPr>
           <a:xfrm>
-            <a:off x="839788" y="2505075"/>
-            <a:ext cx="5157787" cy="3684588"/>
+            <a:off x="682329" y="2505075"/>
+            <a:ext cx="4190702" cy="3684588"/>
           </a:xfrm>
         </p:spPr>
         <p:txBody>
@@ -1638,50 +1435,44 @@
           <a:p>
             <a:pPr lvl="0"/>
             <a:r>
-              <a:rPr lang="en-US"/>
+              <a:rPr lang="en-GB"/>
               <a:t>Click to edit Master text styles</a:t>
             </a:r>
           </a:p>
           <a:p>
             <a:pPr lvl="1"/>
             <a:r>
-              <a:rPr lang="en-US"/>
+              <a:rPr lang="en-GB"/>
               <a:t>Second level</a:t>
             </a:r>
           </a:p>
           <a:p>
             <a:pPr lvl="2"/>
             <a:r>
-              <a:rPr lang="en-US"/>
+              <a:rPr lang="en-GB"/>
               <a:t>Third level</a:t>
             </a:r>
           </a:p>
           <a:p>
             <a:pPr lvl="3"/>
             <a:r>
-              <a:rPr lang="en-US"/>
+              <a:rPr lang="en-GB"/>
               <a:t>Fourth level</a:t>
             </a:r>
           </a:p>
           <a:p>
             <a:pPr lvl="4"/>
             <a:r>
-              <a:rPr lang="en-US"/>
+              <a:rPr lang="en-GB"/>
               <a:t>Fifth level</a:t>
             </a:r>
-            <a:endParaRPr lang="en-AU"/>
-          </a:p>
-        </p:txBody>
-      </p:sp>
-      <p:sp>
-        <p:nvSpPr>
-          <p:cNvPr id="5" name="Text Placeholder 4">
-            <a:extLst>
-              <a:ext uri="{FF2B5EF4-FFF2-40B4-BE49-F238E27FC236}">
-                <a16:creationId xmlns:a16="http://schemas.microsoft.com/office/drawing/2014/main" id="{B5684BAD-546B-1CB3-B737-B2FA70BD25B6}"/>
-              </a:ext>
-            </a:extLst>
-          </p:cNvPr>
+            <a:endParaRPr lang="en-US" dirty="0"/>
+          </a:p>
+        </p:txBody>
+      </p:sp>
+      <p:sp>
+        <p:nvSpPr>
+          <p:cNvPr id="5" name="Text Placeholder 4"/>
           <p:cNvSpPr>
             <a:spLocks noGrp="1"/>
           </p:cNvSpPr>
@@ -1691,8 +1482,8 @@
         </p:nvSpPr>
         <p:spPr>
           <a:xfrm>
-            <a:off x="6172200" y="1681163"/>
-            <a:ext cx="5183188" cy="823912"/>
+            <a:off x="5014913" y="1681163"/>
+            <a:ext cx="4211340" cy="823912"/>
           </a:xfrm>
         </p:spPr>
         <p:txBody>
@@ -1738,7 +1529,7 @@
           <a:p>
             <a:pPr lvl="0"/>
             <a:r>
-              <a:rPr lang="en-US"/>
+              <a:rPr lang="en-GB"/>
               <a:t>Click to edit Master text styles</a:t>
             </a:r>
           </a:p>
@@ -1746,13 +1537,7 @@
       </p:sp>
       <p:sp>
         <p:nvSpPr>
-          <p:cNvPr id="6" name="Content Placeholder 5">
-            <a:extLst>
-              <a:ext uri="{FF2B5EF4-FFF2-40B4-BE49-F238E27FC236}">
-                <a16:creationId xmlns:a16="http://schemas.microsoft.com/office/drawing/2014/main" id="{FDEFAFC9-BF01-D54E-0B1A-4E0DE2228F80}"/>
-              </a:ext>
-            </a:extLst>
-          </p:cNvPr>
+          <p:cNvPr id="6" name="Content Placeholder 5"/>
           <p:cNvSpPr>
             <a:spLocks noGrp="1"/>
           </p:cNvSpPr>
@@ -1762,8 +1547,8 @@
         </p:nvSpPr>
         <p:spPr>
           <a:xfrm>
-            <a:off x="6172200" y="2505075"/>
-            <a:ext cx="5183188" cy="3684588"/>
+            <a:off x="5014913" y="2505075"/>
+            <a:ext cx="4211340" cy="3684588"/>
           </a:xfrm>
         </p:spPr>
         <p:txBody>
@@ -1772,50 +1557,44 @@
           <a:p>
             <a:pPr lvl="0"/>
             <a:r>
-              <a:rPr lang="en-US"/>
+              <a:rPr lang="en-GB"/>
               <a:t>Click to edit Master text styles</a:t>
             </a:r>
           </a:p>
           <a:p>
             <a:pPr lvl="1"/>
             <a:r>
-              <a:rPr lang="en-US"/>
+              <a:rPr lang="en-GB"/>
               <a:t>Second level</a:t>
             </a:r>
           </a:p>
           <a:p>
             <a:pPr lvl="2"/>
             <a:r>
-              <a:rPr lang="en-US"/>
+              <a:rPr lang="en-GB"/>
               <a:t>Third level</a:t>
             </a:r>
           </a:p>
           <a:p>
             <a:pPr lvl="3"/>
             <a:r>
-              <a:rPr lang="en-US"/>
+              <a:rPr lang="en-GB"/>
               <a:t>Fourth level</a:t>
             </a:r>
           </a:p>
           <a:p>
             <a:pPr lvl="4"/>
             <a:r>
-              <a:rPr lang="en-US"/>
+              <a:rPr lang="en-GB"/>
               <a:t>Fifth level</a:t>
             </a:r>
-            <a:endParaRPr lang="en-AU"/>
-          </a:p>
-        </p:txBody>
-      </p:sp>
-      <p:sp>
-        <p:nvSpPr>
-          <p:cNvPr id="7" name="Date Placeholder 6">
-            <a:extLst>
-              <a:ext uri="{FF2B5EF4-FFF2-40B4-BE49-F238E27FC236}">
-                <a16:creationId xmlns:a16="http://schemas.microsoft.com/office/drawing/2014/main" id="{7A2C1C33-A3E9-B909-65B8-DBEB56082178}"/>
-              </a:ext>
-            </a:extLst>
-          </p:cNvPr>
+            <a:endParaRPr lang="en-US" dirty="0"/>
+          </a:p>
+        </p:txBody>
+      </p:sp>
+      <p:sp>
+        <p:nvSpPr>
+          <p:cNvPr id="7" name="Date Placeholder 6"/>
           <p:cNvSpPr>
             <a:spLocks noGrp="1"/>
           </p:cNvSpPr>
@@ -1830,7 +1609,7 @@
           <a:p>
             <a:fld id="{4BC6EA22-CCE4-4220-8B4C-68A9C409F945}" type="datetimeFigureOut">
               <a:rPr lang="en-AU" smtClean="0"/>
-              <a:t>13/06/2024</a:t>
+              <a:t>15/6/2024</a:t>
             </a:fld>
             <a:endParaRPr lang="en-AU"/>
           </a:p>
@@ -1838,13 +1617,7 @@
       </p:sp>
       <p:sp>
         <p:nvSpPr>
-          <p:cNvPr id="8" name="Footer Placeholder 7">
-            <a:extLst>
-              <a:ext uri="{FF2B5EF4-FFF2-40B4-BE49-F238E27FC236}">
-                <a16:creationId xmlns:a16="http://schemas.microsoft.com/office/drawing/2014/main" id="{3F1C5E0F-C2EC-5196-7224-F45354C09AEB}"/>
-              </a:ext>
-            </a:extLst>
-          </p:cNvPr>
+          <p:cNvPr id="8" name="Footer Placeholder 7"/>
           <p:cNvSpPr>
             <a:spLocks noGrp="1"/>
           </p:cNvSpPr>
@@ -1863,13 +1636,7 @@
       </p:sp>
       <p:sp>
         <p:nvSpPr>
-          <p:cNvPr id="9" name="Slide Number Placeholder 8">
-            <a:extLst>
-              <a:ext uri="{FF2B5EF4-FFF2-40B4-BE49-F238E27FC236}">
-                <a16:creationId xmlns:a16="http://schemas.microsoft.com/office/drawing/2014/main" id="{632ABDC3-7239-14A8-21A4-3E94C68C585D}"/>
-              </a:ext>
-            </a:extLst>
-          </p:cNvPr>
+          <p:cNvPr id="9" name="Slide Number Placeholder 8"/>
           <p:cNvSpPr>
             <a:spLocks noGrp="1"/>
           </p:cNvSpPr>
@@ -1893,7 +1660,7 @@
     </p:spTree>
     <p:extLst>
       <p:ext uri="{BB962C8B-B14F-4D97-AF65-F5344CB8AC3E}">
-        <p14:creationId xmlns:p14="http://schemas.microsoft.com/office/powerpoint/2010/main" val="1186473334"/>
+        <p14:creationId xmlns:p14="http://schemas.microsoft.com/office/powerpoint/2010/main" val="830392585"/>
       </p:ext>
     </p:extLst>
   </p:cSld>
@@ -1922,13 +1689,7 @@
       </p:grpSpPr>
       <p:sp>
         <p:nvSpPr>
-          <p:cNvPr id="2" name="Title 1">
-            <a:extLst>
-              <a:ext uri="{FF2B5EF4-FFF2-40B4-BE49-F238E27FC236}">
-                <a16:creationId xmlns:a16="http://schemas.microsoft.com/office/drawing/2014/main" id="{5C117D21-F495-AAFA-1FE6-3F742CF285B6}"/>
-              </a:ext>
-            </a:extLst>
-          </p:cNvPr>
+          <p:cNvPr id="2" name="Title 1"/>
           <p:cNvSpPr>
             <a:spLocks noGrp="1"/>
           </p:cNvSpPr>
@@ -1942,22 +1703,16 @@
           <a:lstStyle/>
           <a:p>
             <a:r>
-              <a:rPr lang="en-US"/>
+              <a:rPr lang="en-GB"/>
               <a:t>Click to edit Master title style</a:t>
             </a:r>
-            <a:endParaRPr lang="en-AU"/>
-          </a:p>
-        </p:txBody>
-      </p:sp>
-      <p:sp>
-        <p:nvSpPr>
-          <p:cNvPr id="3" name="Date Placeholder 2">
-            <a:extLst>
-              <a:ext uri="{FF2B5EF4-FFF2-40B4-BE49-F238E27FC236}">
-                <a16:creationId xmlns:a16="http://schemas.microsoft.com/office/drawing/2014/main" id="{F4634F82-D2F5-1696-5CDB-03799C7926A6}"/>
-              </a:ext>
-            </a:extLst>
-          </p:cNvPr>
+            <a:endParaRPr lang="en-US" dirty="0"/>
+          </a:p>
+        </p:txBody>
+      </p:sp>
+      <p:sp>
+        <p:nvSpPr>
+          <p:cNvPr id="3" name="Date Placeholder 2"/>
           <p:cNvSpPr>
             <a:spLocks noGrp="1"/>
           </p:cNvSpPr>
@@ -1972,7 +1727,7 @@
           <a:p>
             <a:fld id="{4BC6EA22-CCE4-4220-8B4C-68A9C409F945}" type="datetimeFigureOut">
               <a:rPr lang="en-AU" smtClean="0"/>
-              <a:t>13/06/2024</a:t>
+              <a:t>15/6/2024</a:t>
             </a:fld>
             <a:endParaRPr lang="en-AU"/>
           </a:p>
@@ -1980,13 +1735,7 @@
       </p:sp>
       <p:sp>
         <p:nvSpPr>
-          <p:cNvPr id="4" name="Footer Placeholder 3">
-            <a:extLst>
-              <a:ext uri="{FF2B5EF4-FFF2-40B4-BE49-F238E27FC236}">
-                <a16:creationId xmlns:a16="http://schemas.microsoft.com/office/drawing/2014/main" id="{A5261F67-553C-B82D-7009-2A62100B0C62}"/>
-              </a:ext>
-            </a:extLst>
-          </p:cNvPr>
+          <p:cNvPr id="4" name="Footer Placeholder 3"/>
           <p:cNvSpPr>
             <a:spLocks noGrp="1"/>
           </p:cNvSpPr>
@@ -2005,13 +1754,7 @@
       </p:sp>
       <p:sp>
         <p:nvSpPr>
-          <p:cNvPr id="5" name="Slide Number Placeholder 4">
-            <a:extLst>
-              <a:ext uri="{FF2B5EF4-FFF2-40B4-BE49-F238E27FC236}">
-                <a16:creationId xmlns:a16="http://schemas.microsoft.com/office/drawing/2014/main" id="{A06274E7-9EC9-4529-9CA7-F2E7A3547935}"/>
-              </a:ext>
-            </a:extLst>
-          </p:cNvPr>
+          <p:cNvPr id="5" name="Slide Number Placeholder 4"/>
           <p:cNvSpPr>
             <a:spLocks noGrp="1"/>
           </p:cNvSpPr>
@@ -2035,7 +1778,7 @@
     </p:spTree>
     <p:extLst>
       <p:ext uri="{BB962C8B-B14F-4D97-AF65-F5344CB8AC3E}">
-        <p14:creationId xmlns:p14="http://schemas.microsoft.com/office/powerpoint/2010/main" val="485458184"/>
+        <p14:creationId xmlns:p14="http://schemas.microsoft.com/office/powerpoint/2010/main" val="3481388064"/>
       </p:ext>
     </p:extLst>
   </p:cSld>
@@ -2064,13 +1807,7 @@
       </p:grpSpPr>
       <p:sp>
         <p:nvSpPr>
-          <p:cNvPr id="2" name="Date Placeholder 1">
-            <a:extLst>
-              <a:ext uri="{FF2B5EF4-FFF2-40B4-BE49-F238E27FC236}">
-                <a16:creationId xmlns:a16="http://schemas.microsoft.com/office/drawing/2014/main" id="{0986F4D5-D0B0-F10D-49A5-F769174C9F93}"/>
-              </a:ext>
-            </a:extLst>
-          </p:cNvPr>
+          <p:cNvPr id="2" name="Date Placeholder 1"/>
           <p:cNvSpPr>
             <a:spLocks noGrp="1"/>
           </p:cNvSpPr>
@@ -2085,7 +1822,7 @@
           <a:p>
             <a:fld id="{4BC6EA22-CCE4-4220-8B4C-68A9C409F945}" type="datetimeFigureOut">
               <a:rPr lang="en-AU" smtClean="0"/>
-              <a:t>13/06/2024</a:t>
+              <a:t>15/6/2024</a:t>
             </a:fld>
             <a:endParaRPr lang="en-AU"/>
           </a:p>
@@ -2093,13 +1830,7 @@
       </p:sp>
       <p:sp>
         <p:nvSpPr>
-          <p:cNvPr id="3" name="Footer Placeholder 2">
-            <a:extLst>
-              <a:ext uri="{FF2B5EF4-FFF2-40B4-BE49-F238E27FC236}">
-                <a16:creationId xmlns:a16="http://schemas.microsoft.com/office/drawing/2014/main" id="{4E1179FD-C45A-2009-B33F-82CBFACC6A14}"/>
-              </a:ext>
-            </a:extLst>
-          </p:cNvPr>
+          <p:cNvPr id="3" name="Footer Placeholder 2"/>
           <p:cNvSpPr>
             <a:spLocks noGrp="1"/>
           </p:cNvSpPr>
@@ -2118,13 +1849,7 @@
       </p:sp>
       <p:sp>
         <p:nvSpPr>
-          <p:cNvPr id="4" name="Slide Number Placeholder 3">
-            <a:extLst>
-              <a:ext uri="{FF2B5EF4-FFF2-40B4-BE49-F238E27FC236}">
-                <a16:creationId xmlns:a16="http://schemas.microsoft.com/office/drawing/2014/main" id="{04C7CA62-B0DF-4877-FD4B-96B16F08D634}"/>
-              </a:ext>
-            </a:extLst>
-          </p:cNvPr>
+          <p:cNvPr id="4" name="Slide Number Placeholder 3"/>
           <p:cNvSpPr>
             <a:spLocks noGrp="1"/>
           </p:cNvSpPr>
@@ -2148,7 +1873,7 @@
     </p:spTree>
     <p:extLst>
       <p:ext uri="{BB962C8B-B14F-4D97-AF65-F5344CB8AC3E}">
-        <p14:creationId xmlns:p14="http://schemas.microsoft.com/office/powerpoint/2010/main" val="3805113890"/>
+        <p14:creationId xmlns:p14="http://schemas.microsoft.com/office/powerpoint/2010/main" val="1353980490"/>
       </p:ext>
     </p:extLst>
   </p:cSld>
@@ -2177,13 +1902,7 @@
       </p:grpSpPr>
       <p:sp>
         <p:nvSpPr>
-          <p:cNvPr id="2" name="Title 1">
-            <a:extLst>
-              <a:ext uri="{FF2B5EF4-FFF2-40B4-BE49-F238E27FC236}">
-                <a16:creationId xmlns:a16="http://schemas.microsoft.com/office/drawing/2014/main" id="{E5B942BE-6BDC-7AC4-33F4-6E49CE3AFED9}"/>
-              </a:ext>
-            </a:extLst>
-          </p:cNvPr>
+          <p:cNvPr id="2" name="Title 1"/>
           <p:cNvSpPr>
             <a:spLocks noGrp="1"/>
           </p:cNvSpPr>
@@ -2193,8 +1912,8 @@
         </p:nvSpPr>
         <p:spPr>
           <a:xfrm>
-            <a:off x="839788" y="457200"/>
-            <a:ext cx="3932237" cy="1600200"/>
+            <a:off x="682328" y="457200"/>
+            <a:ext cx="3194943" cy="1600200"/>
           </a:xfrm>
         </p:spPr>
         <p:txBody>
@@ -2206,22 +1925,16 @@
           </a:lstStyle>
           <a:p>
             <a:r>
-              <a:rPr lang="en-US"/>
+              <a:rPr lang="en-GB"/>
               <a:t>Click to edit Master title style</a:t>
             </a:r>
-            <a:endParaRPr lang="en-AU"/>
-          </a:p>
-        </p:txBody>
-      </p:sp>
-      <p:sp>
-        <p:nvSpPr>
-          <p:cNvPr id="3" name="Content Placeholder 2">
-            <a:extLst>
-              <a:ext uri="{FF2B5EF4-FFF2-40B4-BE49-F238E27FC236}">
-                <a16:creationId xmlns:a16="http://schemas.microsoft.com/office/drawing/2014/main" id="{98C28C1A-92E4-44A8-210E-0AD4AA75849D}"/>
-              </a:ext>
-            </a:extLst>
-          </p:cNvPr>
+            <a:endParaRPr lang="en-US" dirty="0"/>
+          </a:p>
+        </p:txBody>
+      </p:sp>
+      <p:sp>
+        <p:nvSpPr>
+          <p:cNvPr id="3" name="Content Placeholder 2"/>
           <p:cNvSpPr>
             <a:spLocks noGrp="1"/>
           </p:cNvSpPr>
@@ -2231,8 +1944,8 @@
         </p:nvSpPr>
         <p:spPr>
           <a:xfrm>
-            <a:off x="5183188" y="987425"/>
-            <a:ext cx="6172200" cy="4873625"/>
+            <a:off x="4211340" y="987427"/>
+            <a:ext cx="5014913" cy="4873625"/>
           </a:xfrm>
         </p:spPr>
         <p:txBody>
@@ -2269,50 +1982,44 @@
           <a:p>
             <a:pPr lvl="0"/>
             <a:r>
-              <a:rPr lang="en-US"/>
+              <a:rPr lang="en-GB"/>
               <a:t>Click to edit Master text styles</a:t>
             </a:r>
           </a:p>
           <a:p>
             <a:pPr lvl="1"/>
             <a:r>
-              <a:rPr lang="en-US"/>
+              <a:rPr lang="en-GB"/>
               <a:t>Second level</a:t>
             </a:r>
           </a:p>
           <a:p>
             <a:pPr lvl="2"/>
             <a:r>
-              <a:rPr lang="en-US"/>
+              <a:rPr lang="en-GB"/>
               <a:t>Third level</a:t>
             </a:r>
           </a:p>
           <a:p>
             <a:pPr lvl="3"/>
             <a:r>
-              <a:rPr lang="en-US"/>
+              <a:rPr lang="en-GB"/>
               <a:t>Fourth level</a:t>
             </a:r>
           </a:p>
           <a:p>
             <a:pPr lvl="4"/>
             <a:r>
-              <a:rPr lang="en-US"/>
+              <a:rPr lang="en-GB"/>
               <a:t>Fifth level</a:t>
             </a:r>
-            <a:endParaRPr lang="en-AU"/>
-          </a:p>
-        </p:txBody>
-      </p:sp>
-      <p:sp>
-        <p:nvSpPr>
-          <p:cNvPr id="4" name="Text Placeholder 3">
-            <a:extLst>
-              <a:ext uri="{FF2B5EF4-FFF2-40B4-BE49-F238E27FC236}">
-                <a16:creationId xmlns:a16="http://schemas.microsoft.com/office/drawing/2014/main" id="{421A88A9-9198-9B22-46A3-BF1824C748BA}"/>
-              </a:ext>
-            </a:extLst>
-          </p:cNvPr>
+            <a:endParaRPr lang="en-US" dirty="0"/>
+          </a:p>
+        </p:txBody>
+      </p:sp>
+      <p:sp>
+        <p:nvSpPr>
+          <p:cNvPr id="4" name="Text Placeholder 3"/>
           <p:cNvSpPr>
             <a:spLocks noGrp="1"/>
           </p:cNvSpPr>
@@ -2322,8 +2029,8 @@
         </p:nvSpPr>
         <p:spPr>
           <a:xfrm>
-            <a:off x="839788" y="2057400"/>
-            <a:ext cx="3932237" cy="3811588"/>
+            <a:off x="682328" y="2057400"/>
+            <a:ext cx="3194943" cy="3811588"/>
           </a:xfrm>
         </p:spPr>
         <p:txBody>
@@ -2369,7 +2076,7 @@
           <a:p>
             <a:pPr lvl="0"/>
             <a:r>
-              <a:rPr lang="en-US"/>
+              <a:rPr lang="en-GB"/>
               <a:t>Click to edit Master text styles</a:t>
             </a:r>
           </a:p>
@@ -2377,13 +2084,7 @@
       </p:sp>
       <p:sp>
         <p:nvSpPr>
-          <p:cNvPr id="5" name="Date Placeholder 4">
-            <a:extLst>
-              <a:ext uri="{FF2B5EF4-FFF2-40B4-BE49-F238E27FC236}">
-                <a16:creationId xmlns:a16="http://schemas.microsoft.com/office/drawing/2014/main" id="{80B95853-A6FD-FCBA-D308-D154A5E411A0}"/>
-              </a:ext>
-            </a:extLst>
-          </p:cNvPr>
+          <p:cNvPr id="5" name="Date Placeholder 4"/>
           <p:cNvSpPr>
             <a:spLocks noGrp="1"/>
           </p:cNvSpPr>
@@ -2398,7 +2099,7 @@
           <a:p>
             <a:fld id="{4BC6EA22-CCE4-4220-8B4C-68A9C409F945}" type="datetimeFigureOut">
               <a:rPr lang="en-AU" smtClean="0"/>
-              <a:t>13/06/2024</a:t>
+              <a:t>15/6/2024</a:t>
             </a:fld>
             <a:endParaRPr lang="en-AU"/>
           </a:p>
@@ -2406,13 +2107,7 @@
       </p:sp>
       <p:sp>
         <p:nvSpPr>
-          <p:cNvPr id="6" name="Footer Placeholder 5">
-            <a:extLst>
-              <a:ext uri="{FF2B5EF4-FFF2-40B4-BE49-F238E27FC236}">
-                <a16:creationId xmlns:a16="http://schemas.microsoft.com/office/drawing/2014/main" id="{CD9A9A4C-9442-F434-87F8-A4090D111160}"/>
-              </a:ext>
-            </a:extLst>
-          </p:cNvPr>
+          <p:cNvPr id="6" name="Footer Placeholder 5"/>
           <p:cNvSpPr>
             <a:spLocks noGrp="1"/>
           </p:cNvSpPr>
@@ -2431,13 +2126,7 @@
       </p:sp>
       <p:sp>
         <p:nvSpPr>
-          <p:cNvPr id="7" name="Slide Number Placeholder 6">
-            <a:extLst>
-              <a:ext uri="{FF2B5EF4-FFF2-40B4-BE49-F238E27FC236}">
-                <a16:creationId xmlns:a16="http://schemas.microsoft.com/office/drawing/2014/main" id="{6F3B0C62-2D05-C83F-37FC-A53CF8DA78EA}"/>
-              </a:ext>
-            </a:extLst>
-          </p:cNvPr>
+          <p:cNvPr id="7" name="Slide Number Placeholder 6"/>
           <p:cNvSpPr>
             <a:spLocks noGrp="1"/>
           </p:cNvSpPr>
@@ -2461,7 +2150,7 @@
     </p:spTree>
     <p:extLst>
       <p:ext uri="{BB962C8B-B14F-4D97-AF65-F5344CB8AC3E}">
-        <p14:creationId xmlns:p14="http://schemas.microsoft.com/office/powerpoint/2010/main" val="29255320"/>
+        <p14:creationId xmlns:p14="http://schemas.microsoft.com/office/powerpoint/2010/main" val="3848696243"/>
       </p:ext>
     </p:extLst>
   </p:cSld>
@@ -2490,13 +2179,7 @@
       </p:grpSpPr>
       <p:sp>
         <p:nvSpPr>
-          <p:cNvPr id="2" name="Title 1">
-            <a:extLst>
-              <a:ext uri="{FF2B5EF4-FFF2-40B4-BE49-F238E27FC236}">
-                <a16:creationId xmlns:a16="http://schemas.microsoft.com/office/drawing/2014/main" id="{1AA78C9B-889F-D1EE-F9EE-36DC4E43F36F}"/>
-              </a:ext>
-            </a:extLst>
-          </p:cNvPr>
+          <p:cNvPr id="2" name="Title 1"/>
           <p:cNvSpPr>
             <a:spLocks noGrp="1"/>
           </p:cNvSpPr>
@@ -2506,8 +2189,8 @@
         </p:nvSpPr>
         <p:spPr>
           <a:xfrm>
-            <a:off x="839788" y="457200"/>
-            <a:ext cx="3932237" cy="1600200"/>
+            <a:off x="682328" y="457200"/>
+            <a:ext cx="3194943" cy="1600200"/>
           </a:xfrm>
         </p:spPr>
         <p:txBody>
@@ -2519,24 +2202,18 @@
           </a:lstStyle>
           <a:p>
             <a:r>
-              <a:rPr lang="en-US"/>
+              <a:rPr lang="en-GB"/>
               <a:t>Click to edit Master title style</a:t>
             </a:r>
-            <a:endParaRPr lang="en-AU"/>
-          </a:p>
-        </p:txBody>
-      </p:sp>
-      <p:sp>
-        <p:nvSpPr>
-          <p:cNvPr id="3" name="Picture Placeholder 2">
-            <a:extLst>
-              <a:ext uri="{FF2B5EF4-FFF2-40B4-BE49-F238E27FC236}">
-                <a16:creationId xmlns:a16="http://schemas.microsoft.com/office/drawing/2014/main" id="{BFA9F3E5-E81B-832E-E612-1C62186A00E5}"/>
-              </a:ext>
-            </a:extLst>
-          </p:cNvPr>
-          <p:cNvSpPr>
-            <a:spLocks noGrp="1"/>
+            <a:endParaRPr lang="en-US" dirty="0"/>
+          </a:p>
+        </p:txBody>
+      </p:sp>
+      <p:sp>
+        <p:nvSpPr>
+          <p:cNvPr id="3" name="Picture Placeholder 2"/>
+          <p:cNvSpPr>
+            <a:spLocks noGrp="1" noChangeAspect="1"/>
           </p:cNvSpPr>
           <p:nvPr>
             <p:ph type="pic" idx="1"/>
@@ -2544,8 +2221,73 @@
         </p:nvSpPr>
         <p:spPr>
           <a:xfrm>
-            <a:off x="5183188" y="987425"/>
-            <a:ext cx="6172200" cy="4873625"/>
+            <a:off x="4211340" y="987427"/>
+            <a:ext cx="5014913" cy="4873625"/>
+          </a:xfrm>
+        </p:spPr>
+        <p:txBody>
+          <a:bodyPr anchor="t"/>
+          <a:lstStyle>
+            <a:lvl1pPr marL="0" indent="0">
+              <a:buNone/>
+              <a:defRPr sz="3200"/>
+            </a:lvl1pPr>
+            <a:lvl2pPr marL="457200" indent="0">
+              <a:buNone/>
+              <a:defRPr sz="2800"/>
+            </a:lvl2pPr>
+            <a:lvl3pPr marL="914400" indent="0">
+              <a:buNone/>
+              <a:defRPr sz="2400"/>
+            </a:lvl3pPr>
+            <a:lvl4pPr marL="1371600" indent="0">
+              <a:buNone/>
+              <a:defRPr sz="2000"/>
+            </a:lvl4pPr>
+            <a:lvl5pPr marL="1828800" indent="0">
+              <a:buNone/>
+              <a:defRPr sz="2000"/>
+            </a:lvl5pPr>
+            <a:lvl6pPr marL="2286000" indent="0">
+              <a:buNone/>
+              <a:defRPr sz="2000"/>
+            </a:lvl6pPr>
+            <a:lvl7pPr marL="2743200" indent="0">
+              <a:buNone/>
+              <a:defRPr sz="2000"/>
+            </a:lvl7pPr>
+            <a:lvl8pPr marL="3200400" indent="0">
+              <a:buNone/>
+              <a:defRPr sz="2000"/>
+            </a:lvl8pPr>
+            <a:lvl9pPr marL="3657600" indent="0">
+              <a:buNone/>
+              <a:defRPr sz="2000"/>
+            </a:lvl9pPr>
+          </a:lstStyle>
+          <a:p>
+            <a:r>
+              <a:rPr lang="en-GB"/>
+              <a:t>Click icon to add picture</a:t>
+            </a:r>
+            <a:endParaRPr lang="en-US" dirty="0"/>
+          </a:p>
+        </p:txBody>
+      </p:sp>
+      <p:sp>
+        <p:nvSpPr>
+          <p:cNvPr id="4" name="Text Placeholder 3"/>
+          <p:cNvSpPr>
+            <a:spLocks noGrp="1"/>
+          </p:cNvSpPr>
+          <p:nvPr>
+            <p:ph type="body" sz="half" idx="2"/>
+          </p:nvPr>
+        </p:nvSpPr>
+        <p:spPr>
+          <a:xfrm>
+            <a:off x="682328" y="2057400"/>
+            <a:ext cx="3194943" cy="3811588"/>
           </a:xfrm>
         </p:spPr>
         <p:txBody>
@@ -2553,73 +2295,6 @@
           <a:lstStyle>
             <a:lvl1pPr marL="0" indent="0">
               <a:buNone/>
-              <a:defRPr sz="3200"/>
-            </a:lvl1pPr>
-            <a:lvl2pPr marL="457200" indent="0">
-              <a:buNone/>
-              <a:defRPr sz="2800"/>
-            </a:lvl2pPr>
-            <a:lvl3pPr marL="914400" indent="0">
-              <a:buNone/>
-              <a:defRPr sz="2400"/>
-            </a:lvl3pPr>
-            <a:lvl4pPr marL="1371600" indent="0">
-              <a:buNone/>
-              <a:defRPr sz="2000"/>
-            </a:lvl4pPr>
-            <a:lvl5pPr marL="1828800" indent="0">
-              <a:buNone/>
-              <a:defRPr sz="2000"/>
-            </a:lvl5pPr>
-            <a:lvl6pPr marL="2286000" indent="0">
-              <a:buNone/>
-              <a:defRPr sz="2000"/>
-            </a:lvl6pPr>
-            <a:lvl7pPr marL="2743200" indent="0">
-              <a:buNone/>
-              <a:defRPr sz="2000"/>
-            </a:lvl7pPr>
-            <a:lvl8pPr marL="3200400" indent="0">
-              <a:buNone/>
-              <a:defRPr sz="2000"/>
-            </a:lvl8pPr>
-            <a:lvl9pPr marL="3657600" indent="0">
-              <a:buNone/>
-              <a:defRPr sz="2000"/>
-            </a:lvl9pPr>
-          </a:lstStyle>
-          <a:p>
-            <a:endParaRPr lang="en-AU"/>
-          </a:p>
-        </p:txBody>
-      </p:sp>
-      <p:sp>
-        <p:nvSpPr>
-          <p:cNvPr id="4" name="Text Placeholder 3">
-            <a:extLst>
-              <a:ext uri="{FF2B5EF4-FFF2-40B4-BE49-F238E27FC236}">
-                <a16:creationId xmlns:a16="http://schemas.microsoft.com/office/drawing/2014/main" id="{328A34CB-3458-6B01-9EFF-B5F29599566F}"/>
-              </a:ext>
-            </a:extLst>
-          </p:cNvPr>
-          <p:cNvSpPr>
-            <a:spLocks noGrp="1"/>
-          </p:cNvSpPr>
-          <p:nvPr>
-            <p:ph type="body" sz="half" idx="2"/>
-          </p:nvPr>
-        </p:nvSpPr>
-        <p:spPr>
-          <a:xfrm>
-            <a:off x="839788" y="2057400"/>
-            <a:ext cx="3932237" cy="3811588"/>
-          </a:xfrm>
-        </p:spPr>
-        <p:txBody>
-          <a:bodyPr/>
-          <a:lstStyle>
-            <a:lvl1pPr marL="0" indent="0">
-              <a:buNone/>
               <a:defRPr sz="1600"/>
             </a:lvl1pPr>
             <a:lvl2pPr marL="457200" indent="0">
@@ -2658,7 +2333,7 @@
           <a:p>
             <a:pPr lvl="0"/>
             <a:r>
-              <a:rPr lang="en-US"/>
+              <a:rPr lang="en-GB"/>
               <a:t>Click to edit Master text styles</a:t>
             </a:r>
           </a:p>
@@ -2666,13 +2341,7 @@
       </p:sp>
       <p:sp>
         <p:nvSpPr>
-          <p:cNvPr id="5" name="Date Placeholder 4">
-            <a:extLst>
-              <a:ext uri="{FF2B5EF4-FFF2-40B4-BE49-F238E27FC236}">
-                <a16:creationId xmlns:a16="http://schemas.microsoft.com/office/drawing/2014/main" id="{6A08982C-C219-910F-DD2D-8E13747D510D}"/>
-              </a:ext>
-            </a:extLst>
-          </p:cNvPr>
+          <p:cNvPr id="5" name="Date Placeholder 4"/>
           <p:cNvSpPr>
             <a:spLocks noGrp="1"/>
           </p:cNvSpPr>
@@ -2687,7 +2356,7 @@
           <a:p>
             <a:fld id="{4BC6EA22-CCE4-4220-8B4C-68A9C409F945}" type="datetimeFigureOut">
               <a:rPr lang="en-AU" smtClean="0"/>
-              <a:t>13/06/2024</a:t>
+              <a:t>15/6/2024</a:t>
             </a:fld>
             <a:endParaRPr lang="en-AU"/>
           </a:p>
@@ -2695,13 +2364,7 @@
       </p:sp>
       <p:sp>
         <p:nvSpPr>
-          <p:cNvPr id="6" name="Footer Placeholder 5">
-            <a:extLst>
-              <a:ext uri="{FF2B5EF4-FFF2-40B4-BE49-F238E27FC236}">
-                <a16:creationId xmlns:a16="http://schemas.microsoft.com/office/drawing/2014/main" id="{4CBAA16E-6937-BBCA-4BC7-6478A11D2814}"/>
-              </a:ext>
-            </a:extLst>
-          </p:cNvPr>
+          <p:cNvPr id="6" name="Footer Placeholder 5"/>
           <p:cNvSpPr>
             <a:spLocks noGrp="1"/>
           </p:cNvSpPr>
@@ -2720,13 +2383,7 @@
       </p:sp>
       <p:sp>
         <p:nvSpPr>
-          <p:cNvPr id="7" name="Slide Number Placeholder 6">
-            <a:extLst>
-              <a:ext uri="{FF2B5EF4-FFF2-40B4-BE49-F238E27FC236}">
-                <a16:creationId xmlns:a16="http://schemas.microsoft.com/office/drawing/2014/main" id="{DA984B9D-613B-5970-0E09-DB9963B1ADB6}"/>
-              </a:ext>
-            </a:extLst>
-          </p:cNvPr>
+          <p:cNvPr id="7" name="Slide Number Placeholder 6"/>
           <p:cNvSpPr>
             <a:spLocks noGrp="1"/>
           </p:cNvSpPr>
@@ -2750,7 +2407,7 @@
     </p:spTree>
     <p:extLst>
       <p:ext uri="{BB962C8B-B14F-4D97-AF65-F5344CB8AC3E}">
-        <p14:creationId xmlns:p14="http://schemas.microsoft.com/office/powerpoint/2010/main" val="4110393523"/>
+        <p14:creationId xmlns:p14="http://schemas.microsoft.com/office/powerpoint/2010/main" val="922632543"/>
       </p:ext>
     </p:extLst>
   </p:cSld>
@@ -2784,13 +2441,7 @@
       </p:grpSpPr>
       <p:sp>
         <p:nvSpPr>
-          <p:cNvPr id="2" name="Title Placeholder 1">
-            <a:extLst>
-              <a:ext uri="{FF2B5EF4-FFF2-40B4-BE49-F238E27FC236}">
-                <a16:creationId xmlns:a16="http://schemas.microsoft.com/office/drawing/2014/main" id="{729CE8B6-E1D5-8446-FC17-545CC501E25C}"/>
-              </a:ext>
-            </a:extLst>
-          </p:cNvPr>
+          <p:cNvPr id="2" name="Title Placeholder 1"/>
           <p:cNvSpPr>
             <a:spLocks noGrp="1"/>
           </p:cNvSpPr>
@@ -2800,8 +2451,8 @@
         </p:nvSpPr>
         <p:spPr>
           <a:xfrm>
-            <a:off x="838200" y="365125"/>
-            <a:ext cx="10515600" cy="1325563"/>
+            <a:off x="681038" y="365127"/>
+            <a:ext cx="8543925" cy="1325563"/>
           </a:xfrm>
           <a:prstGeom prst="rect">
             <a:avLst/>
@@ -2814,22 +2465,16 @@
           <a:lstStyle/>
           <a:p>
             <a:r>
-              <a:rPr lang="en-US"/>
+              <a:rPr lang="en-GB"/>
               <a:t>Click to edit Master title style</a:t>
             </a:r>
-            <a:endParaRPr lang="en-AU"/>
-          </a:p>
-        </p:txBody>
-      </p:sp>
-      <p:sp>
-        <p:nvSpPr>
-          <p:cNvPr id="3" name="Text Placeholder 2">
-            <a:extLst>
-              <a:ext uri="{FF2B5EF4-FFF2-40B4-BE49-F238E27FC236}">
-                <a16:creationId xmlns:a16="http://schemas.microsoft.com/office/drawing/2014/main" id="{4F1717D9-6F18-68C8-7CFA-06A260DF8A44}"/>
-              </a:ext>
-            </a:extLst>
-          </p:cNvPr>
+            <a:endParaRPr lang="en-US" dirty="0"/>
+          </a:p>
+        </p:txBody>
+      </p:sp>
+      <p:sp>
+        <p:nvSpPr>
+          <p:cNvPr id="3" name="Text Placeholder 2"/>
           <p:cNvSpPr>
             <a:spLocks noGrp="1"/>
           </p:cNvSpPr>
@@ -2839,8 +2484,8 @@
         </p:nvSpPr>
         <p:spPr>
           <a:xfrm>
-            <a:off x="838200" y="1825625"/>
-            <a:ext cx="10515600" cy="4351338"/>
+            <a:off x="681038" y="1825625"/>
+            <a:ext cx="8543925" cy="4351338"/>
           </a:xfrm>
           <a:prstGeom prst="rect">
             <a:avLst/>
@@ -2854,50 +2499,44 @@
           <a:p>
             <a:pPr lvl="0"/>
             <a:r>
-              <a:rPr lang="en-US"/>
+              <a:rPr lang="en-GB"/>
               <a:t>Click to edit Master text styles</a:t>
             </a:r>
           </a:p>
           <a:p>
             <a:pPr lvl="1"/>
             <a:r>
-              <a:rPr lang="en-US"/>
+              <a:rPr lang="en-GB"/>
               <a:t>Second level</a:t>
             </a:r>
           </a:p>
           <a:p>
             <a:pPr lvl="2"/>
             <a:r>
-              <a:rPr lang="en-US"/>
+              <a:rPr lang="en-GB"/>
               <a:t>Third level</a:t>
             </a:r>
           </a:p>
           <a:p>
             <a:pPr lvl="3"/>
             <a:r>
-              <a:rPr lang="en-US"/>
+              <a:rPr lang="en-GB"/>
               <a:t>Fourth level</a:t>
             </a:r>
           </a:p>
           <a:p>
             <a:pPr lvl="4"/>
             <a:r>
-              <a:rPr lang="en-US"/>
+              <a:rPr lang="en-GB"/>
               <a:t>Fifth level</a:t>
             </a:r>
-            <a:endParaRPr lang="en-AU"/>
-          </a:p>
-        </p:txBody>
-      </p:sp>
-      <p:sp>
-        <p:nvSpPr>
-          <p:cNvPr id="4" name="Date Placeholder 3">
-            <a:extLst>
-              <a:ext uri="{FF2B5EF4-FFF2-40B4-BE49-F238E27FC236}">
-                <a16:creationId xmlns:a16="http://schemas.microsoft.com/office/drawing/2014/main" id="{7DA5ECD7-13F4-2E4F-A355-C7377D7AF626}"/>
-              </a:ext>
-            </a:extLst>
-          </p:cNvPr>
+            <a:endParaRPr lang="en-US" dirty="0"/>
+          </a:p>
+        </p:txBody>
+      </p:sp>
+      <p:sp>
+        <p:nvSpPr>
+          <p:cNvPr id="4" name="Date Placeholder 3"/>
           <p:cNvSpPr>
             <a:spLocks noGrp="1"/>
           </p:cNvSpPr>
@@ -2907,8 +2546,8 @@
         </p:nvSpPr>
         <p:spPr>
           <a:xfrm>
-            <a:off x="838200" y="6356350"/>
-            <a:ext cx="2743200" cy="365125"/>
+            <a:off x="681038" y="6356352"/>
+            <a:ext cx="2228850" cy="365125"/>
           </a:xfrm>
           <a:prstGeom prst="rect">
             <a:avLst/>
@@ -2930,7 +2569,7 @@
           <a:p>
             <a:fld id="{4BC6EA22-CCE4-4220-8B4C-68A9C409F945}" type="datetimeFigureOut">
               <a:rPr lang="en-AU" smtClean="0"/>
-              <a:t>13/06/2024</a:t>
+              <a:t>15/6/2024</a:t>
             </a:fld>
             <a:endParaRPr lang="en-AU"/>
           </a:p>
@@ -2938,13 +2577,7 @@
       </p:sp>
       <p:sp>
         <p:nvSpPr>
-          <p:cNvPr id="5" name="Footer Placeholder 4">
-            <a:extLst>
-              <a:ext uri="{FF2B5EF4-FFF2-40B4-BE49-F238E27FC236}">
-                <a16:creationId xmlns:a16="http://schemas.microsoft.com/office/drawing/2014/main" id="{9A74C37C-2DE9-D5EE-E9BD-9A9FB8F6F94B}"/>
-              </a:ext>
-            </a:extLst>
-          </p:cNvPr>
+          <p:cNvPr id="5" name="Footer Placeholder 4"/>
           <p:cNvSpPr>
             <a:spLocks noGrp="1"/>
           </p:cNvSpPr>
@@ -2954,8 +2587,8 @@
         </p:nvSpPr>
         <p:spPr>
           <a:xfrm>
-            <a:off x="4038600" y="6356350"/>
-            <a:ext cx="4114800" cy="365125"/>
+            <a:off x="3281363" y="6356352"/>
+            <a:ext cx="3343275" cy="365125"/>
           </a:xfrm>
           <a:prstGeom prst="rect">
             <a:avLst/>
@@ -2981,13 +2614,7 @@
       </p:sp>
       <p:sp>
         <p:nvSpPr>
-          <p:cNvPr id="6" name="Slide Number Placeholder 5">
-            <a:extLst>
-              <a:ext uri="{FF2B5EF4-FFF2-40B4-BE49-F238E27FC236}">
-                <a16:creationId xmlns:a16="http://schemas.microsoft.com/office/drawing/2014/main" id="{25304C17-40A6-B560-1034-C2894189AB37}"/>
-              </a:ext>
-            </a:extLst>
-          </p:cNvPr>
+          <p:cNvPr id="6" name="Slide Number Placeholder 5"/>
           <p:cNvSpPr>
             <a:spLocks noGrp="1"/>
           </p:cNvSpPr>
@@ -2997,8 +2624,8 @@
         </p:nvSpPr>
         <p:spPr>
           <a:xfrm>
-            <a:off x="8610600" y="6356350"/>
-            <a:ext cx="2743200" cy="365125"/>
+            <a:off x="6996113" y="6356352"/>
+            <a:ext cx="2228850" cy="365125"/>
           </a:xfrm>
           <a:prstGeom prst="rect">
             <a:avLst/>
@@ -3029,23 +2656,23 @@
     </p:spTree>
     <p:extLst>
       <p:ext uri="{BB962C8B-B14F-4D97-AF65-F5344CB8AC3E}">
-        <p14:creationId xmlns:p14="http://schemas.microsoft.com/office/powerpoint/2010/main" val="1883106476"/>
+        <p14:creationId xmlns:p14="http://schemas.microsoft.com/office/powerpoint/2010/main" val="2794184150"/>
       </p:ext>
     </p:extLst>
   </p:cSld>
   <p:clrMap bg1="lt1" tx1="dk1" bg2="lt2" tx2="dk2" accent1="accent1" accent2="accent2" accent3="accent3" accent4="accent4" accent5="accent5" accent6="accent6" hlink="hlink" folHlink="folHlink"/>
   <p:sldLayoutIdLst>
-    <p:sldLayoutId id="2147483649" r:id="rId1"/>
-    <p:sldLayoutId id="2147483650" r:id="rId2"/>
-    <p:sldLayoutId id="2147483651" r:id="rId3"/>
-    <p:sldLayoutId id="2147483652" r:id="rId4"/>
-    <p:sldLayoutId id="2147483653" r:id="rId5"/>
-    <p:sldLayoutId id="2147483654" r:id="rId6"/>
-    <p:sldLayoutId id="2147483655" r:id="rId7"/>
-    <p:sldLayoutId id="2147483656" r:id="rId8"/>
-    <p:sldLayoutId id="2147483657" r:id="rId9"/>
-    <p:sldLayoutId id="2147483658" r:id="rId10"/>
-    <p:sldLayoutId id="2147483659" r:id="rId11"/>
+    <p:sldLayoutId id="2147483661" r:id="rId1"/>
+    <p:sldLayoutId id="2147483662" r:id="rId2"/>
+    <p:sldLayoutId id="2147483663" r:id="rId3"/>
+    <p:sldLayoutId id="2147483664" r:id="rId4"/>
+    <p:sldLayoutId id="2147483665" r:id="rId5"/>
+    <p:sldLayoutId id="2147483666" r:id="rId6"/>
+    <p:sldLayoutId id="2147483667" r:id="rId7"/>
+    <p:sldLayoutId id="2147483668" r:id="rId8"/>
+    <p:sldLayoutId id="2147483669" r:id="rId9"/>
+    <p:sldLayoutId id="2147483670" r:id="rId10"/>
+    <p:sldLayoutId id="2147483671" r:id="rId11"/>
   </p:sldLayoutIdLst>
   <p:txStyles>
     <p:titleStyle>
@@ -3347,6 +2974,1177 @@
           <a:chExt cx="0" cy="0"/>
         </a:xfrm>
       </p:grpSpPr>
+      <p:cxnSp>
+        <p:nvCxnSpPr>
+          <p:cNvPr id="36" name="Straight Connector 35">
+            <a:extLst>
+              <a:ext uri="{FF2B5EF4-FFF2-40B4-BE49-F238E27FC236}">
+                <a16:creationId xmlns:a16="http://schemas.microsoft.com/office/drawing/2014/main" id="{88FE6EE9-02B2-C074-0545-CB8D4C5B331D}"/>
+              </a:ext>
+            </a:extLst>
+          </p:cNvPr>
+          <p:cNvCxnSpPr/>
+          <p:nvPr/>
+        </p:nvCxnSpPr>
+        <p:spPr>
+          <a:xfrm>
+            <a:off x="3106232" y="1046819"/>
+            <a:ext cx="0" cy="3855308"/>
+          </a:xfrm>
+          <a:prstGeom prst="line">
+            <a:avLst/>
+          </a:prstGeom>
+          <a:ln w="76200">
+            <a:solidFill>
+              <a:srgbClr val="00B050"/>
+            </a:solidFill>
+            <a:prstDash val="lgDash"/>
+          </a:ln>
+        </p:spPr>
+        <p:style>
+          <a:lnRef idx="2">
+            <a:schemeClr val="accent1"/>
+          </a:lnRef>
+          <a:fillRef idx="0">
+            <a:schemeClr val="accent1"/>
+          </a:fillRef>
+          <a:effectRef idx="1">
+            <a:schemeClr val="accent1"/>
+          </a:effectRef>
+          <a:fontRef idx="minor">
+            <a:schemeClr val="tx1"/>
+          </a:fontRef>
+        </p:style>
+      </p:cxnSp>
+      <p:sp>
+        <p:nvSpPr>
+          <p:cNvPr id="2" name="Rectangle 1">
+            <a:extLst>
+              <a:ext uri="{FF2B5EF4-FFF2-40B4-BE49-F238E27FC236}">
+                <a16:creationId xmlns:a16="http://schemas.microsoft.com/office/drawing/2014/main" id="{C024CF45-75D7-B54F-7086-284695C7A82B}"/>
+              </a:ext>
+            </a:extLst>
+          </p:cNvPr>
+          <p:cNvSpPr/>
+          <p:nvPr/>
+        </p:nvSpPr>
+        <p:spPr>
+          <a:xfrm>
+            <a:off x="417090" y="1136033"/>
+            <a:ext cx="1714500" cy="965200"/>
+          </a:xfrm>
+          <a:prstGeom prst="rect">
+            <a:avLst/>
+          </a:prstGeom>
+          <a:noFill/>
+        </p:spPr>
+        <p:style>
+          <a:lnRef idx="2">
+            <a:schemeClr val="accent1">
+              <a:shade val="15000"/>
+            </a:schemeClr>
+          </a:lnRef>
+          <a:fillRef idx="1">
+            <a:schemeClr val="accent1"/>
+          </a:fillRef>
+          <a:effectRef idx="0">
+            <a:schemeClr val="accent1"/>
+          </a:effectRef>
+          <a:fontRef idx="minor">
+            <a:schemeClr val="lt1"/>
+          </a:fontRef>
+        </p:style>
+        <p:txBody>
+          <a:bodyPr rtlCol="0" anchor="ctr"/>
+          <a:lstStyle/>
+          <a:p>
+            <a:pPr algn="ctr"/>
+            <a:r>
+              <a:rPr lang="en-AU" dirty="0">
+                <a:solidFill>
+                  <a:schemeClr val="tx1"/>
+                </a:solidFill>
+              </a:rPr>
+              <a:t>Phone</a:t>
+            </a:r>
+          </a:p>
+          <a:p>
+            <a:pPr algn="ctr"/>
+            <a:r>
+              <a:rPr lang="en-AU" sz="1200" dirty="0">
+                <a:solidFill>
+                  <a:schemeClr val="tx1"/>
+                </a:solidFill>
+              </a:rPr>
+              <a:t>Video feed</a:t>
+            </a:r>
+          </a:p>
+        </p:txBody>
+      </p:sp>
+      <p:sp>
+        <p:nvSpPr>
+          <p:cNvPr id="3" name="Rectangle 2">
+            <a:extLst>
+              <a:ext uri="{FF2B5EF4-FFF2-40B4-BE49-F238E27FC236}">
+                <a16:creationId xmlns:a16="http://schemas.microsoft.com/office/drawing/2014/main" id="{4C60DA63-4E1B-818D-DDDF-7E58127C9E3B}"/>
+              </a:ext>
+            </a:extLst>
+          </p:cNvPr>
+          <p:cNvSpPr/>
+          <p:nvPr/>
+        </p:nvSpPr>
+        <p:spPr>
+          <a:xfrm>
+            <a:off x="7465419" y="3189666"/>
+            <a:ext cx="1714500" cy="965200"/>
+          </a:xfrm>
+          <a:prstGeom prst="rect">
+            <a:avLst/>
+          </a:prstGeom>
+          <a:noFill/>
+        </p:spPr>
+        <p:style>
+          <a:lnRef idx="2">
+            <a:schemeClr val="accent1">
+              <a:shade val="15000"/>
+            </a:schemeClr>
+          </a:lnRef>
+          <a:fillRef idx="1">
+            <a:schemeClr val="accent1"/>
+          </a:fillRef>
+          <a:effectRef idx="0">
+            <a:schemeClr val="accent1"/>
+          </a:effectRef>
+          <a:fontRef idx="minor">
+            <a:schemeClr val="lt1"/>
+          </a:fontRef>
+        </p:style>
+        <p:txBody>
+          <a:bodyPr rtlCol="0" anchor="ctr"/>
+          <a:lstStyle/>
+          <a:p>
+            <a:pPr algn="ctr"/>
+            <a:r>
+              <a:rPr lang="en-AU" dirty="0">
+                <a:solidFill>
+                  <a:schemeClr val="tx1"/>
+                </a:solidFill>
+              </a:rPr>
+              <a:t>Path Planner</a:t>
+            </a:r>
+          </a:p>
+          <a:p>
+            <a:pPr algn="ctr"/>
+            <a:r>
+              <a:rPr lang="en-AU" sz="1200" dirty="0">
+                <a:solidFill>
+                  <a:schemeClr val="tx1"/>
+                </a:solidFill>
+              </a:rPr>
+              <a:t>(direction, speed)</a:t>
+            </a:r>
+          </a:p>
+          <a:p>
+            <a:pPr algn="ctr"/>
+            <a:r>
+              <a:rPr lang="en-AU" sz="1200" dirty="0">
+                <a:solidFill>
+                  <a:schemeClr val="tx1"/>
+                </a:solidFill>
+              </a:rPr>
+              <a:t>everyone</a:t>
+            </a:r>
+          </a:p>
+        </p:txBody>
+      </p:sp>
+      <p:sp>
+        <p:nvSpPr>
+          <p:cNvPr id="4" name="Rectangle 3">
+            <a:extLst>
+              <a:ext uri="{FF2B5EF4-FFF2-40B4-BE49-F238E27FC236}">
+                <a16:creationId xmlns:a16="http://schemas.microsoft.com/office/drawing/2014/main" id="{0C005588-925B-0C62-35A8-31CE442FFB20}"/>
+              </a:ext>
+            </a:extLst>
+          </p:cNvPr>
+          <p:cNvSpPr/>
+          <p:nvPr/>
+        </p:nvSpPr>
+        <p:spPr>
+          <a:xfrm>
+            <a:off x="4021659" y="1151539"/>
+            <a:ext cx="2065638" cy="965200"/>
+          </a:xfrm>
+          <a:prstGeom prst="rect">
+            <a:avLst/>
+          </a:prstGeom>
+          <a:noFill/>
+        </p:spPr>
+        <p:style>
+          <a:lnRef idx="2">
+            <a:schemeClr val="accent1">
+              <a:shade val="15000"/>
+            </a:schemeClr>
+          </a:lnRef>
+          <a:fillRef idx="1">
+            <a:schemeClr val="accent1"/>
+          </a:fillRef>
+          <a:effectRef idx="0">
+            <a:schemeClr val="accent1"/>
+          </a:effectRef>
+          <a:fontRef idx="minor">
+            <a:schemeClr val="lt1"/>
+          </a:fontRef>
+        </p:style>
+        <p:txBody>
+          <a:bodyPr rtlCol="0" anchor="ctr"/>
+          <a:lstStyle/>
+          <a:p>
+            <a:pPr algn="ctr"/>
+            <a:r>
+              <a:rPr lang="en-AU" dirty="0">
+                <a:solidFill>
+                  <a:schemeClr val="tx1"/>
+                </a:solidFill>
+              </a:rPr>
+              <a:t>Colour Mask</a:t>
+            </a:r>
+          </a:p>
+          <a:p>
+            <a:pPr algn="ctr"/>
+            <a:r>
+              <a:rPr lang="en-AU" sz="1200" dirty="0">
+                <a:solidFill>
+                  <a:schemeClr val="tx1"/>
+                </a:solidFill>
+              </a:rPr>
+              <a:t>Output: 3 sets of </a:t>
+            </a:r>
+            <a:r>
+              <a:rPr lang="en-AU" sz="1200" dirty="0" err="1">
+                <a:solidFill>
+                  <a:schemeClr val="tx1"/>
+                </a:solidFill>
+              </a:rPr>
+              <a:t>np.array</a:t>
+            </a:r>
+            <a:endParaRPr lang="en-AU" sz="1200" dirty="0">
+              <a:solidFill>
+                <a:schemeClr val="tx1"/>
+              </a:solidFill>
+            </a:endParaRPr>
+          </a:p>
+          <a:p>
+            <a:pPr algn="ctr"/>
+            <a:r>
+              <a:rPr lang="en-AU" sz="1200" dirty="0">
+                <a:solidFill>
+                  <a:schemeClr val="tx1"/>
+                </a:solidFill>
+              </a:rPr>
+              <a:t>Who: Jack lord</a:t>
+            </a:r>
+          </a:p>
+        </p:txBody>
+      </p:sp>
+      <p:sp>
+        <p:nvSpPr>
+          <p:cNvPr id="5" name="Rectangle 4">
+            <a:extLst>
+              <a:ext uri="{FF2B5EF4-FFF2-40B4-BE49-F238E27FC236}">
+                <a16:creationId xmlns:a16="http://schemas.microsoft.com/office/drawing/2014/main" id="{7B3B57CF-C397-B4E0-EB9B-C1B3C0972444}"/>
+              </a:ext>
+            </a:extLst>
+          </p:cNvPr>
+          <p:cNvSpPr/>
+          <p:nvPr/>
+        </p:nvSpPr>
+        <p:spPr>
+          <a:xfrm>
+            <a:off x="7036794" y="1151539"/>
+            <a:ext cx="2571750" cy="965200"/>
+          </a:xfrm>
+          <a:prstGeom prst="rect">
+            <a:avLst/>
+          </a:prstGeom>
+          <a:noFill/>
+        </p:spPr>
+        <p:style>
+          <a:lnRef idx="2">
+            <a:schemeClr val="accent1">
+              <a:shade val="15000"/>
+            </a:schemeClr>
+          </a:lnRef>
+          <a:fillRef idx="1">
+            <a:schemeClr val="accent1"/>
+          </a:fillRef>
+          <a:effectRef idx="0">
+            <a:schemeClr val="accent1"/>
+          </a:effectRef>
+          <a:fontRef idx="minor">
+            <a:schemeClr val="lt1"/>
+          </a:fontRef>
+        </p:style>
+        <p:txBody>
+          <a:bodyPr rtlCol="0" anchor="ctr"/>
+          <a:lstStyle/>
+          <a:p>
+            <a:pPr algn="ctr"/>
+            <a:r>
+              <a:rPr lang="en-AU" dirty="0">
+                <a:solidFill>
+                  <a:schemeClr val="tx1"/>
+                </a:solidFill>
+              </a:rPr>
+              <a:t>Perspective Transform</a:t>
+            </a:r>
+          </a:p>
+          <a:p>
+            <a:pPr algn="ctr"/>
+            <a:r>
+              <a:rPr lang="en-AU" sz="1200" dirty="0">
+                <a:solidFill>
+                  <a:schemeClr val="tx1"/>
+                </a:solidFill>
+              </a:rPr>
+              <a:t>3 sets of </a:t>
+            </a:r>
+            <a:r>
+              <a:rPr lang="en-AU" sz="1200" dirty="0" err="1">
+                <a:solidFill>
+                  <a:schemeClr val="tx1"/>
+                </a:solidFill>
+              </a:rPr>
+              <a:t>np.array</a:t>
+            </a:r>
+            <a:endParaRPr lang="en-AU" sz="1200" dirty="0">
+              <a:solidFill>
+                <a:schemeClr val="tx1"/>
+              </a:solidFill>
+            </a:endParaRPr>
+          </a:p>
+          <a:p>
+            <a:pPr algn="ctr"/>
+            <a:r>
+              <a:rPr lang="en-AU" sz="1200" dirty="0">
+                <a:solidFill>
+                  <a:schemeClr val="tx1"/>
+                </a:solidFill>
+              </a:rPr>
+              <a:t>Bryce</a:t>
+            </a:r>
+          </a:p>
+        </p:txBody>
+      </p:sp>
+      <p:sp>
+        <p:nvSpPr>
+          <p:cNvPr id="6" name="Rectangle 5">
+            <a:extLst>
+              <a:ext uri="{FF2B5EF4-FFF2-40B4-BE49-F238E27FC236}">
+                <a16:creationId xmlns:a16="http://schemas.microsoft.com/office/drawing/2014/main" id="{83ED7587-1177-1C38-4B4B-7980CCDB65C8}"/>
+              </a:ext>
+            </a:extLst>
+          </p:cNvPr>
+          <p:cNvSpPr/>
+          <p:nvPr/>
+        </p:nvSpPr>
+        <p:spPr>
+          <a:xfrm>
+            <a:off x="3870330" y="3191777"/>
+            <a:ext cx="1714500" cy="965200"/>
+          </a:xfrm>
+          <a:prstGeom prst="rect">
+            <a:avLst/>
+          </a:prstGeom>
+          <a:noFill/>
+        </p:spPr>
+        <p:style>
+          <a:lnRef idx="2">
+            <a:schemeClr val="accent1">
+              <a:shade val="15000"/>
+            </a:schemeClr>
+          </a:lnRef>
+          <a:fillRef idx="1">
+            <a:schemeClr val="accent1"/>
+          </a:fillRef>
+          <a:effectRef idx="0">
+            <a:schemeClr val="accent1"/>
+          </a:effectRef>
+          <a:fontRef idx="minor">
+            <a:schemeClr val="lt1"/>
+          </a:fontRef>
+        </p:style>
+        <p:txBody>
+          <a:bodyPr rtlCol="0" anchor="ctr"/>
+          <a:lstStyle/>
+          <a:p>
+            <a:pPr algn="ctr"/>
+            <a:r>
+              <a:rPr lang="en-AU" dirty="0">
+                <a:solidFill>
+                  <a:schemeClr val="tx1"/>
+                </a:solidFill>
+              </a:rPr>
+              <a:t>UART Thread</a:t>
+            </a:r>
+          </a:p>
+          <a:p>
+            <a:pPr algn="ctr"/>
+            <a:r>
+              <a:rPr lang="en-AU" sz="1200" dirty="0">
+                <a:solidFill>
+                  <a:schemeClr val="tx1"/>
+                </a:solidFill>
+              </a:rPr>
+              <a:t>String</a:t>
+            </a:r>
+          </a:p>
+          <a:p>
+            <a:pPr algn="ctr"/>
+            <a:r>
+              <a:rPr lang="en-AU" sz="1200" dirty="0">
+                <a:solidFill>
+                  <a:schemeClr val="tx1"/>
+                </a:solidFill>
+              </a:rPr>
+              <a:t>Jack Zhang</a:t>
+            </a:r>
+          </a:p>
+        </p:txBody>
+      </p:sp>
+      <p:sp>
+        <p:nvSpPr>
+          <p:cNvPr id="7" name="Rectangle 6">
+            <a:extLst>
+              <a:ext uri="{FF2B5EF4-FFF2-40B4-BE49-F238E27FC236}">
+                <a16:creationId xmlns:a16="http://schemas.microsoft.com/office/drawing/2014/main" id="{27D40B13-F823-A5AE-5DC7-7FCEE3A60148}"/>
+              </a:ext>
+            </a:extLst>
+          </p:cNvPr>
+          <p:cNvSpPr/>
+          <p:nvPr/>
+        </p:nvSpPr>
+        <p:spPr>
+          <a:xfrm>
+            <a:off x="427345" y="3200015"/>
+            <a:ext cx="1714500" cy="965200"/>
+          </a:xfrm>
+          <a:prstGeom prst="rect">
+            <a:avLst/>
+          </a:prstGeom>
+          <a:noFill/>
+        </p:spPr>
+        <p:style>
+          <a:lnRef idx="2">
+            <a:schemeClr val="accent1">
+              <a:shade val="15000"/>
+            </a:schemeClr>
+          </a:lnRef>
+          <a:fillRef idx="1">
+            <a:schemeClr val="accent1"/>
+          </a:fillRef>
+          <a:effectRef idx="0">
+            <a:schemeClr val="accent1"/>
+          </a:effectRef>
+          <a:fontRef idx="minor">
+            <a:schemeClr val="lt1"/>
+          </a:fontRef>
+        </p:style>
+        <p:txBody>
+          <a:bodyPr rtlCol="0" anchor="ctr"/>
+          <a:lstStyle/>
+          <a:p>
+            <a:pPr algn="ctr"/>
+            <a:r>
+              <a:rPr lang="en-AU" dirty="0">
+                <a:solidFill>
+                  <a:schemeClr val="tx1"/>
+                </a:solidFill>
+              </a:rPr>
+              <a:t>Car Control</a:t>
+            </a:r>
+          </a:p>
+          <a:p>
+            <a:pPr algn="ctr"/>
+            <a:r>
+              <a:rPr lang="en-AU" sz="1200" dirty="0">
+                <a:solidFill>
+                  <a:schemeClr val="tx1"/>
+                </a:solidFill>
+              </a:rPr>
+              <a:t>Steers the car</a:t>
+            </a:r>
+          </a:p>
+          <a:p>
+            <a:pPr algn="ctr"/>
+            <a:r>
+              <a:rPr lang="en-AU" sz="1200" dirty="0">
+                <a:solidFill>
+                  <a:schemeClr val="tx1"/>
+                </a:solidFill>
+              </a:rPr>
+              <a:t>Jack Zhang</a:t>
+            </a:r>
+          </a:p>
+        </p:txBody>
+      </p:sp>
+      <p:sp>
+        <p:nvSpPr>
+          <p:cNvPr id="8" name="TextBox 7">
+            <a:extLst>
+              <a:ext uri="{FF2B5EF4-FFF2-40B4-BE49-F238E27FC236}">
+                <a16:creationId xmlns:a16="http://schemas.microsoft.com/office/drawing/2014/main" id="{AC73690C-A65E-50B6-2BAB-8387DCBDD60F}"/>
+              </a:ext>
+            </a:extLst>
+          </p:cNvPr>
+          <p:cNvSpPr txBox="1"/>
+          <p:nvPr/>
+        </p:nvSpPr>
+        <p:spPr>
+          <a:xfrm>
+            <a:off x="554524" y="4957199"/>
+            <a:ext cx="6935263" cy="1384995"/>
+          </a:xfrm>
+          <a:prstGeom prst="rect">
+            <a:avLst/>
+          </a:prstGeom>
+          <a:noFill/>
+        </p:spPr>
+        <p:txBody>
+          <a:bodyPr wrap="square" rtlCol="0">
+            <a:spAutoFit/>
+          </a:bodyPr>
+          <a:lstStyle/>
+          <a:p>
+            <a:r>
+              <a:rPr lang="en-AU" sz="1200" dirty="0"/>
+              <a:t>3 sets: blue, yellow and purple</a:t>
+            </a:r>
+          </a:p>
+          <a:p>
+            <a:r>
+              <a:rPr lang="en-AU" sz="1200" dirty="0" err="1"/>
+              <a:t>Np.array</a:t>
+            </a:r>
+            <a:r>
+              <a:rPr lang="en-AU" sz="1200" dirty="0"/>
+              <a:t>: Python </a:t>
+            </a:r>
+            <a:r>
+              <a:rPr lang="en-AU" sz="1200" dirty="0" err="1"/>
+              <a:t>Numpy</a:t>
+            </a:r>
+            <a:r>
+              <a:rPr lang="en-AU" sz="1200" dirty="0"/>
+              <a:t> arrays. Size NX2, where N is the number of points marking the outline of the colour region. The first column is the x- and second is the y-coordinates of each point.</a:t>
+            </a:r>
+          </a:p>
+          <a:p>
+            <a:r>
+              <a:rPr lang="en-AU" sz="1200" dirty="0"/>
+              <a:t>Direction: Integer in degrees (positive for turning left). direction the path planner tells the car to drive in (</a:t>
+            </a:r>
+            <a:r>
+              <a:rPr lang="el-GR" sz="1200" b="0" i="0" dirty="0">
+                <a:solidFill>
+                  <a:srgbClr val="202124"/>
+                </a:solidFill>
+                <a:effectLst/>
+                <a:highlight>
+                  <a:srgbClr val="FFFFFF"/>
+                </a:highlight>
+                <a:latin typeface="Google Sans"/>
+              </a:rPr>
+              <a:t>Θ</a:t>
+            </a:r>
+            <a:r>
+              <a:rPr lang="en-AU" sz="1200" b="0" i="0" dirty="0">
+                <a:solidFill>
+                  <a:srgbClr val="202124"/>
+                </a:solidFill>
+                <a:effectLst/>
+                <a:highlight>
+                  <a:srgbClr val="FFFFFF"/>
+                </a:highlight>
+                <a:latin typeface="Google Sans"/>
+              </a:rPr>
+              <a:t> in the diagram on the right)</a:t>
+            </a:r>
+          </a:p>
+          <a:p>
+            <a:r>
+              <a:rPr lang="en-AU" sz="1200" dirty="0"/>
+              <a:t>Speed: integer between 0 and 255. The maximum PWM value written to the motors on the car.</a:t>
+            </a:r>
+          </a:p>
+          <a:p>
+            <a:r>
+              <a:rPr lang="en-AU" sz="1200" dirty="0"/>
+              <a:t>Python queue: each element is a string in the format: </a:t>
+            </a:r>
+            <a:r>
+              <a:rPr lang="en-US" sz="1200" dirty="0"/>
+              <a:t>“/ &lt;direction&gt; &lt;speed&gt;”</a:t>
+            </a:r>
+            <a:endParaRPr lang="en-AU" sz="1200" dirty="0"/>
+          </a:p>
+        </p:txBody>
+      </p:sp>
+      <p:pic>
+        <p:nvPicPr>
+          <p:cNvPr id="1028" name="Picture 4" descr="Zenith angle (Θ) and the corresponding factor cos(Θ). n = surface... |  Download Scientific Diagram">
+            <a:extLst>
+              <a:ext uri="{FF2B5EF4-FFF2-40B4-BE49-F238E27FC236}">
+                <a16:creationId xmlns:a16="http://schemas.microsoft.com/office/drawing/2014/main" id="{E0BC0EDD-8E82-D0E4-102D-117F26E33F93}"/>
+              </a:ext>
+            </a:extLst>
+          </p:cNvPr>
+          <p:cNvPicPr>
+            <a:picLocks noChangeAspect="1" noChangeArrowheads="1"/>
+          </p:cNvPicPr>
+          <p:nvPr/>
+        </p:nvPicPr>
+        <p:blipFill rotWithShape="1">
+          <a:blip r:embed="rId2">
+            <a:extLst>
+              <a:ext uri="{28A0092B-C50C-407E-A947-70E740481C1C}">
+                <a14:useLocalDpi xmlns:a14="http://schemas.microsoft.com/office/drawing/2010/main" val="0"/>
+              </a:ext>
+            </a:extLst>
+          </a:blip>
+          <a:srcRect l="36258" r="36798" b="41237"/>
+          <a:stretch/>
+        </p:blipFill>
+        <p:spPr bwMode="auto">
+          <a:xfrm flipH="1">
+            <a:off x="7327649" y="4949324"/>
+            <a:ext cx="2253049" cy="1514273"/>
+          </a:xfrm>
+          <a:prstGeom prst="rect">
+            <a:avLst/>
+          </a:prstGeom>
+          <a:noFill/>
+          <a:extLst>
+            <a:ext uri="{909E8E84-426E-40DD-AFC4-6F175D3DCCD1}">
+              <a14:hiddenFill xmlns:a14="http://schemas.microsoft.com/office/drawing/2010/main">
+                <a:solidFill>
+                  <a:srgbClr val="FFFFFF"/>
+                </a:solidFill>
+              </a14:hiddenFill>
+            </a:ext>
+          </a:extLst>
+        </p:spPr>
+      </p:pic>
+      <p:sp>
+        <p:nvSpPr>
+          <p:cNvPr id="19" name="Right Arrow 18">
+            <a:extLst>
+              <a:ext uri="{FF2B5EF4-FFF2-40B4-BE49-F238E27FC236}">
+                <a16:creationId xmlns:a16="http://schemas.microsoft.com/office/drawing/2014/main" id="{79B3E685-2E07-F08F-B427-620BF8F4B9AC}"/>
+              </a:ext>
+            </a:extLst>
+          </p:cNvPr>
+          <p:cNvSpPr/>
+          <p:nvPr/>
+        </p:nvSpPr>
+        <p:spPr>
+          <a:xfrm rot="16200000">
+            <a:off x="8429713" y="5470120"/>
+            <a:ext cx="1119234" cy="472680"/>
+          </a:xfrm>
+          <a:prstGeom prst="rightArrow">
+            <a:avLst/>
+          </a:prstGeom>
+        </p:spPr>
+        <p:style>
+          <a:lnRef idx="2">
+            <a:schemeClr val="accent1">
+              <a:shade val="15000"/>
+            </a:schemeClr>
+          </a:lnRef>
+          <a:fillRef idx="1">
+            <a:schemeClr val="accent1"/>
+          </a:fillRef>
+          <a:effectRef idx="0">
+            <a:schemeClr val="accent1"/>
+          </a:effectRef>
+          <a:fontRef idx="minor">
+            <a:schemeClr val="lt1"/>
+          </a:fontRef>
+        </p:style>
+        <p:txBody>
+          <a:bodyPr rtlCol="0" anchor="ctr"/>
+          <a:lstStyle/>
+          <a:p>
+            <a:pPr algn="ctr"/>
+            <a:r>
+              <a:rPr lang="en-US" dirty="0"/>
+              <a:t>Forward</a:t>
+            </a:r>
+          </a:p>
+        </p:txBody>
+      </p:sp>
+      <p:cxnSp>
+        <p:nvCxnSpPr>
+          <p:cNvPr id="21" name="Straight Arrow Connector 20">
+            <a:extLst>
+              <a:ext uri="{FF2B5EF4-FFF2-40B4-BE49-F238E27FC236}">
+                <a16:creationId xmlns:a16="http://schemas.microsoft.com/office/drawing/2014/main" id="{425FC0E1-B2C0-D3DC-BFA5-1C3E01315000}"/>
+              </a:ext>
+            </a:extLst>
+          </p:cNvPr>
+          <p:cNvCxnSpPr>
+            <a:stCxn id="2" idx="3"/>
+            <a:endCxn id="4" idx="1"/>
+          </p:cNvCxnSpPr>
+          <p:nvPr/>
+        </p:nvCxnSpPr>
+        <p:spPr>
+          <a:xfrm>
+            <a:off x="2131590" y="1618633"/>
+            <a:ext cx="1890069" cy="15506"/>
+          </a:xfrm>
+          <a:prstGeom prst="straightConnector1">
+            <a:avLst/>
+          </a:prstGeom>
+          <a:ln>
+            <a:tailEnd type="triangle"/>
+          </a:ln>
+        </p:spPr>
+        <p:style>
+          <a:lnRef idx="2">
+            <a:schemeClr val="accent1"/>
+          </a:lnRef>
+          <a:fillRef idx="0">
+            <a:schemeClr val="accent1"/>
+          </a:fillRef>
+          <a:effectRef idx="1">
+            <a:schemeClr val="accent1"/>
+          </a:effectRef>
+          <a:fontRef idx="minor">
+            <a:schemeClr val="tx1"/>
+          </a:fontRef>
+        </p:style>
+      </p:cxnSp>
+      <p:cxnSp>
+        <p:nvCxnSpPr>
+          <p:cNvPr id="23" name="Straight Arrow Connector 22">
+            <a:extLst>
+              <a:ext uri="{FF2B5EF4-FFF2-40B4-BE49-F238E27FC236}">
+                <a16:creationId xmlns:a16="http://schemas.microsoft.com/office/drawing/2014/main" id="{5D354775-76A4-E075-B803-A9ECEB7AB5AB}"/>
+              </a:ext>
+            </a:extLst>
+          </p:cNvPr>
+          <p:cNvCxnSpPr>
+            <a:stCxn id="4" idx="3"/>
+            <a:endCxn id="5" idx="1"/>
+          </p:cNvCxnSpPr>
+          <p:nvPr/>
+        </p:nvCxnSpPr>
+        <p:spPr>
+          <a:xfrm>
+            <a:off x="6087297" y="1634139"/>
+            <a:ext cx="949497" cy="0"/>
+          </a:xfrm>
+          <a:prstGeom prst="straightConnector1">
+            <a:avLst/>
+          </a:prstGeom>
+          <a:ln>
+            <a:tailEnd type="triangle"/>
+          </a:ln>
+        </p:spPr>
+        <p:style>
+          <a:lnRef idx="2">
+            <a:schemeClr val="accent1"/>
+          </a:lnRef>
+          <a:fillRef idx="0">
+            <a:schemeClr val="accent1"/>
+          </a:fillRef>
+          <a:effectRef idx="1">
+            <a:schemeClr val="accent1"/>
+          </a:effectRef>
+          <a:fontRef idx="minor">
+            <a:schemeClr val="tx1"/>
+          </a:fontRef>
+        </p:style>
+      </p:cxnSp>
+      <p:cxnSp>
+        <p:nvCxnSpPr>
+          <p:cNvPr id="25" name="Straight Arrow Connector 24">
+            <a:extLst>
+              <a:ext uri="{FF2B5EF4-FFF2-40B4-BE49-F238E27FC236}">
+                <a16:creationId xmlns:a16="http://schemas.microsoft.com/office/drawing/2014/main" id="{5AAC3EF8-8A1F-84D9-989D-AFF963E134E5}"/>
+              </a:ext>
+            </a:extLst>
+          </p:cNvPr>
+          <p:cNvCxnSpPr>
+            <a:stCxn id="5" idx="2"/>
+            <a:endCxn id="3" idx="0"/>
+          </p:cNvCxnSpPr>
+          <p:nvPr/>
+        </p:nvCxnSpPr>
+        <p:spPr>
+          <a:xfrm>
+            <a:off x="8322669" y="2116739"/>
+            <a:ext cx="0" cy="1072927"/>
+          </a:xfrm>
+          <a:prstGeom prst="straightConnector1">
+            <a:avLst/>
+          </a:prstGeom>
+          <a:ln>
+            <a:tailEnd type="triangle"/>
+          </a:ln>
+        </p:spPr>
+        <p:style>
+          <a:lnRef idx="2">
+            <a:schemeClr val="accent1"/>
+          </a:lnRef>
+          <a:fillRef idx="0">
+            <a:schemeClr val="accent1"/>
+          </a:fillRef>
+          <a:effectRef idx="1">
+            <a:schemeClr val="accent1"/>
+          </a:effectRef>
+          <a:fontRef idx="minor">
+            <a:schemeClr val="tx1"/>
+          </a:fontRef>
+        </p:style>
+      </p:cxnSp>
+      <p:cxnSp>
+        <p:nvCxnSpPr>
+          <p:cNvPr id="28" name="Straight Arrow Connector 27">
+            <a:extLst>
+              <a:ext uri="{FF2B5EF4-FFF2-40B4-BE49-F238E27FC236}">
+                <a16:creationId xmlns:a16="http://schemas.microsoft.com/office/drawing/2014/main" id="{99363E2D-6783-FCC2-D82C-B3318C7DC7C7}"/>
+              </a:ext>
+            </a:extLst>
+          </p:cNvPr>
+          <p:cNvCxnSpPr>
+            <a:stCxn id="3" idx="1"/>
+            <a:endCxn id="6" idx="3"/>
+          </p:cNvCxnSpPr>
+          <p:nvPr/>
+        </p:nvCxnSpPr>
+        <p:spPr>
+          <a:xfrm flipH="1">
+            <a:off x="5584830" y="3672266"/>
+            <a:ext cx="1880589" cy="2111"/>
+          </a:xfrm>
+          <a:prstGeom prst="straightConnector1">
+            <a:avLst/>
+          </a:prstGeom>
+          <a:ln>
+            <a:tailEnd type="triangle"/>
+          </a:ln>
+        </p:spPr>
+        <p:style>
+          <a:lnRef idx="2">
+            <a:schemeClr val="accent1"/>
+          </a:lnRef>
+          <a:fillRef idx="0">
+            <a:schemeClr val="accent1"/>
+          </a:fillRef>
+          <a:effectRef idx="1">
+            <a:schemeClr val="accent1"/>
+          </a:effectRef>
+          <a:fontRef idx="minor">
+            <a:schemeClr val="tx1"/>
+          </a:fontRef>
+        </p:style>
+      </p:cxnSp>
+      <p:cxnSp>
+        <p:nvCxnSpPr>
+          <p:cNvPr id="30" name="Straight Arrow Connector 29">
+            <a:extLst>
+              <a:ext uri="{FF2B5EF4-FFF2-40B4-BE49-F238E27FC236}">
+                <a16:creationId xmlns:a16="http://schemas.microsoft.com/office/drawing/2014/main" id="{35AF6F9D-BB26-E273-7EDB-FD666B9D2774}"/>
+              </a:ext>
+            </a:extLst>
+          </p:cNvPr>
+          <p:cNvCxnSpPr>
+            <a:stCxn id="6" idx="1"/>
+            <a:endCxn id="7" idx="3"/>
+          </p:cNvCxnSpPr>
+          <p:nvPr/>
+        </p:nvCxnSpPr>
+        <p:spPr>
+          <a:xfrm flipH="1">
+            <a:off x="2141845" y="3674377"/>
+            <a:ext cx="1728485" cy="8238"/>
+          </a:xfrm>
+          <a:prstGeom prst="straightConnector1">
+            <a:avLst/>
+          </a:prstGeom>
+          <a:ln>
+            <a:tailEnd type="triangle"/>
+          </a:ln>
+        </p:spPr>
+        <p:style>
+          <a:lnRef idx="2">
+            <a:schemeClr val="accent1"/>
+          </a:lnRef>
+          <a:fillRef idx="0">
+            <a:schemeClr val="accent1"/>
+          </a:fillRef>
+          <a:effectRef idx="1">
+            <a:schemeClr val="accent1"/>
+          </a:effectRef>
+          <a:fontRef idx="minor">
+            <a:schemeClr val="tx1"/>
+          </a:fontRef>
+        </p:style>
+      </p:cxnSp>
+      <p:sp>
+        <p:nvSpPr>
+          <p:cNvPr id="31" name="TextBox 30">
+            <a:extLst>
+              <a:ext uri="{FF2B5EF4-FFF2-40B4-BE49-F238E27FC236}">
+                <a16:creationId xmlns:a16="http://schemas.microsoft.com/office/drawing/2014/main" id="{08D872DD-D8F4-5BB1-D23E-C5231CF25151}"/>
+              </a:ext>
+            </a:extLst>
+          </p:cNvPr>
+          <p:cNvSpPr txBox="1"/>
+          <p:nvPr/>
+        </p:nvSpPr>
+        <p:spPr>
+          <a:xfrm>
+            <a:off x="2342383" y="1330707"/>
+            <a:ext cx="1468481" cy="276999"/>
+          </a:xfrm>
+          <a:prstGeom prst="rect">
+            <a:avLst/>
+          </a:prstGeom>
+          <a:solidFill>
+            <a:schemeClr val="bg1"/>
+          </a:solidFill>
+        </p:spPr>
+        <p:txBody>
+          <a:bodyPr wrap="square" rtlCol="0">
+            <a:spAutoFit/>
+          </a:bodyPr>
+          <a:lstStyle/>
+          <a:p>
+            <a:r>
+              <a:rPr lang="en-US" sz="1200" dirty="0"/>
+              <a:t>Via IP Webcam app</a:t>
+            </a:r>
+          </a:p>
+        </p:txBody>
+      </p:sp>
+      <p:sp>
+        <p:nvSpPr>
+          <p:cNvPr id="37" name="TextBox 36">
+            <a:extLst>
+              <a:ext uri="{FF2B5EF4-FFF2-40B4-BE49-F238E27FC236}">
+                <a16:creationId xmlns:a16="http://schemas.microsoft.com/office/drawing/2014/main" id="{844DF12F-8946-2BA6-1F58-27A3B32769D6}"/>
+              </a:ext>
+            </a:extLst>
+          </p:cNvPr>
+          <p:cNvSpPr txBox="1"/>
+          <p:nvPr/>
+        </p:nvSpPr>
+        <p:spPr>
+          <a:xfrm>
+            <a:off x="2481563" y="2492303"/>
+            <a:ext cx="545342" cy="369332"/>
+          </a:xfrm>
+          <a:prstGeom prst="rect">
+            <a:avLst/>
+          </a:prstGeom>
+          <a:noFill/>
+        </p:spPr>
+        <p:txBody>
+          <a:bodyPr wrap="none" rtlCol="0">
+            <a:spAutoFit/>
+          </a:bodyPr>
+          <a:lstStyle/>
+          <a:p>
+            <a:r>
+              <a:rPr lang="en-US" dirty="0">
+                <a:solidFill>
+                  <a:srgbClr val="00B050"/>
+                </a:solidFill>
+              </a:rPr>
+              <a:t>Car</a:t>
+            </a:r>
+          </a:p>
+        </p:txBody>
+      </p:sp>
+      <p:sp>
+        <p:nvSpPr>
+          <p:cNvPr id="38" name="TextBox 37">
+            <a:extLst>
+              <a:ext uri="{FF2B5EF4-FFF2-40B4-BE49-F238E27FC236}">
+                <a16:creationId xmlns:a16="http://schemas.microsoft.com/office/drawing/2014/main" id="{6F4732D5-2386-2470-E466-2A3066112C55}"/>
+              </a:ext>
+            </a:extLst>
+          </p:cNvPr>
+          <p:cNvSpPr txBox="1"/>
+          <p:nvPr/>
+        </p:nvSpPr>
+        <p:spPr>
+          <a:xfrm>
+            <a:off x="3265893" y="2502540"/>
+            <a:ext cx="886846" cy="369332"/>
+          </a:xfrm>
+          <a:prstGeom prst="rect">
+            <a:avLst/>
+          </a:prstGeom>
+          <a:noFill/>
+        </p:spPr>
+        <p:txBody>
+          <a:bodyPr wrap="none" rtlCol="0">
+            <a:spAutoFit/>
+          </a:bodyPr>
+          <a:lstStyle/>
+          <a:p>
+            <a:r>
+              <a:rPr lang="en-US" dirty="0">
+                <a:solidFill>
+                  <a:srgbClr val="00B050"/>
+                </a:solidFill>
+              </a:rPr>
+              <a:t>Laptop</a:t>
+            </a:r>
+          </a:p>
+        </p:txBody>
+      </p:sp>
+      <p:sp>
+        <p:nvSpPr>
+          <p:cNvPr id="39" name="TextBox 38">
+            <a:extLst>
+              <a:ext uri="{FF2B5EF4-FFF2-40B4-BE49-F238E27FC236}">
+                <a16:creationId xmlns:a16="http://schemas.microsoft.com/office/drawing/2014/main" id="{DF4E1F2D-2BF1-6466-9FE7-17E411E748FF}"/>
+              </a:ext>
+            </a:extLst>
+          </p:cNvPr>
+          <p:cNvSpPr txBox="1"/>
+          <p:nvPr/>
+        </p:nvSpPr>
+        <p:spPr>
+          <a:xfrm>
+            <a:off x="2342384" y="3723563"/>
+            <a:ext cx="1388848" cy="461665"/>
+          </a:xfrm>
+          <a:prstGeom prst="rect">
+            <a:avLst/>
+          </a:prstGeom>
+          <a:solidFill>
+            <a:schemeClr val="bg1"/>
+          </a:solidFill>
+        </p:spPr>
+        <p:txBody>
+          <a:bodyPr wrap="square" rtlCol="0">
+            <a:spAutoFit/>
+          </a:bodyPr>
+          <a:lstStyle/>
+          <a:p>
+            <a:r>
+              <a:rPr lang="en-US" sz="1200" dirty="0"/>
+              <a:t>Via Bluetooth Serial Connection</a:t>
+            </a:r>
+          </a:p>
+        </p:txBody>
+      </p:sp>
+      <p:sp>
+        <p:nvSpPr>
+          <p:cNvPr id="41" name="TextBox 40">
+            <a:extLst>
+              <a:ext uri="{FF2B5EF4-FFF2-40B4-BE49-F238E27FC236}">
+                <a16:creationId xmlns:a16="http://schemas.microsoft.com/office/drawing/2014/main" id="{25A98857-A406-5E8C-B80F-1A44A23FE597}"/>
+              </a:ext>
+            </a:extLst>
+          </p:cNvPr>
+          <p:cNvSpPr txBox="1"/>
+          <p:nvPr/>
+        </p:nvSpPr>
+        <p:spPr>
+          <a:xfrm>
+            <a:off x="5916752" y="3682615"/>
+            <a:ext cx="1216744" cy="279250"/>
+          </a:xfrm>
+          <a:prstGeom prst="rect">
+            <a:avLst/>
+          </a:prstGeom>
+          <a:noFill/>
+        </p:spPr>
+        <p:txBody>
+          <a:bodyPr wrap="square" rtlCol="0">
+            <a:spAutoFit/>
+          </a:bodyPr>
+          <a:lstStyle/>
+          <a:p>
+            <a:r>
+              <a:rPr lang="en-US" sz="1200" dirty="0"/>
+              <a:t>Python queue</a:t>
+            </a:r>
+          </a:p>
+        </p:txBody>
+      </p:sp>
+      <p:sp>
+        <p:nvSpPr>
+          <p:cNvPr id="50" name="TextBox 49">
+            <a:extLst>
+              <a:ext uri="{FF2B5EF4-FFF2-40B4-BE49-F238E27FC236}">
+                <a16:creationId xmlns:a16="http://schemas.microsoft.com/office/drawing/2014/main" id="{C1E0F130-EB79-C181-FAA9-13E40719C517}"/>
+              </a:ext>
+            </a:extLst>
+          </p:cNvPr>
+          <p:cNvSpPr txBox="1"/>
+          <p:nvPr/>
+        </p:nvSpPr>
+        <p:spPr>
+          <a:xfrm>
+            <a:off x="2754234" y="218719"/>
+            <a:ext cx="4041747" cy="646331"/>
+          </a:xfrm>
+          <a:prstGeom prst="rect">
+            <a:avLst/>
+          </a:prstGeom>
+          <a:noFill/>
+        </p:spPr>
+        <p:txBody>
+          <a:bodyPr wrap="none" rtlCol="0">
+            <a:spAutoFit/>
+          </a:bodyPr>
+          <a:lstStyle/>
+          <a:p>
+            <a:r>
+              <a:rPr lang="en-US" sz="3600" dirty="0"/>
+              <a:t>Software Flowchart</a:t>
+            </a:r>
+          </a:p>
+        </p:txBody>
+      </p:sp>
+    </p:spTree>
+    <p:extLst>
+      <p:ext uri="{BB962C8B-B14F-4D97-AF65-F5344CB8AC3E}">
+        <p14:creationId xmlns:p14="http://schemas.microsoft.com/office/powerpoint/2010/main" val="4111499432"/>
+      </p:ext>
+    </p:extLst>
+  </p:cSld>
+  <p:clrMapOvr>
+    <a:masterClrMapping/>
+  </p:clrMapOvr>
+</p:sld>
+</file>
+
+<file path=ppt/slides/slide2.xml><?xml version="1.0" encoding="utf-8"?>
+<p:sld xmlns:a="http://schemas.openxmlformats.org/drawingml/2006/main" xmlns:r="http://schemas.openxmlformats.org/officeDocument/2006/relationships" xmlns:p="http://schemas.openxmlformats.org/presentationml/2006/main">
+  <p:cSld>
+    <p:spTree>
+      <p:nvGrpSpPr>
+        <p:cNvPr id="1" name=""/>
+        <p:cNvGrpSpPr/>
+        <p:nvPr/>
+      </p:nvGrpSpPr>
+      <p:grpSpPr>
+        <a:xfrm>
+          <a:off x="0" y="0"/>
+          <a:ext cx="0" cy="0"/>
+          <a:chOff x="0" y="0"/>
+          <a:chExt cx="0" cy="0"/>
+        </a:xfrm>
+      </p:grpSpPr>
       <p:pic>
         <p:nvPicPr>
           <p:cNvPr id="3" name="Picture 2" descr="A yellow line on the road&#10;&#10;Description automatically generated">
@@ -3375,8 +4173,8 @@
         </p:blipFill>
         <p:spPr>
           <a:xfrm flipH="1">
-            <a:off x="212443" y="739903"/>
-            <a:ext cx="3984408" cy="2969629"/>
+            <a:off x="172610" y="1244109"/>
+            <a:ext cx="3237332" cy="2412824"/>
           </a:xfrm>
           <a:prstGeom prst="rect">
             <a:avLst/>
@@ -3411,8 +4209,8 @@
         </p:blipFill>
         <p:spPr>
           <a:xfrm>
-            <a:off x="4497933" y="3940958"/>
-            <a:ext cx="4413429" cy="2488863"/>
+            <a:off x="3654573" y="3844968"/>
+            <a:ext cx="3585911" cy="2022201"/>
           </a:xfrm>
           <a:prstGeom prst="rect">
             <a:avLst/>
@@ -3447,8 +4245,8 @@
         </p:blipFill>
         <p:spPr>
           <a:xfrm>
-            <a:off x="4497933" y="722260"/>
-            <a:ext cx="3984408" cy="2987272"/>
+            <a:off x="3654570" y="1229774"/>
+            <a:ext cx="3237332" cy="2427159"/>
           </a:xfrm>
           <a:prstGeom prst="rect">
             <a:avLst/>
@@ -3469,8 +4267,8 @@
         </p:nvSpPr>
         <p:spPr>
           <a:xfrm>
-            <a:off x="1087655" y="352928"/>
-            <a:ext cx="2651495" cy="369332"/>
+            <a:off x="883720" y="929692"/>
+            <a:ext cx="2236574" cy="317459"/>
           </a:xfrm>
           <a:prstGeom prst="rect">
             <a:avLst/>
@@ -3484,15 +4282,23 @@
           <a:lstStyle/>
           <a:p>
             <a:r>
-              <a:rPr lang="en-AU" dirty="0"/>
-              <a:t>Raw Video Feed (from </a:t>
-            </a:r>
-            <a:r>
-              <a:rPr lang="en-AU" dirty="0" err="1"/>
+              <a:rPr lang="en-AU" sz="1463" dirty="0"/>
+              <a:t>Raw </a:t>
+            </a:r>
+            <a:r>
+              <a:rPr lang="en-AU" sz="1463" b="1" dirty="0"/>
+              <a:t>Video Feed </a:t>
+            </a:r>
+            <a:r>
+              <a:rPr lang="en-AU" sz="1463" dirty="0"/>
+              <a:t>(from </a:t>
+            </a:r>
+            <a:r>
+              <a:rPr lang="en-AU" sz="1463" dirty="0" err="1"/>
               <a:t>Ib</a:t>
             </a:r>
             <a:r>
-              <a:rPr lang="en-AU" dirty="0"/>
+              <a:rPr lang="en-AU" sz="1463" dirty="0"/>
               <a:t>)</a:t>
             </a:r>
           </a:p>
@@ -3512,8 +4318,8 @@
         </p:nvSpPr>
         <p:spPr>
           <a:xfrm>
-            <a:off x="4286937" y="352928"/>
-            <a:ext cx="4406399" cy="369332"/>
+            <a:off x="3483138" y="929692"/>
+            <a:ext cx="3695627" cy="317459"/>
           </a:xfrm>
           <a:prstGeom prst="rect">
             <a:avLst/>
@@ -3527,8 +4333,16 @@
           <a:lstStyle/>
           <a:p>
             <a:r>
-              <a:rPr lang="en-AU" dirty="0"/>
-              <a:t>Outlines from colour masking (from Jack L)</a:t>
+              <a:rPr lang="en-AU" sz="1463" dirty="0"/>
+              <a:t>Outlines from </a:t>
+            </a:r>
+            <a:r>
+              <a:rPr lang="en-AU" sz="1463" b="1" dirty="0"/>
+              <a:t>colour masking</a:t>
+            </a:r>
+            <a:r>
+              <a:rPr lang="en-AU" sz="1463" dirty="0"/>
+              <a:t> (from Jack L)</a:t>
             </a:r>
           </a:p>
         </p:txBody>
@@ -3547,8 +4361,8 @@
         </p:nvSpPr>
         <p:spPr>
           <a:xfrm>
-            <a:off x="4536429" y="3894198"/>
-            <a:ext cx="4156907" cy="369332"/>
+            <a:off x="3685851" y="3806974"/>
+            <a:ext cx="3529171" cy="317459"/>
           </a:xfrm>
           <a:prstGeom prst="rect">
             <a:avLst/>
@@ -3562,8 +4376,16 @@
           <a:lstStyle/>
           <a:p>
             <a:r>
-              <a:rPr lang="en-AU" dirty="0"/>
-              <a:t>After perspective transform (from Bryce)</a:t>
+              <a:rPr lang="en-AU" sz="1463" dirty="0"/>
+              <a:t>After </a:t>
+            </a:r>
+            <a:r>
+              <a:rPr lang="en-AU" sz="1463" b="1" dirty="0"/>
+              <a:t>perspective transform </a:t>
+            </a:r>
+            <a:r>
+              <a:rPr lang="en-AU" sz="1463" dirty="0"/>
+              <a:t>(from Bryce)</a:t>
             </a:r>
           </a:p>
         </p:txBody>
@@ -3582,8 +4404,8 @@
         </p:nvSpPr>
         <p:spPr>
           <a:xfrm>
-            <a:off x="716239" y="4370126"/>
-            <a:ext cx="3199281" cy="646331"/>
+            <a:off x="581945" y="4193665"/>
+            <a:ext cx="2599416" cy="542584"/>
           </a:xfrm>
           <a:prstGeom prst="rect">
             <a:avLst/>
@@ -3597,7 +4419,7 @@
           <a:lstStyle/>
           <a:p>
             <a:r>
-              <a:rPr lang="en-AU" dirty="0"/>
+              <a:rPr lang="en-AU" sz="1463" dirty="0"/>
               <a:t>Empty space, just in case we need to add something else</a:t>
             </a:r>
           </a:p>
@@ -3619,8 +4441,8 @@
         </p:nvCxnSpPr>
         <p:spPr>
           <a:xfrm flipH="1" flipV="1">
-            <a:off x="5476776" y="1771048"/>
-            <a:ext cx="3434586" cy="444848"/>
+            <a:off x="4449881" y="2081914"/>
+            <a:ext cx="2790601" cy="361439"/>
           </a:xfrm>
           <a:prstGeom prst="straightConnector1">
             <a:avLst/>
@@ -3661,8 +4483,8 @@
         </p:nvSpPr>
         <p:spPr>
           <a:xfrm>
-            <a:off x="8989998" y="1993471"/>
-            <a:ext cx="2107932" cy="1169551"/>
+            <a:off x="7304373" y="2262635"/>
+            <a:ext cx="1712695" cy="967894"/>
           </a:xfrm>
           <a:prstGeom prst="rect">
             <a:avLst/>
@@ -3676,15 +4498,15 @@
           <a:lstStyle/>
           <a:p>
             <a:r>
-              <a:rPr lang="en-AU" sz="1400" dirty="0"/>
+              <a:rPr lang="en-AU" sz="1138" dirty="0"/>
               <a:t>The /</a:t>
             </a:r>
             <a:r>
-              <a:rPr lang="en-AU" sz="1400" dirty="0" err="1"/>
+              <a:rPr lang="en-AU" sz="1138" dirty="0" err="1"/>
               <a:t>example_code</a:t>
             </a:r>
             <a:r>
-              <a:rPr lang="en-AU" sz="1400" dirty="0"/>
+              <a:rPr lang="en-AU" sz="1138" dirty="0"/>
               <a:t> colour masking is bad, so this is the only correct outline marking the yellow line. LOL.</a:t>
             </a:r>
           </a:p>
@@ -3704,8 +4526,8 @@
         </p:nvSpPr>
         <p:spPr>
           <a:xfrm>
-            <a:off x="8862041" y="4263530"/>
-            <a:ext cx="2724953" cy="1384995"/>
+            <a:off x="7200411" y="4107057"/>
+            <a:ext cx="2214024" cy="1143005"/>
           </a:xfrm>
           <a:prstGeom prst="rect">
             <a:avLst/>
@@ -3719,16 +4541,16 @@
           <a:lstStyle/>
           <a:p>
             <a:r>
-              <a:rPr lang="en-AU" sz="1400" dirty="0"/>
+              <a:rPr lang="en-AU" sz="1138" dirty="0"/>
               <a:t>The gap is the black scribble from the video to simulate imperfect camera capture of the yellow line.</a:t>
             </a:r>
           </a:p>
           <a:p>
-            <a:endParaRPr lang="en-AU" sz="1400" dirty="0"/>
-          </a:p>
-          <a:p>
-            <a:r>
-              <a:rPr lang="en-AU" sz="1400" dirty="0"/>
+            <a:endParaRPr lang="en-AU" sz="1138" dirty="0"/>
+          </a:p>
+          <a:p>
+            <a:r>
+              <a:rPr lang="en-AU" sz="1138" dirty="0"/>
               <a:t>Ignore the green line</a:t>
             </a:r>
           </a:p>
@@ -3750,8 +4572,8 @@
         </p:nvCxnSpPr>
         <p:spPr>
           <a:xfrm flipH="1">
-            <a:off x="7392202" y="4469513"/>
-            <a:ext cx="1557656" cy="1093889"/>
+            <a:off x="6006164" y="4274419"/>
+            <a:ext cx="1265596" cy="888785"/>
           </a:xfrm>
           <a:prstGeom prst="straightConnector1">
             <a:avLst/>
@@ -3792,8 +4614,8 @@
         </p:nvSpPr>
         <p:spPr>
           <a:xfrm rot="17605011">
-            <a:off x="4926144" y="5597082"/>
-            <a:ext cx="734333" cy="249658"/>
+            <a:off x="4002494" y="5190567"/>
+            <a:ext cx="596646" cy="202847"/>
           </a:xfrm>
           <a:prstGeom prst="rightArrow">
             <a:avLst/>
@@ -3820,7 +4642,7 @@
           <a:lstStyle/>
           <a:p>
             <a:pPr algn="ctr"/>
-            <a:endParaRPr lang="en-AU"/>
+            <a:endParaRPr lang="en-AU" sz="1463"/>
           </a:p>
         </p:txBody>
       </p:sp>
@@ -3838,8 +4660,8 @@
         </p:nvSpPr>
         <p:spPr>
           <a:xfrm>
-            <a:off x="5341206" y="5830250"/>
-            <a:ext cx="1260909" cy="646331"/>
+            <a:off x="4339732" y="5380017"/>
+            <a:ext cx="1024489" cy="542584"/>
           </a:xfrm>
           <a:prstGeom prst="rect">
             <a:avLst/>
@@ -3853,7 +4675,7 @@
           <a:lstStyle/>
           <a:p>
             <a:r>
-              <a:rPr lang="en-AU" dirty="0">
+              <a:rPr lang="en-AU" sz="1463" dirty="0">
                 <a:solidFill>
                   <a:srgbClr val="00B050"/>
                 </a:solidFill>
@@ -3863,7 +4685,7 @@
           </a:p>
           <a:p>
             <a:r>
-              <a:rPr lang="en-AU" dirty="0">
+              <a:rPr lang="en-AU" sz="1463" dirty="0">
                 <a:solidFill>
                   <a:srgbClr val="00B050"/>
                 </a:solidFill>
@@ -3887,8 +4709,8 @@
         </p:nvSpPr>
         <p:spPr>
           <a:xfrm>
-            <a:off x="0" y="5290228"/>
-            <a:ext cx="4297925" cy="1569660"/>
+            <a:off x="0" y="4941248"/>
+            <a:ext cx="3492064" cy="1292662"/>
           </a:xfrm>
           <a:prstGeom prst="rect">
             <a:avLst/>
@@ -3902,8 +4724,16 @@
           <a:lstStyle/>
           <a:p>
             <a:r>
-              <a:rPr lang="en-AU" sz="1600" dirty="0"/>
-              <a:t>The arrow indicate the direction the path planner tells the car to drive in. Its length represents the speed. Car is at the base of the arrow. Needs text annotation showing direction and speed in PWM. Negative degree is turn right, and positive degree is turn left.</a:t>
+              <a:rPr lang="en-AU" sz="1300" dirty="0"/>
+              <a:t>The arrow indicate the direction the </a:t>
+            </a:r>
+            <a:r>
+              <a:rPr lang="en-AU" sz="1300" b="1" dirty="0"/>
+              <a:t>path planner</a:t>
+            </a:r>
+            <a:r>
+              <a:rPr lang="en-AU" sz="1300" dirty="0"/>
+              <a:t> tells the car to drive in. Its length represents the speed. Car is at the base of the arrow. Needs text annotation showing direction and speed in PWM. Negative degree is turn right, and positive degree is turn left.</a:t>
             </a:r>
           </a:p>
         </p:txBody>
@@ -3924,8 +4754,8 @@
         </p:nvCxnSpPr>
         <p:spPr>
           <a:xfrm flipV="1">
-            <a:off x="4159619" y="5721911"/>
-            <a:ext cx="1007553" cy="303393"/>
+            <a:off x="3379692" y="5291992"/>
+            <a:ext cx="818637" cy="246507"/>
           </a:xfrm>
           <a:prstGeom prst="straightConnector1">
             <a:avLst/>
@@ -3952,6 +4782,41 @@
           </a:fontRef>
         </p:style>
       </p:cxnSp>
+      <p:sp>
+        <p:nvSpPr>
+          <p:cNvPr id="4" name="TextBox 3">
+            <a:extLst>
+              <a:ext uri="{FF2B5EF4-FFF2-40B4-BE49-F238E27FC236}">
+                <a16:creationId xmlns:a16="http://schemas.microsoft.com/office/drawing/2014/main" id="{CC9B048E-2685-2AF5-A714-7AD8CE7C3B21}"/>
+              </a:ext>
+            </a:extLst>
+          </p:cNvPr>
+          <p:cNvSpPr txBox="1"/>
+          <p:nvPr/>
+        </p:nvSpPr>
+        <p:spPr>
+          <a:xfrm>
+            <a:off x="2614596" y="139918"/>
+            <a:ext cx="2142510" cy="584775"/>
+          </a:xfrm>
+          <a:prstGeom prst="rect">
+            <a:avLst/>
+          </a:prstGeom>
+          <a:noFill/>
+        </p:spPr>
+        <p:txBody>
+          <a:bodyPr wrap="none" rtlCol="0">
+            <a:spAutoFit/>
+          </a:bodyPr>
+          <a:lstStyle/>
+          <a:p>
+            <a:r>
+              <a:rPr lang="en-US" sz="3200" dirty="0"/>
+              <a:t>GUI Layout</a:t>
+            </a:r>
+          </a:p>
+        </p:txBody>
+      </p:sp>
     </p:spTree>
     <p:extLst>
       <p:ext uri="{BB962C8B-B14F-4D97-AF65-F5344CB8AC3E}">
@@ -3968,7 +4833,7 @@
 <file path=ppt/theme/theme1.xml><?xml version="1.0" encoding="utf-8"?>
 <a:theme xmlns:a="http://schemas.openxmlformats.org/drawingml/2006/main" name="Office Theme">
   <a:themeElements>
-    <a:clrScheme name="Office">
+    <a:clrScheme name="Office Theme">
       <a:dk1>
         <a:sysClr val="windowText" lastClr="000000"/>
       </a:dk1>
@@ -4006,7 +4871,7 @@
         <a:srgbClr val="96607D"/>
       </a:folHlink>
     </a:clrScheme>
-    <a:fontScheme name="Office">
+    <a:fontScheme name="Office Theme">
       <a:majorFont>
         <a:latin typeface="Aptos Display" panose="02110004020202020204"/>
         <a:ea typeface=""/>
@@ -4112,7 +4977,7 @@
         <a:font script="Tfng" typeface="Ebrima"/>
       </a:minorFont>
     </a:fontScheme>
-    <a:fmtScheme name="Office">
+    <a:fmtScheme name="Office Theme">
       <a:fillStyleLst>
         <a:solidFill>
           <a:schemeClr val="phClr"/>

--- a/documentations/imageMaker.pptx
+++ b/documentations/imageMaker.pptx
@@ -5,8 +5,9 @@
     <p:sldMasterId id="2147483660" r:id="rId1"/>
   </p:sldMasterIdLst>
   <p:sldIdLst>
-    <p:sldId id="258" r:id="rId2"/>
-    <p:sldId id="257" r:id="rId3"/>
+    <p:sldId id="259" r:id="rId2"/>
+    <p:sldId id="258" r:id="rId3"/>
+    <p:sldId id="257" r:id="rId4"/>
   </p:sldIdLst>
   <p:sldSz cx="9906000" cy="6858000" type="A4"/>
   <p:notesSz cx="6858000" cy="9144000"/>
@@ -244,7 +245,7 @@
           <a:p>
             <a:fld id="{4BC6EA22-CCE4-4220-8B4C-68A9C409F945}" type="datetimeFigureOut">
               <a:rPr lang="en-AU" smtClean="0"/>
-              <a:t>15/6/2024</a:t>
+              <a:t>26/11/2024</a:t>
             </a:fld>
             <a:endParaRPr lang="en-AU"/>
           </a:p>
@@ -414,7 +415,7 @@
           <a:p>
             <a:fld id="{4BC6EA22-CCE4-4220-8B4C-68A9C409F945}" type="datetimeFigureOut">
               <a:rPr lang="en-AU" smtClean="0"/>
-              <a:t>15/6/2024</a:t>
+              <a:t>26/11/2024</a:t>
             </a:fld>
             <a:endParaRPr lang="en-AU"/>
           </a:p>
@@ -594,7 +595,7 @@
           <a:p>
             <a:fld id="{4BC6EA22-CCE4-4220-8B4C-68A9C409F945}" type="datetimeFigureOut">
               <a:rPr lang="en-AU" smtClean="0"/>
-              <a:t>15/6/2024</a:t>
+              <a:t>26/11/2024</a:t>
             </a:fld>
             <a:endParaRPr lang="en-AU"/>
           </a:p>
@@ -764,7 +765,7 @@
           <a:p>
             <a:fld id="{4BC6EA22-CCE4-4220-8B4C-68A9C409F945}" type="datetimeFigureOut">
               <a:rPr lang="en-AU" smtClean="0"/>
-              <a:t>15/6/2024</a:t>
+              <a:t>26/11/2024</a:t>
             </a:fld>
             <a:endParaRPr lang="en-AU"/>
           </a:p>
@@ -1010,7 +1011,7 @@
           <a:p>
             <a:fld id="{4BC6EA22-CCE4-4220-8B4C-68A9C409F945}" type="datetimeFigureOut">
               <a:rPr lang="en-AU" smtClean="0"/>
-              <a:t>15/6/2024</a:t>
+              <a:t>26/11/2024</a:t>
             </a:fld>
             <a:endParaRPr lang="en-AU"/>
           </a:p>
@@ -1242,7 +1243,7 @@
           <a:p>
             <a:fld id="{4BC6EA22-CCE4-4220-8B4C-68A9C409F945}" type="datetimeFigureOut">
               <a:rPr lang="en-AU" smtClean="0"/>
-              <a:t>15/6/2024</a:t>
+              <a:t>26/11/2024</a:t>
             </a:fld>
             <a:endParaRPr lang="en-AU"/>
           </a:p>
@@ -1609,7 +1610,7 @@
           <a:p>
             <a:fld id="{4BC6EA22-CCE4-4220-8B4C-68A9C409F945}" type="datetimeFigureOut">
               <a:rPr lang="en-AU" smtClean="0"/>
-              <a:t>15/6/2024</a:t>
+              <a:t>26/11/2024</a:t>
             </a:fld>
             <a:endParaRPr lang="en-AU"/>
           </a:p>
@@ -1727,7 +1728,7 @@
           <a:p>
             <a:fld id="{4BC6EA22-CCE4-4220-8B4C-68A9C409F945}" type="datetimeFigureOut">
               <a:rPr lang="en-AU" smtClean="0"/>
-              <a:t>15/6/2024</a:t>
+              <a:t>26/11/2024</a:t>
             </a:fld>
             <a:endParaRPr lang="en-AU"/>
           </a:p>
@@ -1822,7 +1823,7 @@
           <a:p>
             <a:fld id="{4BC6EA22-CCE4-4220-8B4C-68A9C409F945}" type="datetimeFigureOut">
               <a:rPr lang="en-AU" smtClean="0"/>
-              <a:t>15/6/2024</a:t>
+              <a:t>26/11/2024</a:t>
             </a:fld>
             <a:endParaRPr lang="en-AU"/>
           </a:p>
@@ -2099,7 +2100,7 @@
           <a:p>
             <a:fld id="{4BC6EA22-CCE4-4220-8B4C-68A9C409F945}" type="datetimeFigureOut">
               <a:rPr lang="en-AU" smtClean="0"/>
-              <a:t>15/6/2024</a:t>
+              <a:t>26/11/2024</a:t>
             </a:fld>
             <a:endParaRPr lang="en-AU"/>
           </a:p>
@@ -2356,7 +2357,7 @@
           <a:p>
             <a:fld id="{4BC6EA22-CCE4-4220-8B4C-68A9C409F945}" type="datetimeFigureOut">
               <a:rPr lang="en-AU" smtClean="0"/>
-              <a:t>15/6/2024</a:t>
+              <a:t>26/11/2024</a:t>
             </a:fld>
             <a:endParaRPr lang="en-AU"/>
           </a:p>
@@ -2569,7 +2570,7 @@
           <a:p>
             <a:fld id="{4BC6EA22-CCE4-4220-8B4C-68A9C409F945}" type="datetimeFigureOut">
               <a:rPr lang="en-AU" smtClean="0"/>
-              <a:t>15/6/2024</a:t>
+              <a:t>26/11/2024</a:t>
             </a:fld>
             <a:endParaRPr lang="en-AU"/>
           </a:p>
@@ -2974,54 +2975,12 @@
           <a:chExt cx="0" cy="0"/>
         </a:xfrm>
       </p:grpSpPr>
-      <p:cxnSp>
-        <p:nvCxnSpPr>
-          <p:cNvPr id="36" name="Straight Connector 35">
+      <p:sp>
+        <p:nvSpPr>
+          <p:cNvPr id="2" name="Oval 1">
             <a:extLst>
               <a:ext uri="{FF2B5EF4-FFF2-40B4-BE49-F238E27FC236}">
-                <a16:creationId xmlns:a16="http://schemas.microsoft.com/office/drawing/2014/main" id="{88FE6EE9-02B2-C074-0545-CB8D4C5B331D}"/>
-              </a:ext>
-            </a:extLst>
-          </p:cNvPr>
-          <p:cNvCxnSpPr/>
-          <p:nvPr/>
-        </p:nvCxnSpPr>
-        <p:spPr>
-          <a:xfrm>
-            <a:off x="3106232" y="1046819"/>
-            <a:ext cx="0" cy="3855308"/>
-          </a:xfrm>
-          <a:prstGeom prst="line">
-            <a:avLst/>
-          </a:prstGeom>
-          <a:ln w="76200">
-            <a:solidFill>
-              <a:srgbClr val="00B050"/>
-            </a:solidFill>
-            <a:prstDash val="lgDash"/>
-          </a:ln>
-        </p:spPr>
-        <p:style>
-          <a:lnRef idx="2">
-            <a:schemeClr val="accent1"/>
-          </a:lnRef>
-          <a:fillRef idx="0">
-            <a:schemeClr val="accent1"/>
-          </a:fillRef>
-          <a:effectRef idx="1">
-            <a:schemeClr val="accent1"/>
-          </a:effectRef>
-          <a:fontRef idx="minor">
-            <a:schemeClr val="tx1"/>
-          </a:fontRef>
-        </p:style>
-      </p:cxnSp>
-      <p:sp>
-        <p:nvSpPr>
-          <p:cNvPr id="2" name="Rectangle 1">
-            <a:extLst>
-              <a:ext uri="{FF2B5EF4-FFF2-40B4-BE49-F238E27FC236}">
-                <a16:creationId xmlns:a16="http://schemas.microsoft.com/office/drawing/2014/main" id="{C024CF45-75D7-B54F-7086-284695C7A82B}"/>
+                <a16:creationId xmlns:a16="http://schemas.microsoft.com/office/drawing/2014/main" id="{9FD57B1D-60D8-7230-9B64-B8DBB1E1D8FD}"/>
               </a:ext>
             </a:extLst>
           </p:cNvPr>
@@ -3030,13 +2989,15 @@
         </p:nvSpPr>
         <p:spPr>
           <a:xfrm>
-            <a:off x="417090" y="1136033"/>
-            <a:ext cx="1714500" cy="965200"/>
-          </a:xfrm>
-          <a:prstGeom prst="rect">
+            <a:off x="1573696" y="4757529"/>
+            <a:ext cx="397566" cy="424069"/>
+          </a:xfrm>
+          <a:prstGeom prst="ellipse">
             <a:avLst/>
           </a:prstGeom>
-          <a:noFill/>
+          <a:solidFill>
+            <a:schemeClr val="accent2"/>
+          </a:solidFill>
         </p:spPr>
         <p:style>
           <a:lnRef idx="2">
@@ -3059,34 +3020,16 @@
           <a:lstStyle/>
           <a:p>
             <a:pPr algn="ctr"/>
-            <a:r>
-              <a:rPr lang="en-AU" dirty="0">
-                <a:solidFill>
-                  <a:schemeClr val="tx1"/>
-                </a:solidFill>
-              </a:rPr>
-              <a:t>Phone</a:t>
-            </a:r>
-          </a:p>
-          <a:p>
-            <a:pPr algn="ctr"/>
-            <a:r>
-              <a:rPr lang="en-AU" sz="1200" dirty="0">
-                <a:solidFill>
-                  <a:schemeClr val="tx1"/>
-                </a:solidFill>
-              </a:rPr>
-              <a:t>Video feed</a:t>
-            </a:r>
-          </a:p>
-        </p:txBody>
-      </p:sp>
-      <p:sp>
-        <p:nvSpPr>
-          <p:cNvPr id="3" name="Rectangle 2">
+            <a:endParaRPr lang="en-AU"/>
+          </a:p>
+        </p:txBody>
+      </p:sp>
+      <p:sp>
+        <p:nvSpPr>
+          <p:cNvPr id="3" name="Oval 2">
             <a:extLst>
               <a:ext uri="{FF2B5EF4-FFF2-40B4-BE49-F238E27FC236}">
-                <a16:creationId xmlns:a16="http://schemas.microsoft.com/office/drawing/2014/main" id="{4C60DA63-4E1B-818D-DDDF-7E58127C9E3B}"/>
+                <a16:creationId xmlns:a16="http://schemas.microsoft.com/office/drawing/2014/main" id="{2959E88F-75AB-C062-59B5-121C3D8EC4CF}"/>
               </a:ext>
             </a:extLst>
           </p:cNvPr>
@@ -3095,13 +3038,12 @@
         </p:nvSpPr>
         <p:spPr>
           <a:xfrm>
-            <a:off x="7465419" y="3189666"/>
-            <a:ext cx="1714500" cy="965200"/>
-          </a:xfrm>
-          <a:prstGeom prst="rect">
+            <a:off x="3051313" y="4757530"/>
+            <a:ext cx="397566" cy="424069"/>
+          </a:xfrm>
+          <a:prstGeom prst="ellipse">
             <a:avLst/>
           </a:prstGeom>
-          <a:noFill/>
         </p:spPr>
         <p:style>
           <a:lnRef idx="2">
@@ -3124,45 +3066,16 @@
           <a:lstStyle/>
           <a:p>
             <a:pPr algn="ctr"/>
-            <a:r>
-              <a:rPr lang="en-AU" dirty="0">
-                <a:solidFill>
-                  <a:schemeClr val="tx1"/>
-                </a:solidFill>
-              </a:rPr>
-              <a:t>Path Planner</a:t>
-            </a:r>
-          </a:p>
-          <a:p>
-            <a:pPr algn="ctr"/>
-            <a:r>
-              <a:rPr lang="en-AU" sz="1200" dirty="0">
-                <a:solidFill>
-                  <a:schemeClr val="tx1"/>
-                </a:solidFill>
-              </a:rPr>
-              <a:t>(direction, speed)</a:t>
-            </a:r>
-          </a:p>
-          <a:p>
-            <a:pPr algn="ctr"/>
-            <a:r>
-              <a:rPr lang="en-AU" sz="1200" dirty="0">
-                <a:solidFill>
-                  <a:schemeClr val="tx1"/>
-                </a:solidFill>
-              </a:rPr>
-              <a:t>everyone</a:t>
-            </a:r>
-          </a:p>
-        </p:txBody>
-      </p:sp>
-      <p:sp>
-        <p:nvSpPr>
-          <p:cNvPr id="4" name="Rectangle 3">
+            <a:endParaRPr lang="en-AU"/>
+          </a:p>
+        </p:txBody>
+      </p:sp>
+      <p:sp>
+        <p:nvSpPr>
+          <p:cNvPr id="4" name="Oval 3">
             <a:extLst>
               <a:ext uri="{FF2B5EF4-FFF2-40B4-BE49-F238E27FC236}">
-                <a16:creationId xmlns:a16="http://schemas.microsoft.com/office/drawing/2014/main" id="{0C005588-925B-0C62-35A8-31CE442FFB20}"/>
+                <a16:creationId xmlns:a16="http://schemas.microsoft.com/office/drawing/2014/main" id="{125C65D9-2612-9B7E-6B5E-262EAA155EB6}"/>
               </a:ext>
             </a:extLst>
           </p:cNvPr>
@@ -3171,13 +3084,12 @@
         </p:nvSpPr>
         <p:spPr>
           <a:xfrm>
-            <a:off x="4021659" y="1151539"/>
-            <a:ext cx="2065638" cy="965200"/>
-          </a:xfrm>
-          <a:prstGeom prst="rect">
+            <a:off x="3051313" y="2736572"/>
+            <a:ext cx="397566" cy="424069"/>
+          </a:xfrm>
+          <a:prstGeom prst="ellipse">
             <a:avLst/>
           </a:prstGeom>
-          <a:noFill/>
         </p:spPr>
         <p:style>
           <a:lnRef idx="2">
@@ -3200,58 +3112,16 @@
           <a:lstStyle/>
           <a:p>
             <a:pPr algn="ctr"/>
-            <a:r>
-              <a:rPr lang="en-AU" dirty="0">
-                <a:solidFill>
-                  <a:schemeClr val="tx1"/>
-                </a:solidFill>
-              </a:rPr>
-              <a:t>Colour Mask</a:t>
-            </a:r>
-          </a:p>
-          <a:p>
-            <a:pPr algn="ctr"/>
-            <a:r>
-              <a:rPr lang="en-AU" sz="1200" dirty="0">
-                <a:solidFill>
-                  <a:schemeClr val="tx1"/>
-                </a:solidFill>
-              </a:rPr>
-              <a:t>Output: 3 sets of </a:t>
-            </a:r>
-            <a:r>
-              <a:rPr lang="en-AU" sz="1200" dirty="0" err="1">
-                <a:solidFill>
-                  <a:schemeClr val="tx1"/>
-                </a:solidFill>
-              </a:rPr>
-              <a:t>np.array</a:t>
-            </a:r>
-            <a:endParaRPr lang="en-AU" sz="1200" dirty="0">
-              <a:solidFill>
-                <a:schemeClr val="tx1"/>
-              </a:solidFill>
-            </a:endParaRPr>
-          </a:p>
-          <a:p>
-            <a:pPr algn="ctr"/>
-            <a:r>
-              <a:rPr lang="en-AU" sz="1200" dirty="0">
-                <a:solidFill>
-                  <a:schemeClr val="tx1"/>
-                </a:solidFill>
-              </a:rPr>
-              <a:t>Who: Jack lord</a:t>
-            </a:r>
-          </a:p>
-        </p:txBody>
-      </p:sp>
-      <p:sp>
-        <p:nvSpPr>
-          <p:cNvPr id="5" name="Rectangle 4">
+            <a:endParaRPr lang="en-AU"/>
+          </a:p>
+        </p:txBody>
+      </p:sp>
+      <p:sp>
+        <p:nvSpPr>
+          <p:cNvPr id="5" name="Oval 4">
             <a:extLst>
               <a:ext uri="{FF2B5EF4-FFF2-40B4-BE49-F238E27FC236}">
-                <a16:creationId xmlns:a16="http://schemas.microsoft.com/office/drawing/2014/main" id="{7B3B57CF-C397-B4E0-EB9B-C1B3C0972444}"/>
+                <a16:creationId xmlns:a16="http://schemas.microsoft.com/office/drawing/2014/main" id="{C0DCFD63-9C38-E024-3E11-4E22B790696F}"/>
               </a:ext>
             </a:extLst>
           </p:cNvPr>
@@ -3260,13 +3130,15 @@
         </p:nvSpPr>
         <p:spPr>
           <a:xfrm>
-            <a:off x="7036794" y="1151539"/>
-            <a:ext cx="2571750" cy="965200"/>
-          </a:xfrm>
-          <a:prstGeom prst="rect">
+            <a:off x="1547192" y="2736572"/>
+            <a:ext cx="397566" cy="424069"/>
+          </a:xfrm>
+          <a:prstGeom prst="ellipse">
             <a:avLst/>
           </a:prstGeom>
-          <a:noFill/>
+          <a:solidFill>
+            <a:schemeClr val="accent2"/>
+          </a:solidFill>
         </p:spPr>
         <p:style>
           <a:lnRef idx="2">
@@ -3289,58 +3161,16 @@
           <a:lstStyle/>
           <a:p>
             <a:pPr algn="ctr"/>
-            <a:r>
-              <a:rPr lang="en-AU" dirty="0">
-                <a:solidFill>
-                  <a:schemeClr val="tx1"/>
-                </a:solidFill>
-              </a:rPr>
-              <a:t>Perspective Transform</a:t>
-            </a:r>
-          </a:p>
-          <a:p>
-            <a:pPr algn="ctr"/>
-            <a:r>
-              <a:rPr lang="en-AU" sz="1200" dirty="0">
-                <a:solidFill>
-                  <a:schemeClr val="tx1"/>
-                </a:solidFill>
-              </a:rPr>
-              <a:t>3 sets of </a:t>
-            </a:r>
-            <a:r>
-              <a:rPr lang="en-AU" sz="1200" dirty="0" err="1">
-                <a:solidFill>
-                  <a:schemeClr val="tx1"/>
-                </a:solidFill>
-              </a:rPr>
-              <a:t>np.array</a:t>
-            </a:r>
-            <a:endParaRPr lang="en-AU" sz="1200" dirty="0">
-              <a:solidFill>
-                <a:schemeClr val="tx1"/>
-              </a:solidFill>
-            </a:endParaRPr>
-          </a:p>
-          <a:p>
-            <a:pPr algn="ctr"/>
-            <a:r>
-              <a:rPr lang="en-AU" sz="1200" dirty="0">
-                <a:solidFill>
-                  <a:schemeClr val="tx1"/>
-                </a:solidFill>
-              </a:rPr>
-              <a:t>Bryce</a:t>
-            </a:r>
-          </a:p>
-        </p:txBody>
-      </p:sp>
-      <p:sp>
-        <p:nvSpPr>
-          <p:cNvPr id="6" name="Rectangle 5">
+            <a:endParaRPr lang="en-AU"/>
+          </a:p>
+        </p:txBody>
+      </p:sp>
+      <p:sp>
+        <p:nvSpPr>
+          <p:cNvPr id="6" name="Oval 5">
             <a:extLst>
               <a:ext uri="{FF2B5EF4-FFF2-40B4-BE49-F238E27FC236}">
-                <a16:creationId xmlns:a16="http://schemas.microsoft.com/office/drawing/2014/main" id="{83ED7587-1177-1C38-4B4B-7980CCDB65C8}"/>
+                <a16:creationId xmlns:a16="http://schemas.microsoft.com/office/drawing/2014/main" id="{4EACFF69-20A7-35C6-B6F5-FE50EEDD1BD1}"/>
               </a:ext>
             </a:extLst>
           </p:cNvPr>
@@ -3349,13 +3179,15 @@
         </p:nvSpPr>
         <p:spPr>
           <a:xfrm>
-            <a:off x="3870330" y="3191777"/>
-            <a:ext cx="1714500" cy="965200"/>
-          </a:xfrm>
-          <a:prstGeom prst="rect">
+            <a:off x="3051313" y="288158"/>
+            <a:ext cx="397566" cy="424069"/>
+          </a:xfrm>
+          <a:prstGeom prst="ellipse">
             <a:avLst/>
           </a:prstGeom>
-          <a:noFill/>
+          <a:solidFill>
+            <a:schemeClr val="accent2"/>
+          </a:solidFill>
         </p:spPr>
         <p:style>
           <a:lnRef idx="2">
@@ -3378,45 +3210,16 @@
           <a:lstStyle/>
           <a:p>
             <a:pPr algn="ctr"/>
-            <a:r>
-              <a:rPr lang="en-AU" dirty="0">
-                <a:solidFill>
-                  <a:schemeClr val="tx1"/>
-                </a:solidFill>
-              </a:rPr>
-              <a:t>UART Thread</a:t>
-            </a:r>
-          </a:p>
-          <a:p>
-            <a:pPr algn="ctr"/>
-            <a:r>
-              <a:rPr lang="en-AU" sz="1200" dirty="0">
-                <a:solidFill>
-                  <a:schemeClr val="tx1"/>
-                </a:solidFill>
-              </a:rPr>
-              <a:t>String</a:t>
-            </a:r>
-          </a:p>
-          <a:p>
-            <a:pPr algn="ctr"/>
-            <a:r>
-              <a:rPr lang="en-AU" sz="1200" dirty="0">
-                <a:solidFill>
-                  <a:schemeClr val="tx1"/>
-                </a:solidFill>
-              </a:rPr>
-              <a:t>Jack Zhang</a:t>
-            </a:r>
-          </a:p>
-        </p:txBody>
-      </p:sp>
-      <p:sp>
-        <p:nvSpPr>
-          <p:cNvPr id="7" name="Rectangle 6">
+            <a:endParaRPr lang="en-AU"/>
+          </a:p>
+        </p:txBody>
+      </p:sp>
+      <p:sp>
+        <p:nvSpPr>
+          <p:cNvPr id="7" name="Oval 6">
             <a:extLst>
               <a:ext uri="{FF2B5EF4-FFF2-40B4-BE49-F238E27FC236}">
-                <a16:creationId xmlns:a16="http://schemas.microsoft.com/office/drawing/2014/main" id="{27D40B13-F823-A5AE-5DC7-7FCEE3A60148}"/>
+                <a16:creationId xmlns:a16="http://schemas.microsoft.com/office/drawing/2014/main" id="{EF73F9AE-FF27-1200-40C7-4FD9FCC5F69F}"/>
               </a:ext>
             </a:extLst>
           </p:cNvPr>
@@ -3425,13 +3228,15 @@
         </p:nvSpPr>
         <p:spPr>
           <a:xfrm>
-            <a:off x="427345" y="3200015"/>
-            <a:ext cx="1714500" cy="965200"/>
-          </a:xfrm>
-          <a:prstGeom prst="rect">
+            <a:off x="4555434" y="2736571"/>
+            <a:ext cx="397566" cy="424069"/>
+          </a:xfrm>
+          <a:prstGeom prst="ellipse">
             <a:avLst/>
           </a:prstGeom>
-          <a:noFill/>
+          <a:solidFill>
+            <a:schemeClr val="accent2"/>
+          </a:solidFill>
         </p:spPr>
         <p:style>
           <a:lnRef idx="2">
@@ -3454,45 +3259,174 @@
           <a:lstStyle/>
           <a:p>
             <a:pPr algn="ctr"/>
-            <a:r>
-              <a:rPr lang="en-AU" dirty="0">
-                <a:solidFill>
-                  <a:schemeClr val="tx1"/>
-                </a:solidFill>
-              </a:rPr>
-              <a:t>Car Control</a:t>
-            </a:r>
-          </a:p>
-          <a:p>
-            <a:pPr algn="ctr"/>
-            <a:r>
-              <a:rPr lang="en-AU" sz="1200" dirty="0">
-                <a:solidFill>
-                  <a:schemeClr val="tx1"/>
-                </a:solidFill>
-              </a:rPr>
-              <a:t>Steers the car</a:t>
-            </a:r>
-          </a:p>
-          <a:p>
-            <a:pPr algn="ctr"/>
-            <a:r>
-              <a:rPr lang="en-AU" sz="1200" dirty="0">
-                <a:solidFill>
-                  <a:schemeClr val="tx1"/>
-                </a:solidFill>
-              </a:rPr>
-              <a:t>Jack Zhang</a:t>
-            </a:r>
-          </a:p>
-        </p:txBody>
-      </p:sp>
-      <p:sp>
-        <p:nvSpPr>
-          <p:cNvPr id="8" name="TextBox 7">
+            <a:endParaRPr lang="en-AU"/>
+          </a:p>
+        </p:txBody>
+      </p:sp>
+      <p:sp>
+        <p:nvSpPr>
+          <p:cNvPr id="8" name="Oval 7">
             <a:extLst>
               <a:ext uri="{FF2B5EF4-FFF2-40B4-BE49-F238E27FC236}">
-                <a16:creationId xmlns:a16="http://schemas.microsoft.com/office/drawing/2014/main" id="{AC73690C-A65E-50B6-2BAB-8387DCBDD60F}"/>
+                <a16:creationId xmlns:a16="http://schemas.microsoft.com/office/drawing/2014/main" id="{FFD26F8F-7DAC-8121-BE69-2F7C58ADD84A}"/>
+              </a:ext>
+            </a:extLst>
+          </p:cNvPr>
+          <p:cNvSpPr/>
+          <p:nvPr/>
+        </p:nvSpPr>
+        <p:spPr>
+          <a:xfrm>
+            <a:off x="4555434" y="4757528"/>
+            <a:ext cx="397566" cy="424069"/>
+          </a:xfrm>
+          <a:prstGeom prst="ellipse">
+            <a:avLst/>
+          </a:prstGeom>
+          <a:solidFill>
+            <a:schemeClr val="accent2"/>
+          </a:solidFill>
+        </p:spPr>
+        <p:style>
+          <a:lnRef idx="2">
+            <a:schemeClr val="accent1">
+              <a:shade val="15000"/>
+            </a:schemeClr>
+          </a:lnRef>
+          <a:fillRef idx="1">
+            <a:schemeClr val="accent1"/>
+          </a:fillRef>
+          <a:effectRef idx="0">
+            <a:schemeClr val="accent1"/>
+          </a:effectRef>
+          <a:fontRef idx="minor">
+            <a:schemeClr val="lt1"/>
+          </a:fontRef>
+        </p:style>
+        <p:txBody>
+          <a:bodyPr rtlCol="0" anchor="ctr"/>
+          <a:lstStyle/>
+          <a:p>
+            <a:pPr algn="ctr"/>
+            <a:endParaRPr lang="en-AU"/>
+          </a:p>
+        </p:txBody>
+      </p:sp>
+      <p:sp>
+        <p:nvSpPr>
+          <p:cNvPr id="9" name="Oval 8">
+            <a:extLst>
+              <a:ext uri="{FF2B5EF4-FFF2-40B4-BE49-F238E27FC236}">
+                <a16:creationId xmlns:a16="http://schemas.microsoft.com/office/drawing/2014/main" id="{38443B23-67DB-96E0-5252-FD134E9214DE}"/>
+              </a:ext>
+            </a:extLst>
+          </p:cNvPr>
+          <p:cNvSpPr/>
+          <p:nvPr/>
+        </p:nvSpPr>
+        <p:spPr>
+          <a:xfrm>
+            <a:off x="4157868" y="1139683"/>
+            <a:ext cx="397566" cy="424069"/>
+          </a:xfrm>
+          <a:prstGeom prst="ellipse">
+            <a:avLst/>
+          </a:prstGeom>
+          <a:solidFill>
+            <a:schemeClr val="accent2"/>
+          </a:solidFill>
+        </p:spPr>
+        <p:style>
+          <a:lnRef idx="2">
+            <a:schemeClr val="accent1">
+              <a:shade val="15000"/>
+            </a:schemeClr>
+          </a:lnRef>
+          <a:fillRef idx="1">
+            <a:schemeClr val="accent1"/>
+          </a:fillRef>
+          <a:effectRef idx="0">
+            <a:schemeClr val="accent1"/>
+          </a:effectRef>
+          <a:fontRef idx="minor">
+            <a:schemeClr val="lt1"/>
+          </a:fontRef>
+        </p:style>
+        <p:txBody>
+          <a:bodyPr rtlCol="0" anchor="ctr"/>
+          <a:lstStyle/>
+          <a:p>
+            <a:pPr algn="ctr"/>
+            <a:endParaRPr lang="en-AU"/>
+          </a:p>
+        </p:txBody>
+      </p:sp>
+      <p:sp>
+        <p:nvSpPr>
+          <p:cNvPr id="10" name="Oval 9">
+            <a:extLst>
+              <a:ext uri="{FF2B5EF4-FFF2-40B4-BE49-F238E27FC236}">
+                <a16:creationId xmlns:a16="http://schemas.microsoft.com/office/drawing/2014/main" id="{02C33D74-968B-04CF-A7DB-970C5C732F3D}"/>
+              </a:ext>
+            </a:extLst>
+          </p:cNvPr>
+          <p:cNvSpPr/>
+          <p:nvPr/>
+        </p:nvSpPr>
+        <p:spPr>
+          <a:xfrm>
+            <a:off x="1984514" y="1139683"/>
+            <a:ext cx="397566" cy="424069"/>
+          </a:xfrm>
+          <a:prstGeom prst="ellipse">
+            <a:avLst/>
+          </a:prstGeom>
+          <a:solidFill>
+            <a:schemeClr val="accent2">
+              <a:lumMod val="40000"/>
+              <a:lumOff val="60000"/>
+            </a:schemeClr>
+          </a:solidFill>
+          <a:ln>
+            <a:solidFill>
+              <a:schemeClr val="accent2">
+                <a:lumMod val="60000"/>
+                <a:lumOff val="40000"/>
+              </a:schemeClr>
+            </a:solidFill>
+          </a:ln>
+        </p:spPr>
+        <p:style>
+          <a:lnRef idx="2">
+            <a:schemeClr val="accent1">
+              <a:shade val="15000"/>
+            </a:schemeClr>
+          </a:lnRef>
+          <a:fillRef idx="1">
+            <a:schemeClr val="accent1"/>
+          </a:fillRef>
+          <a:effectRef idx="0">
+            <a:schemeClr val="accent1"/>
+          </a:effectRef>
+          <a:fontRef idx="minor">
+            <a:schemeClr val="lt1"/>
+          </a:fontRef>
+        </p:style>
+        <p:txBody>
+          <a:bodyPr rtlCol="0" anchor="ctr"/>
+          <a:lstStyle/>
+          <a:p>
+            <a:pPr algn="ctr"/>
+            <a:endParaRPr lang="en-AU"/>
+          </a:p>
+        </p:txBody>
+      </p:sp>
+      <p:sp>
+        <p:nvSpPr>
+          <p:cNvPr id="11" name="TextBox 10">
+            <a:extLst>
+              <a:ext uri="{FF2B5EF4-FFF2-40B4-BE49-F238E27FC236}">
+                <a16:creationId xmlns:a16="http://schemas.microsoft.com/office/drawing/2014/main" id="{A4F2D91B-7BD6-17A7-904E-DF293B6B9423}"/>
               </a:ext>
             </a:extLst>
           </p:cNvPr>
@@ -3501,8 +3435,8 @@
         </p:nvSpPr>
         <p:spPr>
           <a:xfrm>
-            <a:off x="554524" y="4957199"/>
-            <a:ext cx="6935263" cy="1384995"/>
+            <a:off x="1875199" y="4414712"/>
+            <a:ext cx="377026" cy="523220"/>
           </a:xfrm>
           <a:prstGeom prst="rect">
             <a:avLst/>
@@ -3510,91 +3444,28 @@
           <a:noFill/>
         </p:spPr>
         <p:txBody>
-          <a:bodyPr wrap="square" rtlCol="0">
+          <a:bodyPr wrap="none" rtlCol="0">
             <a:spAutoFit/>
           </a:bodyPr>
           <a:lstStyle/>
           <a:p>
             <a:r>
-              <a:rPr lang="en-AU" sz="1200" dirty="0"/>
-              <a:t>3 sets: blue, yellow and purple</a:t>
-            </a:r>
-          </a:p>
-          <a:p>
-            <a:r>
-              <a:rPr lang="en-AU" sz="1200" dirty="0" err="1"/>
-              <a:t>Np.array</a:t>
-            </a:r>
-            <a:r>
-              <a:rPr lang="en-AU" sz="1200" dirty="0"/>
-              <a:t>: Python </a:t>
-            </a:r>
-            <a:r>
-              <a:rPr lang="en-AU" sz="1200" dirty="0" err="1"/>
-              <a:t>Numpy</a:t>
-            </a:r>
-            <a:r>
-              <a:rPr lang="en-AU" sz="1200" dirty="0"/>
-              <a:t> arrays. Size NX2, where N is the number of points marking the outline of the colour region. The first column is the x- and second is the y-coordinates of each point.</a:t>
-            </a:r>
-          </a:p>
-          <a:p>
-            <a:r>
-              <a:rPr lang="en-AU" sz="1200" dirty="0"/>
-              <a:t>Direction: Integer in degrees (positive for turning left). direction the path planner tells the car to drive in (</a:t>
-            </a:r>
-            <a:r>
-              <a:rPr lang="el-GR" sz="1200" b="0" i="0" dirty="0">
+              <a:rPr lang="en-AU" sz="2800" dirty="0">
                 <a:solidFill>
-                  <a:srgbClr val="202124"/>
+                  <a:schemeClr val="accent2"/>
                 </a:solidFill>
-                <a:effectLst/>
-                <a:highlight>
-                  <a:srgbClr val="FFFFFF"/>
-                </a:highlight>
-                <a:latin typeface="Google Sans"/>
               </a:rPr>
-              <a:t>Θ</a:t>
-            </a:r>
-            <a:r>
-              <a:rPr lang="en-AU" sz="1200" b="0" i="0" dirty="0">
-                <a:solidFill>
-                  <a:srgbClr val="202124"/>
-                </a:solidFill>
-                <a:effectLst/>
-                <a:highlight>
-                  <a:srgbClr val="FFFFFF"/>
-                </a:highlight>
-                <a:latin typeface="Google Sans"/>
-              </a:rPr>
-              <a:t> in the diagram on the right)</a:t>
-            </a:r>
-          </a:p>
-          <a:p>
-            <a:r>
-              <a:rPr lang="en-AU" sz="1200" dirty="0"/>
-              <a:t>Speed: integer between 0 and 255. The maximum PWM value written to the motors on the car.</a:t>
-            </a:r>
-          </a:p>
-          <a:p>
-            <a:r>
-              <a:rPr lang="en-AU" sz="1200" dirty="0"/>
-              <a:t>Python queue: each element is a string in the format: </a:t>
-            </a:r>
-            <a:r>
-              <a:rPr lang="en-US" sz="1200" dirty="0"/>
-              <a:t>“/ &lt;direction&gt; &lt;speed&gt;”</a:t>
-            </a:r>
-            <a:endParaRPr lang="en-AU" sz="1200" dirty="0"/>
+              <a:t>1</a:t>
+            </a:r>
           </a:p>
         </p:txBody>
       </p:sp>
       <p:pic>
         <p:nvPicPr>
-          <p:cNvPr id="1028" name="Picture 4" descr="Zenith angle (Θ) and the corresponding factor cos(Θ). n = surface... |  Download Scientific Diagram">
+          <p:cNvPr id="1026" name="Picture 2" descr="Car Top View PNG Transparent Images Free Download | Vector ...">
             <a:extLst>
               <a:ext uri="{FF2B5EF4-FFF2-40B4-BE49-F238E27FC236}">
-                <a16:creationId xmlns:a16="http://schemas.microsoft.com/office/drawing/2014/main" id="{E0BC0EDD-8E82-D0E4-102D-117F26E33F93}"/>
+                <a16:creationId xmlns:a16="http://schemas.microsoft.com/office/drawing/2014/main" id="{8F1380A1-5EB7-0AD1-2FF9-27C364713166}"/>
               </a:ext>
             </a:extLst>
           </p:cNvPr>
@@ -3603,21 +3474,32 @@
           </p:cNvPicPr>
           <p:nvPr/>
         </p:nvPicPr>
-        <p:blipFill rotWithShape="1">
+        <p:blipFill>
           <a:blip r:embed="rId2">
             <a:extLst>
+              <a:ext uri="{BEBA8EAE-BF5A-486C-A8C5-ECC9F3942E4B}">
+                <a14:imgProps xmlns:a14="http://schemas.microsoft.com/office/drawing/2010/main">
+                  <a14:imgLayer r:embed="rId3">
+                    <a14:imgEffect>
+                      <a14:backgroundRemoval t="10000" b="90000" l="10000" r="90000"/>
+                    </a14:imgEffect>
+                  </a14:imgLayer>
+                </a14:imgProps>
+              </a:ext>
               <a:ext uri="{28A0092B-C50C-407E-A947-70E740481C1C}">
                 <a14:useLocalDpi xmlns:a14="http://schemas.microsoft.com/office/drawing/2010/main" val="0"/>
               </a:ext>
             </a:extLst>
           </a:blip>
-          <a:srcRect l="36258" r="36798" b="41237"/>
-          <a:stretch/>
+          <a:srcRect/>
+          <a:stretch>
+            <a:fillRect/>
+          </a:stretch>
         </p:blipFill>
         <p:spPr bwMode="auto">
-          <a:xfrm flipH="1">
-            <a:off x="7327649" y="4949324"/>
-            <a:ext cx="2253049" cy="1514273"/>
+          <a:xfrm>
+            <a:off x="1875199" y="5344012"/>
+            <a:ext cx="1282141" cy="1282141"/>
           </a:xfrm>
           <a:prstGeom prst="rect">
             <a:avLst/>
@@ -3636,6 +3518,969 @@
       </p:pic>
       <p:sp>
         <p:nvSpPr>
+          <p:cNvPr id="12" name="TextBox 11">
+            <a:extLst>
+              <a:ext uri="{FF2B5EF4-FFF2-40B4-BE49-F238E27FC236}">
+                <a16:creationId xmlns:a16="http://schemas.microsoft.com/office/drawing/2014/main" id="{FBE273EE-F496-D0F4-EFD1-34AB173AAC06}"/>
+              </a:ext>
+            </a:extLst>
+          </p:cNvPr>
+          <p:cNvSpPr txBox="1"/>
+          <p:nvPr/>
+        </p:nvSpPr>
+        <p:spPr>
+          <a:xfrm>
+            <a:off x="1865590" y="2378807"/>
+            <a:ext cx="377026" cy="523220"/>
+          </a:xfrm>
+          <a:prstGeom prst="rect">
+            <a:avLst/>
+          </a:prstGeom>
+          <a:noFill/>
+        </p:spPr>
+        <p:txBody>
+          <a:bodyPr wrap="none" rtlCol="0">
+            <a:spAutoFit/>
+          </a:bodyPr>
+          <a:lstStyle/>
+          <a:p>
+            <a:r>
+              <a:rPr lang="en-AU" sz="2800" dirty="0">
+                <a:solidFill>
+                  <a:schemeClr val="accent2"/>
+                </a:solidFill>
+              </a:rPr>
+              <a:t>2</a:t>
+            </a:r>
+          </a:p>
+        </p:txBody>
+      </p:sp>
+      <p:sp>
+        <p:nvSpPr>
+          <p:cNvPr id="13" name="TextBox 12">
+            <a:extLst>
+              <a:ext uri="{FF2B5EF4-FFF2-40B4-BE49-F238E27FC236}">
+                <a16:creationId xmlns:a16="http://schemas.microsoft.com/office/drawing/2014/main" id="{36591B42-1D68-D24B-23C6-77051C4ACB98}"/>
+              </a:ext>
+            </a:extLst>
+          </p:cNvPr>
+          <p:cNvSpPr txBox="1"/>
+          <p:nvPr/>
+        </p:nvSpPr>
+        <p:spPr>
+          <a:xfrm>
+            <a:off x="3551599" y="238582"/>
+            <a:ext cx="377026" cy="523220"/>
+          </a:xfrm>
+          <a:prstGeom prst="rect">
+            <a:avLst/>
+          </a:prstGeom>
+          <a:noFill/>
+        </p:spPr>
+        <p:txBody>
+          <a:bodyPr wrap="none" rtlCol="0">
+            <a:spAutoFit/>
+          </a:bodyPr>
+          <a:lstStyle/>
+          <a:p>
+            <a:r>
+              <a:rPr lang="en-AU" sz="2800" dirty="0">
+                <a:solidFill>
+                  <a:schemeClr val="accent2"/>
+                </a:solidFill>
+              </a:rPr>
+              <a:t>3</a:t>
+            </a:r>
+          </a:p>
+        </p:txBody>
+      </p:sp>
+      <p:sp>
+        <p:nvSpPr>
+          <p:cNvPr id="14" name="TextBox 13">
+            <a:extLst>
+              <a:ext uri="{FF2B5EF4-FFF2-40B4-BE49-F238E27FC236}">
+                <a16:creationId xmlns:a16="http://schemas.microsoft.com/office/drawing/2014/main" id="{2F0D0E81-E390-79C9-4CCE-B53DC55BFA8D}"/>
+              </a:ext>
+            </a:extLst>
+          </p:cNvPr>
+          <p:cNvSpPr txBox="1"/>
+          <p:nvPr/>
+        </p:nvSpPr>
+        <p:spPr>
+          <a:xfrm>
+            <a:off x="4724401" y="1090107"/>
+            <a:ext cx="377026" cy="523220"/>
+          </a:xfrm>
+          <a:prstGeom prst="rect">
+            <a:avLst/>
+          </a:prstGeom>
+          <a:noFill/>
+        </p:spPr>
+        <p:txBody>
+          <a:bodyPr wrap="none" rtlCol="0">
+            <a:spAutoFit/>
+          </a:bodyPr>
+          <a:lstStyle/>
+          <a:p>
+            <a:r>
+              <a:rPr lang="en-AU" sz="2800" dirty="0">
+                <a:solidFill>
+                  <a:schemeClr val="accent2"/>
+                </a:solidFill>
+              </a:rPr>
+              <a:t>4</a:t>
+            </a:r>
+          </a:p>
+        </p:txBody>
+      </p:sp>
+      <p:sp>
+        <p:nvSpPr>
+          <p:cNvPr id="15" name="TextBox 14">
+            <a:extLst>
+              <a:ext uri="{FF2B5EF4-FFF2-40B4-BE49-F238E27FC236}">
+                <a16:creationId xmlns:a16="http://schemas.microsoft.com/office/drawing/2014/main" id="{D44CC852-2548-6190-5C39-AB4BD35AED4D}"/>
+              </a:ext>
+            </a:extLst>
+          </p:cNvPr>
+          <p:cNvSpPr txBox="1"/>
+          <p:nvPr/>
+        </p:nvSpPr>
+        <p:spPr>
+          <a:xfrm>
+            <a:off x="5071611" y="2686995"/>
+            <a:ext cx="377026" cy="523220"/>
+          </a:xfrm>
+          <a:prstGeom prst="rect">
+            <a:avLst/>
+          </a:prstGeom>
+          <a:noFill/>
+        </p:spPr>
+        <p:txBody>
+          <a:bodyPr wrap="none" rtlCol="0">
+            <a:spAutoFit/>
+          </a:bodyPr>
+          <a:lstStyle/>
+          <a:p>
+            <a:r>
+              <a:rPr lang="en-AU" sz="2800" dirty="0">
+                <a:solidFill>
+                  <a:schemeClr val="accent2"/>
+                </a:solidFill>
+              </a:rPr>
+              <a:t>5</a:t>
+            </a:r>
+          </a:p>
+        </p:txBody>
+      </p:sp>
+      <p:sp>
+        <p:nvSpPr>
+          <p:cNvPr id="16" name="TextBox 15">
+            <a:extLst>
+              <a:ext uri="{FF2B5EF4-FFF2-40B4-BE49-F238E27FC236}">
+                <a16:creationId xmlns:a16="http://schemas.microsoft.com/office/drawing/2014/main" id="{1C0DDDEF-4359-8FBD-AD22-A5854EEB7064}"/>
+              </a:ext>
+            </a:extLst>
+          </p:cNvPr>
+          <p:cNvSpPr txBox="1"/>
+          <p:nvPr/>
+        </p:nvSpPr>
+        <p:spPr>
+          <a:xfrm>
+            <a:off x="5071611" y="4729328"/>
+            <a:ext cx="377026" cy="523220"/>
+          </a:xfrm>
+          <a:prstGeom prst="rect">
+            <a:avLst/>
+          </a:prstGeom>
+          <a:noFill/>
+        </p:spPr>
+        <p:txBody>
+          <a:bodyPr wrap="none" rtlCol="0">
+            <a:spAutoFit/>
+          </a:bodyPr>
+          <a:lstStyle/>
+          <a:p>
+            <a:r>
+              <a:rPr lang="en-AU" sz="2800" dirty="0">
+                <a:solidFill>
+                  <a:schemeClr val="accent2"/>
+                </a:solidFill>
+              </a:rPr>
+              <a:t>6</a:t>
+            </a:r>
+          </a:p>
+        </p:txBody>
+      </p:sp>
+      <p:sp>
+        <p:nvSpPr>
+          <p:cNvPr id="17" name="TextBox 16">
+            <a:extLst>
+              <a:ext uri="{FF2B5EF4-FFF2-40B4-BE49-F238E27FC236}">
+                <a16:creationId xmlns:a16="http://schemas.microsoft.com/office/drawing/2014/main" id="{3FC5A4EF-B927-87EC-535A-2507EE683D10}"/>
+              </a:ext>
+            </a:extLst>
+          </p:cNvPr>
+          <p:cNvSpPr txBox="1"/>
+          <p:nvPr/>
+        </p:nvSpPr>
+        <p:spPr>
+          <a:xfrm>
+            <a:off x="3528094" y="2683560"/>
+            <a:ext cx="377026" cy="523220"/>
+          </a:xfrm>
+          <a:prstGeom prst="rect">
+            <a:avLst/>
+          </a:prstGeom>
+          <a:noFill/>
+        </p:spPr>
+        <p:txBody>
+          <a:bodyPr wrap="none" rtlCol="0">
+            <a:spAutoFit/>
+          </a:bodyPr>
+          <a:lstStyle/>
+          <a:p>
+            <a:r>
+              <a:rPr lang="en-AU" sz="2800" dirty="0">
+                <a:solidFill>
+                  <a:schemeClr val="accent2"/>
+                </a:solidFill>
+              </a:rPr>
+              <a:t>7</a:t>
+            </a:r>
+          </a:p>
+        </p:txBody>
+      </p:sp>
+      <p:sp>
+        <p:nvSpPr>
+          <p:cNvPr id="18" name="TextBox 17">
+            <a:extLst>
+              <a:ext uri="{FF2B5EF4-FFF2-40B4-BE49-F238E27FC236}">
+                <a16:creationId xmlns:a16="http://schemas.microsoft.com/office/drawing/2014/main" id="{48D22D7F-56EF-6E64-FEDA-B53D5378185E}"/>
+              </a:ext>
+            </a:extLst>
+          </p:cNvPr>
+          <p:cNvSpPr txBox="1"/>
+          <p:nvPr/>
+        </p:nvSpPr>
+        <p:spPr>
+          <a:xfrm>
+            <a:off x="3528094" y="4729328"/>
+            <a:ext cx="377026" cy="523220"/>
+          </a:xfrm>
+          <a:prstGeom prst="rect">
+            <a:avLst/>
+          </a:prstGeom>
+          <a:noFill/>
+        </p:spPr>
+        <p:txBody>
+          <a:bodyPr wrap="none" rtlCol="0">
+            <a:spAutoFit/>
+          </a:bodyPr>
+          <a:lstStyle/>
+          <a:p>
+            <a:r>
+              <a:rPr lang="en-AU" sz="2800" dirty="0">
+                <a:solidFill>
+                  <a:schemeClr val="accent2"/>
+                </a:solidFill>
+              </a:rPr>
+              <a:t>7</a:t>
+            </a:r>
+          </a:p>
+        </p:txBody>
+      </p:sp>
+    </p:spTree>
+    <p:extLst>
+      <p:ext uri="{BB962C8B-B14F-4D97-AF65-F5344CB8AC3E}">
+        <p14:creationId xmlns:p14="http://schemas.microsoft.com/office/powerpoint/2010/main" val="1605068554"/>
+      </p:ext>
+    </p:extLst>
+  </p:cSld>
+  <p:clrMapOvr>
+    <a:masterClrMapping/>
+  </p:clrMapOvr>
+</p:sld>
+</file>
+
+<file path=ppt/slides/slide2.xml><?xml version="1.0" encoding="utf-8"?>
+<p:sld xmlns:a="http://schemas.openxmlformats.org/drawingml/2006/main" xmlns:r="http://schemas.openxmlformats.org/officeDocument/2006/relationships" xmlns:p="http://schemas.openxmlformats.org/presentationml/2006/main">
+  <p:cSld>
+    <p:spTree>
+      <p:nvGrpSpPr>
+        <p:cNvPr id="1" name=""/>
+        <p:cNvGrpSpPr/>
+        <p:nvPr/>
+      </p:nvGrpSpPr>
+      <p:grpSpPr>
+        <a:xfrm>
+          <a:off x="0" y="0"/>
+          <a:ext cx="0" cy="0"/>
+          <a:chOff x="0" y="0"/>
+          <a:chExt cx="0" cy="0"/>
+        </a:xfrm>
+      </p:grpSpPr>
+      <p:cxnSp>
+        <p:nvCxnSpPr>
+          <p:cNvPr id="36" name="Straight Connector 35">
+            <a:extLst>
+              <a:ext uri="{FF2B5EF4-FFF2-40B4-BE49-F238E27FC236}">
+                <a16:creationId xmlns:a16="http://schemas.microsoft.com/office/drawing/2014/main" id="{88FE6EE9-02B2-C074-0545-CB8D4C5B331D}"/>
+              </a:ext>
+            </a:extLst>
+          </p:cNvPr>
+          <p:cNvCxnSpPr/>
+          <p:nvPr/>
+        </p:nvCxnSpPr>
+        <p:spPr>
+          <a:xfrm>
+            <a:off x="3106232" y="1046819"/>
+            <a:ext cx="0" cy="3855308"/>
+          </a:xfrm>
+          <a:prstGeom prst="line">
+            <a:avLst/>
+          </a:prstGeom>
+          <a:ln w="76200">
+            <a:solidFill>
+              <a:srgbClr val="00B050"/>
+            </a:solidFill>
+            <a:prstDash val="lgDash"/>
+          </a:ln>
+        </p:spPr>
+        <p:style>
+          <a:lnRef idx="2">
+            <a:schemeClr val="accent1"/>
+          </a:lnRef>
+          <a:fillRef idx="0">
+            <a:schemeClr val="accent1"/>
+          </a:fillRef>
+          <a:effectRef idx="1">
+            <a:schemeClr val="accent1"/>
+          </a:effectRef>
+          <a:fontRef idx="minor">
+            <a:schemeClr val="tx1"/>
+          </a:fontRef>
+        </p:style>
+      </p:cxnSp>
+      <p:sp>
+        <p:nvSpPr>
+          <p:cNvPr id="2" name="Rectangle 1">
+            <a:extLst>
+              <a:ext uri="{FF2B5EF4-FFF2-40B4-BE49-F238E27FC236}">
+                <a16:creationId xmlns:a16="http://schemas.microsoft.com/office/drawing/2014/main" id="{C024CF45-75D7-B54F-7086-284695C7A82B}"/>
+              </a:ext>
+            </a:extLst>
+          </p:cNvPr>
+          <p:cNvSpPr/>
+          <p:nvPr/>
+        </p:nvSpPr>
+        <p:spPr>
+          <a:xfrm>
+            <a:off x="417090" y="1136033"/>
+            <a:ext cx="1714500" cy="965200"/>
+          </a:xfrm>
+          <a:prstGeom prst="rect">
+            <a:avLst/>
+          </a:prstGeom>
+          <a:noFill/>
+        </p:spPr>
+        <p:style>
+          <a:lnRef idx="2">
+            <a:schemeClr val="accent1">
+              <a:shade val="15000"/>
+            </a:schemeClr>
+          </a:lnRef>
+          <a:fillRef idx="1">
+            <a:schemeClr val="accent1"/>
+          </a:fillRef>
+          <a:effectRef idx="0">
+            <a:schemeClr val="accent1"/>
+          </a:effectRef>
+          <a:fontRef idx="minor">
+            <a:schemeClr val="lt1"/>
+          </a:fontRef>
+        </p:style>
+        <p:txBody>
+          <a:bodyPr rtlCol="0" anchor="ctr"/>
+          <a:lstStyle/>
+          <a:p>
+            <a:pPr algn="ctr"/>
+            <a:r>
+              <a:rPr lang="en-AU" dirty="0">
+                <a:solidFill>
+                  <a:schemeClr val="tx1"/>
+                </a:solidFill>
+              </a:rPr>
+              <a:t>Phone</a:t>
+            </a:r>
+          </a:p>
+          <a:p>
+            <a:pPr algn="ctr"/>
+            <a:r>
+              <a:rPr lang="en-AU" sz="1200" dirty="0">
+                <a:solidFill>
+                  <a:schemeClr val="tx1"/>
+                </a:solidFill>
+              </a:rPr>
+              <a:t>Video feed</a:t>
+            </a:r>
+          </a:p>
+        </p:txBody>
+      </p:sp>
+      <p:sp>
+        <p:nvSpPr>
+          <p:cNvPr id="3" name="Rectangle 2">
+            <a:extLst>
+              <a:ext uri="{FF2B5EF4-FFF2-40B4-BE49-F238E27FC236}">
+                <a16:creationId xmlns:a16="http://schemas.microsoft.com/office/drawing/2014/main" id="{4C60DA63-4E1B-818D-DDDF-7E58127C9E3B}"/>
+              </a:ext>
+            </a:extLst>
+          </p:cNvPr>
+          <p:cNvSpPr/>
+          <p:nvPr/>
+        </p:nvSpPr>
+        <p:spPr>
+          <a:xfrm>
+            <a:off x="7465419" y="3189666"/>
+            <a:ext cx="1714500" cy="965200"/>
+          </a:xfrm>
+          <a:prstGeom prst="rect">
+            <a:avLst/>
+          </a:prstGeom>
+          <a:noFill/>
+        </p:spPr>
+        <p:style>
+          <a:lnRef idx="2">
+            <a:schemeClr val="accent1">
+              <a:shade val="15000"/>
+            </a:schemeClr>
+          </a:lnRef>
+          <a:fillRef idx="1">
+            <a:schemeClr val="accent1"/>
+          </a:fillRef>
+          <a:effectRef idx="0">
+            <a:schemeClr val="accent1"/>
+          </a:effectRef>
+          <a:fontRef idx="minor">
+            <a:schemeClr val="lt1"/>
+          </a:fontRef>
+        </p:style>
+        <p:txBody>
+          <a:bodyPr rtlCol="0" anchor="ctr"/>
+          <a:lstStyle/>
+          <a:p>
+            <a:pPr algn="ctr"/>
+            <a:r>
+              <a:rPr lang="en-AU" dirty="0">
+                <a:solidFill>
+                  <a:schemeClr val="tx1"/>
+                </a:solidFill>
+              </a:rPr>
+              <a:t>Path Planner</a:t>
+            </a:r>
+          </a:p>
+          <a:p>
+            <a:pPr algn="ctr"/>
+            <a:r>
+              <a:rPr lang="en-AU" sz="1200" dirty="0">
+                <a:solidFill>
+                  <a:schemeClr val="tx1"/>
+                </a:solidFill>
+              </a:rPr>
+              <a:t>(direction, speed)</a:t>
+            </a:r>
+          </a:p>
+          <a:p>
+            <a:pPr algn="ctr"/>
+            <a:r>
+              <a:rPr lang="en-AU" sz="1200" dirty="0">
+                <a:solidFill>
+                  <a:schemeClr val="tx1"/>
+                </a:solidFill>
+              </a:rPr>
+              <a:t>everyone</a:t>
+            </a:r>
+          </a:p>
+        </p:txBody>
+      </p:sp>
+      <p:sp>
+        <p:nvSpPr>
+          <p:cNvPr id="4" name="Rectangle 3">
+            <a:extLst>
+              <a:ext uri="{FF2B5EF4-FFF2-40B4-BE49-F238E27FC236}">
+                <a16:creationId xmlns:a16="http://schemas.microsoft.com/office/drawing/2014/main" id="{0C005588-925B-0C62-35A8-31CE442FFB20}"/>
+              </a:ext>
+            </a:extLst>
+          </p:cNvPr>
+          <p:cNvSpPr/>
+          <p:nvPr/>
+        </p:nvSpPr>
+        <p:spPr>
+          <a:xfrm>
+            <a:off x="4021659" y="1151539"/>
+            <a:ext cx="2065638" cy="965200"/>
+          </a:xfrm>
+          <a:prstGeom prst="rect">
+            <a:avLst/>
+          </a:prstGeom>
+          <a:noFill/>
+        </p:spPr>
+        <p:style>
+          <a:lnRef idx="2">
+            <a:schemeClr val="accent1">
+              <a:shade val="15000"/>
+            </a:schemeClr>
+          </a:lnRef>
+          <a:fillRef idx="1">
+            <a:schemeClr val="accent1"/>
+          </a:fillRef>
+          <a:effectRef idx="0">
+            <a:schemeClr val="accent1"/>
+          </a:effectRef>
+          <a:fontRef idx="minor">
+            <a:schemeClr val="lt1"/>
+          </a:fontRef>
+        </p:style>
+        <p:txBody>
+          <a:bodyPr rtlCol="0" anchor="ctr"/>
+          <a:lstStyle/>
+          <a:p>
+            <a:pPr algn="ctr"/>
+            <a:r>
+              <a:rPr lang="en-AU" dirty="0">
+                <a:solidFill>
+                  <a:schemeClr val="tx1"/>
+                </a:solidFill>
+              </a:rPr>
+              <a:t>Colour Mask</a:t>
+            </a:r>
+          </a:p>
+          <a:p>
+            <a:pPr algn="ctr"/>
+            <a:r>
+              <a:rPr lang="en-AU" sz="1200" dirty="0">
+                <a:solidFill>
+                  <a:schemeClr val="tx1"/>
+                </a:solidFill>
+              </a:rPr>
+              <a:t>Output: 3 sets of </a:t>
+            </a:r>
+            <a:r>
+              <a:rPr lang="en-AU" sz="1200" dirty="0" err="1">
+                <a:solidFill>
+                  <a:schemeClr val="tx1"/>
+                </a:solidFill>
+              </a:rPr>
+              <a:t>np.array</a:t>
+            </a:r>
+            <a:endParaRPr lang="en-AU" sz="1200" dirty="0">
+              <a:solidFill>
+                <a:schemeClr val="tx1"/>
+              </a:solidFill>
+            </a:endParaRPr>
+          </a:p>
+          <a:p>
+            <a:pPr algn="ctr"/>
+            <a:r>
+              <a:rPr lang="en-AU" sz="1200" dirty="0">
+                <a:solidFill>
+                  <a:schemeClr val="tx1"/>
+                </a:solidFill>
+              </a:rPr>
+              <a:t>Who: Jack lord</a:t>
+            </a:r>
+          </a:p>
+        </p:txBody>
+      </p:sp>
+      <p:sp>
+        <p:nvSpPr>
+          <p:cNvPr id="5" name="Rectangle 4">
+            <a:extLst>
+              <a:ext uri="{FF2B5EF4-FFF2-40B4-BE49-F238E27FC236}">
+                <a16:creationId xmlns:a16="http://schemas.microsoft.com/office/drawing/2014/main" id="{7B3B57CF-C397-B4E0-EB9B-C1B3C0972444}"/>
+              </a:ext>
+            </a:extLst>
+          </p:cNvPr>
+          <p:cNvSpPr/>
+          <p:nvPr/>
+        </p:nvSpPr>
+        <p:spPr>
+          <a:xfrm>
+            <a:off x="7036794" y="1151539"/>
+            <a:ext cx="2571750" cy="965200"/>
+          </a:xfrm>
+          <a:prstGeom prst="rect">
+            <a:avLst/>
+          </a:prstGeom>
+          <a:noFill/>
+        </p:spPr>
+        <p:style>
+          <a:lnRef idx="2">
+            <a:schemeClr val="accent1">
+              <a:shade val="15000"/>
+            </a:schemeClr>
+          </a:lnRef>
+          <a:fillRef idx="1">
+            <a:schemeClr val="accent1"/>
+          </a:fillRef>
+          <a:effectRef idx="0">
+            <a:schemeClr val="accent1"/>
+          </a:effectRef>
+          <a:fontRef idx="minor">
+            <a:schemeClr val="lt1"/>
+          </a:fontRef>
+        </p:style>
+        <p:txBody>
+          <a:bodyPr rtlCol="0" anchor="ctr"/>
+          <a:lstStyle/>
+          <a:p>
+            <a:pPr algn="ctr"/>
+            <a:r>
+              <a:rPr lang="en-AU" dirty="0">
+                <a:solidFill>
+                  <a:schemeClr val="tx1"/>
+                </a:solidFill>
+              </a:rPr>
+              <a:t>Perspective Transform</a:t>
+            </a:r>
+          </a:p>
+          <a:p>
+            <a:pPr algn="ctr"/>
+            <a:r>
+              <a:rPr lang="en-AU" sz="1200" dirty="0">
+                <a:solidFill>
+                  <a:schemeClr val="tx1"/>
+                </a:solidFill>
+              </a:rPr>
+              <a:t>3 sets of </a:t>
+            </a:r>
+            <a:r>
+              <a:rPr lang="en-AU" sz="1200" dirty="0" err="1">
+                <a:solidFill>
+                  <a:schemeClr val="tx1"/>
+                </a:solidFill>
+              </a:rPr>
+              <a:t>np.array</a:t>
+            </a:r>
+            <a:endParaRPr lang="en-AU" sz="1200" dirty="0">
+              <a:solidFill>
+                <a:schemeClr val="tx1"/>
+              </a:solidFill>
+            </a:endParaRPr>
+          </a:p>
+          <a:p>
+            <a:pPr algn="ctr"/>
+            <a:r>
+              <a:rPr lang="en-AU" sz="1200" dirty="0">
+                <a:solidFill>
+                  <a:schemeClr val="tx1"/>
+                </a:solidFill>
+              </a:rPr>
+              <a:t>Bryce</a:t>
+            </a:r>
+          </a:p>
+        </p:txBody>
+      </p:sp>
+      <p:sp>
+        <p:nvSpPr>
+          <p:cNvPr id="6" name="Rectangle 5">
+            <a:extLst>
+              <a:ext uri="{FF2B5EF4-FFF2-40B4-BE49-F238E27FC236}">
+                <a16:creationId xmlns:a16="http://schemas.microsoft.com/office/drawing/2014/main" id="{83ED7587-1177-1C38-4B4B-7980CCDB65C8}"/>
+              </a:ext>
+            </a:extLst>
+          </p:cNvPr>
+          <p:cNvSpPr/>
+          <p:nvPr/>
+        </p:nvSpPr>
+        <p:spPr>
+          <a:xfrm>
+            <a:off x="3870330" y="3191777"/>
+            <a:ext cx="1714500" cy="965200"/>
+          </a:xfrm>
+          <a:prstGeom prst="rect">
+            <a:avLst/>
+          </a:prstGeom>
+          <a:noFill/>
+        </p:spPr>
+        <p:style>
+          <a:lnRef idx="2">
+            <a:schemeClr val="accent1">
+              <a:shade val="15000"/>
+            </a:schemeClr>
+          </a:lnRef>
+          <a:fillRef idx="1">
+            <a:schemeClr val="accent1"/>
+          </a:fillRef>
+          <a:effectRef idx="0">
+            <a:schemeClr val="accent1"/>
+          </a:effectRef>
+          <a:fontRef idx="minor">
+            <a:schemeClr val="lt1"/>
+          </a:fontRef>
+        </p:style>
+        <p:txBody>
+          <a:bodyPr rtlCol="0" anchor="ctr"/>
+          <a:lstStyle/>
+          <a:p>
+            <a:pPr algn="ctr"/>
+            <a:r>
+              <a:rPr lang="en-AU" dirty="0">
+                <a:solidFill>
+                  <a:schemeClr val="tx1"/>
+                </a:solidFill>
+              </a:rPr>
+              <a:t>UART Thread</a:t>
+            </a:r>
+          </a:p>
+          <a:p>
+            <a:pPr algn="ctr"/>
+            <a:r>
+              <a:rPr lang="en-AU" sz="1200" dirty="0">
+                <a:solidFill>
+                  <a:schemeClr val="tx1"/>
+                </a:solidFill>
+              </a:rPr>
+              <a:t>String</a:t>
+            </a:r>
+          </a:p>
+          <a:p>
+            <a:pPr algn="ctr"/>
+            <a:r>
+              <a:rPr lang="en-AU" sz="1200" dirty="0">
+                <a:solidFill>
+                  <a:schemeClr val="tx1"/>
+                </a:solidFill>
+              </a:rPr>
+              <a:t>Jack Zhang</a:t>
+            </a:r>
+          </a:p>
+        </p:txBody>
+      </p:sp>
+      <p:sp>
+        <p:nvSpPr>
+          <p:cNvPr id="7" name="Rectangle 6">
+            <a:extLst>
+              <a:ext uri="{FF2B5EF4-FFF2-40B4-BE49-F238E27FC236}">
+                <a16:creationId xmlns:a16="http://schemas.microsoft.com/office/drawing/2014/main" id="{27D40B13-F823-A5AE-5DC7-7FCEE3A60148}"/>
+              </a:ext>
+            </a:extLst>
+          </p:cNvPr>
+          <p:cNvSpPr/>
+          <p:nvPr/>
+        </p:nvSpPr>
+        <p:spPr>
+          <a:xfrm>
+            <a:off x="427345" y="3200015"/>
+            <a:ext cx="1714500" cy="965200"/>
+          </a:xfrm>
+          <a:prstGeom prst="rect">
+            <a:avLst/>
+          </a:prstGeom>
+          <a:noFill/>
+        </p:spPr>
+        <p:style>
+          <a:lnRef idx="2">
+            <a:schemeClr val="accent1">
+              <a:shade val="15000"/>
+            </a:schemeClr>
+          </a:lnRef>
+          <a:fillRef idx="1">
+            <a:schemeClr val="accent1"/>
+          </a:fillRef>
+          <a:effectRef idx="0">
+            <a:schemeClr val="accent1"/>
+          </a:effectRef>
+          <a:fontRef idx="minor">
+            <a:schemeClr val="lt1"/>
+          </a:fontRef>
+        </p:style>
+        <p:txBody>
+          <a:bodyPr rtlCol="0" anchor="ctr"/>
+          <a:lstStyle/>
+          <a:p>
+            <a:pPr algn="ctr"/>
+            <a:r>
+              <a:rPr lang="en-AU" dirty="0">
+                <a:solidFill>
+                  <a:schemeClr val="tx1"/>
+                </a:solidFill>
+              </a:rPr>
+              <a:t>Car Control</a:t>
+            </a:r>
+          </a:p>
+          <a:p>
+            <a:pPr algn="ctr"/>
+            <a:r>
+              <a:rPr lang="en-AU" sz="1200" dirty="0">
+                <a:solidFill>
+                  <a:schemeClr val="tx1"/>
+                </a:solidFill>
+              </a:rPr>
+              <a:t>Steers the car</a:t>
+            </a:r>
+          </a:p>
+          <a:p>
+            <a:pPr algn="ctr"/>
+            <a:r>
+              <a:rPr lang="en-AU" sz="1200" dirty="0">
+                <a:solidFill>
+                  <a:schemeClr val="tx1"/>
+                </a:solidFill>
+              </a:rPr>
+              <a:t>Jack Zhang</a:t>
+            </a:r>
+          </a:p>
+        </p:txBody>
+      </p:sp>
+      <p:sp>
+        <p:nvSpPr>
+          <p:cNvPr id="8" name="TextBox 7">
+            <a:extLst>
+              <a:ext uri="{FF2B5EF4-FFF2-40B4-BE49-F238E27FC236}">
+                <a16:creationId xmlns:a16="http://schemas.microsoft.com/office/drawing/2014/main" id="{AC73690C-A65E-50B6-2BAB-8387DCBDD60F}"/>
+              </a:ext>
+            </a:extLst>
+          </p:cNvPr>
+          <p:cNvSpPr txBox="1"/>
+          <p:nvPr/>
+        </p:nvSpPr>
+        <p:spPr>
+          <a:xfrm>
+            <a:off x="554524" y="4957199"/>
+            <a:ext cx="6935263" cy="1384995"/>
+          </a:xfrm>
+          <a:prstGeom prst="rect">
+            <a:avLst/>
+          </a:prstGeom>
+          <a:noFill/>
+        </p:spPr>
+        <p:txBody>
+          <a:bodyPr wrap="square" rtlCol="0">
+            <a:spAutoFit/>
+          </a:bodyPr>
+          <a:lstStyle/>
+          <a:p>
+            <a:r>
+              <a:rPr lang="en-AU" sz="1200" dirty="0"/>
+              <a:t>3 sets: blue, yellow and purple</a:t>
+            </a:r>
+          </a:p>
+          <a:p>
+            <a:r>
+              <a:rPr lang="en-AU" sz="1200" dirty="0" err="1"/>
+              <a:t>Np.array</a:t>
+            </a:r>
+            <a:r>
+              <a:rPr lang="en-AU" sz="1200" dirty="0"/>
+              <a:t>: Python </a:t>
+            </a:r>
+            <a:r>
+              <a:rPr lang="en-AU" sz="1200" dirty="0" err="1"/>
+              <a:t>Numpy</a:t>
+            </a:r>
+            <a:r>
+              <a:rPr lang="en-AU" sz="1200" dirty="0"/>
+              <a:t> arrays. Size NX2, where N is the number of points marking the outline of the colour region. The first column is the x- and second is the y-coordinates of each point.</a:t>
+            </a:r>
+          </a:p>
+          <a:p>
+            <a:r>
+              <a:rPr lang="en-AU" sz="1200" dirty="0"/>
+              <a:t>Direction: Integer in degrees (positive for turning left). direction the path planner tells the car to drive in (</a:t>
+            </a:r>
+            <a:r>
+              <a:rPr lang="el-GR" sz="1200" b="0" i="0" dirty="0">
+                <a:solidFill>
+                  <a:srgbClr val="202124"/>
+                </a:solidFill>
+                <a:effectLst/>
+                <a:highlight>
+                  <a:srgbClr val="FFFFFF"/>
+                </a:highlight>
+                <a:latin typeface="Google Sans"/>
+              </a:rPr>
+              <a:t>Θ</a:t>
+            </a:r>
+            <a:r>
+              <a:rPr lang="en-AU" sz="1200" b="0" i="0" dirty="0">
+                <a:solidFill>
+                  <a:srgbClr val="202124"/>
+                </a:solidFill>
+                <a:effectLst/>
+                <a:highlight>
+                  <a:srgbClr val="FFFFFF"/>
+                </a:highlight>
+                <a:latin typeface="Google Sans"/>
+              </a:rPr>
+              <a:t> in the diagram on the right)</a:t>
+            </a:r>
+          </a:p>
+          <a:p>
+            <a:r>
+              <a:rPr lang="en-AU" sz="1200" dirty="0"/>
+              <a:t>Speed: integer between 0 and 255. The maximum PWM value written to the motors on the car.</a:t>
+            </a:r>
+          </a:p>
+          <a:p>
+            <a:r>
+              <a:rPr lang="en-AU" sz="1200" dirty="0"/>
+              <a:t>Python queue: each element is a string in the format: </a:t>
+            </a:r>
+            <a:r>
+              <a:rPr lang="en-US" sz="1200" dirty="0"/>
+              <a:t>“/ &lt;direction&gt; &lt;speed&gt;”</a:t>
+            </a:r>
+            <a:endParaRPr lang="en-AU" sz="1200" dirty="0"/>
+          </a:p>
+        </p:txBody>
+      </p:sp>
+      <p:pic>
+        <p:nvPicPr>
+          <p:cNvPr id="1028" name="Picture 4" descr="Zenith angle (Θ) and the corresponding factor cos(Θ). n = surface... |  Download Scientific Diagram">
+            <a:extLst>
+              <a:ext uri="{FF2B5EF4-FFF2-40B4-BE49-F238E27FC236}">
+                <a16:creationId xmlns:a16="http://schemas.microsoft.com/office/drawing/2014/main" id="{E0BC0EDD-8E82-D0E4-102D-117F26E33F93}"/>
+              </a:ext>
+            </a:extLst>
+          </p:cNvPr>
+          <p:cNvPicPr>
+            <a:picLocks noChangeAspect="1" noChangeArrowheads="1"/>
+          </p:cNvPicPr>
+          <p:nvPr/>
+        </p:nvPicPr>
+        <p:blipFill rotWithShape="1">
+          <a:blip r:embed="rId2">
+            <a:extLst>
+              <a:ext uri="{28A0092B-C50C-407E-A947-70E740481C1C}">
+                <a14:useLocalDpi xmlns:a14="http://schemas.microsoft.com/office/drawing/2010/main" val="0"/>
+              </a:ext>
+            </a:extLst>
+          </a:blip>
+          <a:srcRect l="36258" r="36798" b="41237"/>
+          <a:stretch/>
+        </p:blipFill>
+        <p:spPr bwMode="auto">
+          <a:xfrm flipH="1">
+            <a:off x="7327649" y="4949324"/>
+            <a:ext cx="2253049" cy="1514273"/>
+          </a:xfrm>
+          <a:prstGeom prst="rect">
+            <a:avLst/>
+          </a:prstGeom>
+          <a:noFill/>
+          <a:extLst>
+            <a:ext uri="{909E8E84-426E-40DD-AFC4-6F175D3DCCD1}">
+              <a14:hiddenFill xmlns:a14="http://schemas.microsoft.com/office/drawing/2010/main">
+                <a:solidFill>
+                  <a:srgbClr val="FFFFFF"/>
+                </a:solidFill>
+              </a14:hiddenFill>
+            </a:ext>
+          </a:extLst>
+        </p:spPr>
+      </p:pic>
+      <p:sp>
+        <p:nvSpPr>
           <p:cNvPr id="19" name="Right Arrow 18">
             <a:extLst>
               <a:ext uri="{FF2B5EF4-FFF2-40B4-BE49-F238E27FC236}">
@@ -4128,7 +4973,7 @@
 </p:sld>
 </file>
 
-<file path=ppt/slides/slide2.xml><?xml version="1.0" encoding="utf-8"?>
+<file path=ppt/slides/slide3.xml><?xml version="1.0" encoding="utf-8"?>
 <p:sld xmlns:a="http://schemas.openxmlformats.org/drawingml/2006/main" xmlns:r="http://schemas.openxmlformats.org/officeDocument/2006/relationships" xmlns:p="http://schemas.openxmlformats.org/presentationml/2006/main">
   <p:cSld>
     <p:spTree>
